--- a/Score Sight Service.pptx
+++ b/Score Sight Service.pptx
@@ -4,6 +4,9 @@
   <p:sldMasterIdLst>
     <p:sldMasterId id="2147483732" r:id="rId1"/>
   </p:sldMasterIdLst>
+  <p:notesMasterIdLst>
+    <p:notesMasterId r:id="rId5"/>
+  </p:notesMasterIdLst>
   <p:sldIdLst>
     <p:sldId id="256" r:id="rId2"/>
     <p:sldId id="257" r:id="rId3"/>
@@ -112,6 +115,439 @@
     </p:ext>
   </p:extLst>
 </p:presentation>
+</file>
+
+<file path=ppt/notesMasters/notesMaster1.xml><?xml version="1.0" encoding="utf-8"?>
+<p:notesMaster xmlns:a="http://schemas.openxmlformats.org/drawingml/2006/main" xmlns:r="http://schemas.openxmlformats.org/officeDocument/2006/relationships" xmlns:p="http://schemas.openxmlformats.org/presentationml/2006/main">
+  <p:cSld>
+    <p:bg>
+      <p:bgRef idx="1001">
+        <a:schemeClr val="bg1"/>
+      </p:bgRef>
+    </p:bg>
+    <p:spTree>
+      <p:nvGrpSpPr>
+        <p:cNvPr id="1" name=""/>
+        <p:cNvGrpSpPr/>
+        <p:nvPr/>
+      </p:nvGrpSpPr>
+      <p:grpSpPr>
+        <a:xfrm>
+          <a:off x="0" y="0"/>
+          <a:ext cx="0" cy="0"/>
+          <a:chOff x="0" y="0"/>
+          <a:chExt cx="0" cy="0"/>
+        </a:xfrm>
+      </p:grpSpPr>
+      <p:sp>
+        <p:nvSpPr>
+          <p:cNvPr id="2" name="Header Placeholder 1"/>
+          <p:cNvSpPr>
+            <a:spLocks noGrp="1"/>
+          </p:cNvSpPr>
+          <p:nvPr>
+            <p:ph type="hdr" sz="quarter"/>
+          </p:nvPr>
+        </p:nvSpPr>
+        <p:spPr>
+          <a:xfrm>
+            <a:off x="0" y="0"/>
+            <a:ext cx="2971800" cy="458788"/>
+          </a:xfrm>
+          <a:prstGeom prst="rect">
+            <a:avLst/>
+          </a:prstGeom>
+        </p:spPr>
+        <p:txBody>
+          <a:bodyPr vert="horz" lIns="91440" tIns="45720" rIns="91440" bIns="45720" rtlCol="0"/>
+          <a:lstStyle>
+            <a:lvl1pPr algn="l">
+              <a:defRPr sz="1200"/>
+            </a:lvl1pPr>
+          </a:lstStyle>
+          <a:p>
+            <a:endParaRPr lang="en-US"/>
+          </a:p>
+        </p:txBody>
+      </p:sp>
+      <p:sp>
+        <p:nvSpPr>
+          <p:cNvPr id="3" name="Date Placeholder 2"/>
+          <p:cNvSpPr>
+            <a:spLocks noGrp="1"/>
+          </p:cNvSpPr>
+          <p:nvPr>
+            <p:ph type="dt" idx="1"/>
+          </p:nvPr>
+        </p:nvSpPr>
+        <p:spPr>
+          <a:xfrm>
+            <a:off x="3884613" y="0"/>
+            <a:ext cx="2971800" cy="458788"/>
+          </a:xfrm>
+          <a:prstGeom prst="rect">
+            <a:avLst/>
+          </a:prstGeom>
+        </p:spPr>
+        <p:txBody>
+          <a:bodyPr vert="horz" lIns="91440" tIns="45720" rIns="91440" bIns="45720" rtlCol="0"/>
+          <a:lstStyle>
+            <a:lvl1pPr algn="r">
+              <a:defRPr sz="1200"/>
+            </a:lvl1pPr>
+          </a:lstStyle>
+          <a:p>
+            <a:fld id="{9E1C56A4-5C78-4E7B-9545-410C25E1403F}" type="datetimeFigureOut">
+              <a:rPr lang="en-US" smtClean="0"/>
+              <a:t>8/26/2023</a:t>
+            </a:fld>
+            <a:endParaRPr lang="en-US"/>
+          </a:p>
+        </p:txBody>
+      </p:sp>
+      <p:sp>
+        <p:nvSpPr>
+          <p:cNvPr id="4" name="Slide Image Placeholder 3"/>
+          <p:cNvSpPr>
+            <a:spLocks noGrp="1" noRot="1" noChangeAspect="1"/>
+          </p:cNvSpPr>
+          <p:nvPr>
+            <p:ph type="sldImg" idx="2"/>
+          </p:nvPr>
+        </p:nvSpPr>
+        <p:spPr>
+          <a:xfrm>
+            <a:off x="685800" y="1143000"/>
+            <a:ext cx="5486400" cy="3086100"/>
+          </a:xfrm>
+          <a:prstGeom prst="rect">
+            <a:avLst/>
+          </a:prstGeom>
+          <a:noFill/>
+          <a:ln w="12700">
+            <a:solidFill>
+              <a:prstClr val="black"/>
+            </a:solidFill>
+          </a:ln>
+        </p:spPr>
+        <p:txBody>
+          <a:bodyPr vert="horz" lIns="91440" tIns="45720" rIns="91440" bIns="45720" rtlCol="0" anchor="ctr"/>
+          <a:lstStyle/>
+          <a:p>
+            <a:endParaRPr lang="en-US"/>
+          </a:p>
+        </p:txBody>
+      </p:sp>
+      <p:sp>
+        <p:nvSpPr>
+          <p:cNvPr id="5" name="Notes Placeholder 4"/>
+          <p:cNvSpPr>
+            <a:spLocks noGrp="1"/>
+          </p:cNvSpPr>
+          <p:nvPr>
+            <p:ph type="body" sz="quarter" idx="3"/>
+          </p:nvPr>
+        </p:nvSpPr>
+        <p:spPr>
+          <a:xfrm>
+            <a:off x="685800" y="4400550"/>
+            <a:ext cx="5486400" cy="3600450"/>
+          </a:xfrm>
+          <a:prstGeom prst="rect">
+            <a:avLst/>
+          </a:prstGeom>
+        </p:spPr>
+        <p:txBody>
+          <a:bodyPr vert="horz" lIns="91440" tIns="45720" rIns="91440" bIns="45720" rtlCol="0"/>
+          <a:lstStyle/>
+          <a:p>
+            <a:pPr lvl="0"/>
+            <a:r>
+              <a:rPr lang="en-US"/>
+              <a:t>Click to edit Master text styles</a:t>
+            </a:r>
+          </a:p>
+          <a:p>
+            <a:pPr lvl="1"/>
+            <a:r>
+              <a:rPr lang="en-US"/>
+              <a:t>Second level</a:t>
+            </a:r>
+          </a:p>
+          <a:p>
+            <a:pPr lvl="2"/>
+            <a:r>
+              <a:rPr lang="en-US"/>
+              <a:t>Third level</a:t>
+            </a:r>
+          </a:p>
+          <a:p>
+            <a:pPr lvl="3"/>
+            <a:r>
+              <a:rPr lang="en-US"/>
+              <a:t>Fourth level</a:t>
+            </a:r>
+          </a:p>
+          <a:p>
+            <a:pPr lvl="4"/>
+            <a:r>
+              <a:rPr lang="en-US"/>
+              <a:t>Fifth level</a:t>
+            </a:r>
+          </a:p>
+        </p:txBody>
+      </p:sp>
+      <p:sp>
+        <p:nvSpPr>
+          <p:cNvPr id="6" name="Footer Placeholder 5"/>
+          <p:cNvSpPr>
+            <a:spLocks noGrp="1"/>
+          </p:cNvSpPr>
+          <p:nvPr>
+            <p:ph type="ftr" sz="quarter" idx="4"/>
+          </p:nvPr>
+        </p:nvSpPr>
+        <p:spPr>
+          <a:xfrm>
+            <a:off x="0" y="8685213"/>
+            <a:ext cx="2971800" cy="458787"/>
+          </a:xfrm>
+          <a:prstGeom prst="rect">
+            <a:avLst/>
+          </a:prstGeom>
+        </p:spPr>
+        <p:txBody>
+          <a:bodyPr vert="horz" lIns="91440" tIns="45720" rIns="91440" bIns="45720" rtlCol="0" anchor="b"/>
+          <a:lstStyle>
+            <a:lvl1pPr algn="l">
+              <a:defRPr sz="1200"/>
+            </a:lvl1pPr>
+          </a:lstStyle>
+          <a:p>
+            <a:endParaRPr lang="en-US"/>
+          </a:p>
+        </p:txBody>
+      </p:sp>
+      <p:sp>
+        <p:nvSpPr>
+          <p:cNvPr id="7" name="Slide Number Placeholder 6"/>
+          <p:cNvSpPr>
+            <a:spLocks noGrp="1"/>
+          </p:cNvSpPr>
+          <p:nvPr>
+            <p:ph type="sldNum" sz="quarter" idx="5"/>
+          </p:nvPr>
+        </p:nvSpPr>
+        <p:spPr>
+          <a:xfrm>
+            <a:off x="3884613" y="8685213"/>
+            <a:ext cx="2971800" cy="458787"/>
+          </a:xfrm>
+          <a:prstGeom prst="rect">
+            <a:avLst/>
+          </a:prstGeom>
+        </p:spPr>
+        <p:txBody>
+          <a:bodyPr vert="horz" lIns="91440" tIns="45720" rIns="91440" bIns="45720" rtlCol="0" anchor="b"/>
+          <a:lstStyle>
+            <a:lvl1pPr algn="r">
+              <a:defRPr sz="1200"/>
+            </a:lvl1pPr>
+          </a:lstStyle>
+          <a:p>
+            <a:fld id="{A68C2032-B50B-46B6-A4C5-397E124DBCC7}" type="slidenum">
+              <a:rPr lang="en-US" smtClean="0"/>
+              <a:t>‹#›</a:t>
+            </a:fld>
+            <a:endParaRPr lang="en-US"/>
+          </a:p>
+        </p:txBody>
+      </p:sp>
+    </p:spTree>
+    <p:extLst>
+      <p:ext uri="{BB962C8B-B14F-4D97-AF65-F5344CB8AC3E}">
+        <p14:creationId xmlns:p14="http://schemas.microsoft.com/office/powerpoint/2010/main" val="3822927255"/>
+      </p:ext>
+    </p:extLst>
+  </p:cSld>
+  <p:clrMap bg1="lt1" tx1="dk1" bg2="lt2" tx2="dk2" accent1="accent1" accent2="accent2" accent3="accent3" accent4="accent4" accent5="accent5" accent6="accent6" hlink="hlink" folHlink="folHlink"/>
+  <p:notesStyle>
+    <a:lvl1pPr marL="0" algn="l" defTabSz="914400" rtl="0" eaLnBrk="1" latinLnBrk="0" hangingPunct="1">
+      <a:defRPr sz="1200" kern="1200">
+        <a:solidFill>
+          <a:schemeClr val="tx1"/>
+        </a:solidFill>
+        <a:latin typeface="+mn-lt"/>
+        <a:ea typeface="+mn-ea"/>
+        <a:cs typeface="+mn-cs"/>
+      </a:defRPr>
+    </a:lvl1pPr>
+    <a:lvl2pPr marL="457200" algn="l" defTabSz="914400" rtl="0" eaLnBrk="1" latinLnBrk="0" hangingPunct="1">
+      <a:defRPr sz="1200" kern="1200">
+        <a:solidFill>
+          <a:schemeClr val="tx1"/>
+        </a:solidFill>
+        <a:latin typeface="+mn-lt"/>
+        <a:ea typeface="+mn-ea"/>
+        <a:cs typeface="+mn-cs"/>
+      </a:defRPr>
+    </a:lvl2pPr>
+    <a:lvl3pPr marL="914400" algn="l" defTabSz="914400" rtl="0" eaLnBrk="1" latinLnBrk="0" hangingPunct="1">
+      <a:defRPr sz="1200" kern="1200">
+        <a:solidFill>
+          <a:schemeClr val="tx1"/>
+        </a:solidFill>
+        <a:latin typeface="+mn-lt"/>
+        <a:ea typeface="+mn-ea"/>
+        <a:cs typeface="+mn-cs"/>
+      </a:defRPr>
+    </a:lvl3pPr>
+    <a:lvl4pPr marL="1371600" algn="l" defTabSz="914400" rtl="0" eaLnBrk="1" latinLnBrk="0" hangingPunct="1">
+      <a:defRPr sz="1200" kern="1200">
+        <a:solidFill>
+          <a:schemeClr val="tx1"/>
+        </a:solidFill>
+        <a:latin typeface="+mn-lt"/>
+        <a:ea typeface="+mn-ea"/>
+        <a:cs typeface="+mn-cs"/>
+      </a:defRPr>
+    </a:lvl4pPr>
+    <a:lvl5pPr marL="1828800" algn="l" defTabSz="914400" rtl="0" eaLnBrk="1" latinLnBrk="0" hangingPunct="1">
+      <a:defRPr sz="1200" kern="1200">
+        <a:solidFill>
+          <a:schemeClr val="tx1"/>
+        </a:solidFill>
+        <a:latin typeface="+mn-lt"/>
+        <a:ea typeface="+mn-ea"/>
+        <a:cs typeface="+mn-cs"/>
+      </a:defRPr>
+    </a:lvl5pPr>
+    <a:lvl6pPr marL="2286000" algn="l" defTabSz="914400" rtl="0" eaLnBrk="1" latinLnBrk="0" hangingPunct="1">
+      <a:defRPr sz="1200" kern="1200">
+        <a:solidFill>
+          <a:schemeClr val="tx1"/>
+        </a:solidFill>
+        <a:latin typeface="+mn-lt"/>
+        <a:ea typeface="+mn-ea"/>
+        <a:cs typeface="+mn-cs"/>
+      </a:defRPr>
+    </a:lvl6pPr>
+    <a:lvl7pPr marL="2743200" algn="l" defTabSz="914400" rtl="0" eaLnBrk="1" latinLnBrk="0" hangingPunct="1">
+      <a:defRPr sz="1200" kern="1200">
+        <a:solidFill>
+          <a:schemeClr val="tx1"/>
+        </a:solidFill>
+        <a:latin typeface="+mn-lt"/>
+        <a:ea typeface="+mn-ea"/>
+        <a:cs typeface="+mn-cs"/>
+      </a:defRPr>
+    </a:lvl7pPr>
+    <a:lvl8pPr marL="3200400" algn="l" defTabSz="914400" rtl="0" eaLnBrk="1" latinLnBrk="0" hangingPunct="1">
+      <a:defRPr sz="1200" kern="1200">
+        <a:solidFill>
+          <a:schemeClr val="tx1"/>
+        </a:solidFill>
+        <a:latin typeface="+mn-lt"/>
+        <a:ea typeface="+mn-ea"/>
+        <a:cs typeface="+mn-cs"/>
+      </a:defRPr>
+    </a:lvl8pPr>
+    <a:lvl9pPr marL="3657600" algn="l" defTabSz="914400" rtl="0" eaLnBrk="1" latinLnBrk="0" hangingPunct="1">
+      <a:defRPr sz="1200" kern="1200">
+        <a:solidFill>
+          <a:schemeClr val="tx1"/>
+        </a:solidFill>
+        <a:latin typeface="+mn-lt"/>
+        <a:ea typeface="+mn-ea"/>
+        <a:cs typeface="+mn-cs"/>
+      </a:defRPr>
+    </a:lvl9pPr>
+  </p:notesStyle>
+</p:notesMaster>
+</file>
+
+<file path=ppt/notesSlides/notesSlide1.xml><?xml version="1.0" encoding="utf-8"?>
+<p:notes xmlns:a="http://schemas.openxmlformats.org/drawingml/2006/main" xmlns:r="http://schemas.openxmlformats.org/officeDocument/2006/relationships" xmlns:p="http://schemas.openxmlformats.org/presentationml/2006/main">
+  <p:cSld>
+    <p:spTree>
+      <p:nvGrpSpPr>
+        <p:cNvPr id="1" name=""/>
+        <p:cNvGrpSpPr/>
+        <p:nvPr/>
+      </p:nvGrpSpPr>
+      <p:grpSpPr>
+        <a:xfrm>
+          <a:off x="0" y="0"/>
+          <a:ext cx="0" cy="0"/>
+          <a:chOff x="0" y="0"/>
+          <a:chExt cx="0" cy="0"/>
+        </a:xfrm>
+      </p:grpSpPr>
+      <p:sp>
+        <p:nvSpPr>
+          <p:cNvPr id="2" name="Slide Image Placeholder 1"/>
+          <p:cNvSpPr>
+            <a:spLocks noGrp="1" noRot="1" noChangeAspect="1"/>
+          </p:cNvSpPr>
+          <p:nvPr>
+            <p:ph type="sldImg"/>
+          </p:nvPr>
+        </p:nvSpPr>
+        <p:spPr/>
+      </p:sp>
+      <p:sp>
+        <p:nvSpPr>
+          <p:cNvPr id="3" name="Notes Placeholder 2"/>
+          <p:cNvSpPr>
+            <a:spLocks noGrp="1"/>
+          </p:cNvSpPr>
+          <p:nvPr>
+            <p:ph type="body" idx="1"/>
+          </p:nvPr>
+        </p:nvSpPr>
+        <p:spPr/>
+        <p:txBody>
+          <a:bodyPr/>
+          <a:lstStyle/>
+          <a:p>
+            <a:endParaRPr lang="en-US" dirty="0"/>
+          </a:p>
+        </p:txBody>
+      </p:sp>
+      <p:sp>
+        <p:nvSpPr>
+          <p:cNvPr id="4" name="Slide Number Placeholder 3"/>
+          <p:cNvSpPr>
+            <a:spLocks noGrp="1"/>
+          </p:cNvSpPr>
+          <p:nvPr>
+            <p:ph type="sldNum" sz="quarter" idx="5"/>
+          </p:nvPr>
+        </p:nvSpPr>
+        <p:spPr/>
+        <p:txBody>
+          <a:bodyPr/>
+          <a:lstStyle/>
+          <a:p>
+            <a:fld id="{A68C2032-B50B-46B6-A4C5-397E124DBCC7}" type="slidenum">
+              <a:rPr lang="en-US" smtClean="0"/>
+              <a:t>3</a:t>
+            </a:fld>
+            <a:endParaRPr lang="en-US"/>
+          </a:p>
+        </p:txBody>
+      </p:sp>
+    </p:spTree>
+    <p:extLst>
+      <p:ext uri="{BB962C8B-B14F-4D97-AF65-F5344CB8AC3E}">
+        <p14:creationId xmlns:p14="http://schemas.microsoft.com/office/powerpoint/2010/main" val="3460404069"/>
+      </p:ext>
+    </p:extLst>
+  </p:cSld>
+  <p:clrMapOvr>
+    <a:masterClrMapping/>
+  </p:clrMapOvr>
+</p:notes>
 </file>
 
 <file path=ppt/slideLayouts/slideLayout1.xml><?xml version="1.0" encoding="utf-8"?>
@@ -8907,7 +9343,7 @@
           <a:p>
             <a:fld id="{94126429-1545-44B2-B090-2EECE6FDF815}" type="datetimeFigureOut">
               <a:rPr lang="en-US" smtClean="0"/>
-              <a:t>8/24/2023</a:t>
+              <a:t>8/26/2023</a:t>
             </a:fld>
             <a:endParaRPr lang="en-US"/>
           </a:p>
@@ -9114,7 +9550,7 @@
           <a:p>
             <a:fld id="{94126429-1545-44B2-B090-2EECE6FDF815}" type="datetimeFigureOut">
               <a:rPr lang="en-US" smtClean="0"/>
-              <a:t>8/24/2023</a:t>
+              <a:t>8/26/2023</a:t>
             </a:fld>
             <a:endParaRPr lang="en-US"/>
           </a:p>
@@ -9294,7 +9730,7 @@
           <a:p>
             <a:fld id="{94126429-1545-44B2-B090-2EECE6FDF815}" type="datetimeFigureOut">
               <a:rPr lang="en-US" smtClean="0"/>
-              <a:t>8/24/2023</a:t>
+              <a:t>8/26/2023</a:t>
             </a:fld>
             <a:endParaRPr lang="en-US"/>
           </a:p>
@@ -9499,7 +9935,7 @@
           <a:p>
             <a:fld id="{94126429-1545-44B2-B090-2EECE6FDF815}" type="datetimeFigureOut">
               <a:rPr lang="en-US" smtClean="0"/>
-              <a:t>8/24/2023</a:t>
+              <a:t>8/26/2023</a:t>
             </a:fld>
             <a:endParaRPr lang="en-US"/>
           </a:p>
@@ -18397,7 +18833,7 @@
           <a:p>
             <a:fld id="{94126429-1545-44B2-B090-2EECE6FDF815}" type="datetimeFigureOut">
               <a:rPr lang="en-US" smtClean="0"/>
-              <a:t>8/24/2023</a:t>
+              <a:t>8/26/2023</a:t>
             </a:fld>
             <a:endParaRPr lang="en-US"/>
           </a:p>
@@ -18671,7 +19107,7 @@
           <a:p>
             <a:fld id="{94126429-1545-44B2-B090-2EECE6FDF815}" type="datetimeFigureOut">
               <a:rPr lang="en-US" smtClean="0"/>
-              <a:t>8/24/2023</a:t>
+              <a:t>8/26/2023</a:t>
             </a:fld>
             <a:endParaRPr lang="en-US"/>
           </a:p>
@@ -19069,7 +19505,7 @@
           <a:p>
             <a:fld id="{94126429-1545-44B2-B090-2EECE6FDF815}" type="datetimeFigureOut">
               <a:rPr lang="en-US" smtClean="0"/>
-              <a:t>8/24/2023</a:t>
+              <a:t>8/26/2023</a:t>
             </a:fld>
             <a:endParaRPr lang="en-US"/>
           </a:p>
@@ -19187,7 +19623,7 @@
           <a:p>
             <a:fld id="{94126429-1545-44B2-B090-2EECE6FDF815}" type="datetimeFigureOut">
               <a:rPr lang="en-US" smtClean="0"/>
-              <a:t>8/24/2023</a:t>
+              <a:t>8/26/2023</a:t>
             </a:fld>
             <a:endParaRPr lang="en-US"/>
           </a:p>
@@ -19282,7 +19718,7 @@
           <a:p>
             <a:fld id="{94126429-1545-44B2-B090-2EECE6FDF815}" type="datetimeFigureOut">
               <a:rPr lang="en-US" smtClean="0"/>
-              <a:t>8/24/2023</a:t>
+              <a:t>8/26/2023</a:t>
             </a:fld>
             <a:endParaRPr lang="en-US"/>
           </a:p>
@@ -19572,7 +20008,7 @@
           <a:p>
             <a:fld id="{94126429-1545-44B2-B090-2EECE6FDF815}" type="datetimeFigureOut">
               <a:rPr lang="en-US" smtClean="0"/>
-              <a:t>8/24/2023</a:t>
+              <a:t>8/26/2023</a:t>
             </a:fld>
             <a:endParaRPr lang="en-US"/>
           </a:p>
@@ -19852,7 +20288,7 @@
           <a:p>
             <a:fld id="{94126429-1545-44B2-B090-2EECE6FDF815}" type="datetimeFigureOut">
               <a:rPr lang="en-US" smtClean="0"/>
-              <a:t>8/24/2023</a:t>
+              <a:t>8/26/2023</a:t>
             </a:fld>
             <a:endParaRPr lang="en-US"/>
           </a:p>
@@ -20102,7 +20538,7 @@
           <a:p>
             <a:fld id="{94126429-1545-44B2-B090-2EECE6FDF815}" type="datetimeFigureOut">
               <a:rPr lang="en-US" smtClean="0"/>
-              <a:t>8/24/2023</a:t>
+              <a:t>8/26/2023</a:t>
             </a:fld>
             <a:endParaRPr lang="en-US"/>
           </a:p>
@@ -30701,35 +31137,9 @@
   <p:cSld>
     <p:bg>
       <p:bgPr>
-        <a:gradFill>
-          <a:gsLst>
-            <a:gs pos="0">
-              <a:schemeClr val="accent1">
-                <a:lumMod val="6000"/>
-                <a:lumOff val="94000"/>
-              </a:schemeClr>
-            </a:gs>
-            <a:gs pos="74000">
-              <a:schemeClr val="accent1">
-                <a:lumMod val="45000"/>
-                <a:lumOff val="55000"/>
-              </a:schemeClr>
-            </a:gs>
-            <a:gs pos="83000">
-              <a:schemeClr val="accent1">
-                <a:lumMod val="45000"/>
-                <a:lumOff val="55000"/>
-              </a:schemeClr>
-            </a:gs>
-            <a:gs pos="100000">
-              <a:schemeClr val="accent1">
-                <a:lumMod val="30000"/>
-                <a:lumOff val="70000"/>
-              </a:schemeClr>
-            </a:gs>
-          </a:gsLst>
-          <a:lin ang="5400000" scaled="1"/>
-        </a:gradFill>
+        <a:solidFill>
+          <a:schemeClr val="bg1"/>
+        </a:solidFill>
         <a:effectLst/>
       </p:bgPr>
     </p:bg>
@@ -30761,8 +31171,8 @@
         </p:nvSpPr>
         <p:spPr>
           <a:xfrm>
-            <a:off x="609600" y="571501"/>
-            <a:ext cx="1176867" cy="2527300"/>
+            <a:off x="189363" y="360553"/>
+            <a:ext cx="1176867" cy="1805406"/>
           </a:xfrm>
           <a:prstGeom prst="rect">
             <a:avLst/>
@@ -30890,7 +31300,6883 @@
           </a:lstStyle>
           <a:p>
             <a:pPr algn="ctr"/>
-            <a:endParaRPr lang="en-US"/>
+            <a:endParaRPr lang="en-US" sz="1100"/>
+          </a:p>
+        </p:txBody>
+      </p:sp>
+      <p:pic>
+        <p:nvPicPr>
+          <p:cNvPr id="2" name="Picture 1" descr="A picture containing icon&#10;&#10;Description automatically generated">
+            <a:extLst>
+              <a:ext uri="{FF2B5EF4-FFF2-40B4-BE49-F238E27FC236}">
+                <a16:creationId xmlns:a16="http://schemas.microsoft.com/office/drawing/2014/main" id="{1AA70B29-833C-4BB9-9C56-29C2C623F7F5}"/>
+              </a:ext>
+            </a:extLst>
+          </p:cNvPr>
+          <p:cNvPicPr>
+            <a:picLocks noChangeAspect="1"/>
+          </p:cNvPicPr>
+          <p:nvPr/>
+        </p:nvPicPr>
+        <p:blipFill>
+          <a:blip r:embed="rId3" cstate="print">
+            <a:extLst>
+              <a:ext uri="{28A0092B-C50C-407E-A947-70E740481C1C}">
+                <a14:useLocalDpi xmlns:a14="http://schemas.microsoft.com/office/drawing/2010/main" val="0"/>
+              </a:ext>
+            </a:extLst>
+          </a:blip>
+          <a:stretch>
+            <a:fillRect/>
+          </a:stretch>
+        </p:blipFill>
+        <p:spPr>
+          <a:xfrm>
+            <a:off x="227709" y="341178"/>
+            <a:ext cx="385539" cy="385539"/>
+          </a:xfrm>
+          <a:prstGeom prst="rect">
+            <a:avLst/>
+          </a:prstGeom>
+        </p:spPr>
+      </p:pic>
+      <p:sp>
+        <p:nvSpPr>
+          <p:cNvPr id="3" name="Rectangle 2">
+            <a:extLst>
+              <a:ext uri="{FF2B5EF4-FFF2-40B4-BE49-F238E27FC236}">
+                <a16:creationId xmlns:a16="http://schemas.microsoft.com/office/drawing/2014/main" id="{11E62E0E-F50F-443F-8A3E-CC46321BE9A8}"/>
+              </a:ext>
+            </a:extLst>
+          </p:cNvPr>
+          <p:cNvSpPr/>
+          <p:nvPr/>
+        </p:nvSpPr>
+        <p:spPr>
+          <a:xfrm>
+            <a:off x="315795" y="1218726"/>
+            <a:ext cx="977988" cy="290503"/>
+          </a:xfrm>
+          <a:prstGeom prst="rect">
+            <a:avLst/>
+          </a:prstGeom>
+          <a:solidFill>
+            <a:srgbClr val="FEFEFE"/>
+          </a:solidFill>
+          <a:ln>
+            <a:solidFill>
+              <a:schemeClr val="accent3">
+                <a:lumMod val="40000"/>
+                <a:lumOff val="60000"/>
+              </a:schemeClr>
+            </a:solidFill>
+            <a:prstDash val="lgDash"/>
+          </a:ln>
+        </p:spPr>
+        <p:style>
+          <a:lnRef idx="2">
+            <a:schemeClr val="accent1">
+              <a:shade val="50000"/>
+            </a:schemeClr>
+          </a:lnRef>
+          <a:fillRef idx="1">
+            <a:schemeClr val="accent1"/>
+          </a:fillRef>
+          <a:effectRef idx="0">
+            <a:schemeClr val="accent1"/>
+          </a:effectRef>
+          <a:fontRef idx="minor">
+            <a:schemeClr val="lt1"/>
+          </a:fontRef>
+        </p:style>
+        <p:txBody>
+          <a:bodyPr rtlCol="0" anchor="ctr"/>
+          <a:lstStyle>
+            <a:defPPr>
+              <a:defRPr lang="en-US"/>
+            </a:defPPr>
+            <a:lvl1pPr marL="0" algn="l" defTabSz="685800" rtl="0" eaLnBrk="1" latinLnBrk="0" hangingPunct="1">
+              <a:defRPr sz="1350" kern="1200">
+                <a:solidFill>
+                  <a:schemeClr val="lt1"/>
+                </a:solidFill>
+                <a:latin typeface="+mn-lt"/>
+                <a:ea typeface="+mn-ea"/>
+                <a:cs typeface="+mn-cs"/>
+              </a:defRPr>
+            </a:lvl1pPr>
+            <a:lvl2pPr marL="342900" algn="l" defTabSz="685800" rtl="0" eaLnBrk="1" latinLnBrk="0" hangingPunct="1">
+              <a:defRPr sz="1350" kern="1200">
+                <a:solidFill>
+                  <a:schemeClr val="lt1"/>
+                </a:solidFill>
+                <a:latin typeface="+mn-lt"/>
+                <a:ea typeface="+mn-ea"/>
+                <a:cs typeface="+mn-cs"/>
+              </a:defRPr>
+            </a:lvl2pPr>
+            <a:lvl3pPr marL="685800" algn="l" defTabSz="685800" rtl="0" eaLnBrk="1" latinLnBrk="0" hangingPunct="1">
+              <a:defRPr sz="1350" kern="1200">
+                <a:solidFill>
+                  <a:schemeClr val="lt1"/>
+                </a:solidFill>
+                <a:latin typeface="+mn-lt"/>
+                <a:ea typeface="+mn-ea"/>
+                <a:cs typeface="+mn-cs"/>
+              </a:defRPr>
+            </a:lvl3pPr>
+            <a:lvl4pPr marL="1028700" algn="l" defTabSz="685800" rtl="0" eaLnBrk="1" latinLnBrk="0" hangingPunct="1">
+              <a:defRPr sz="1350" kern="1200">
+                <a:solidFill>
+                  <a:schemeClr val="lt1"/>
+                </a:solidFill>
+                <a:latin typeface="+mn-lt"/>
+                <a:ea typeface="+mn-ea"/>
+                <a:cs typeface="+mn-cs"/>
+              </a:defRPr>
+            </a:lvl4pPr>
+            <a:lvl5pPr marL="1371600" algn="l" defTabSz="685800" rtl="0" eaLnBrk="1" latinLnBrk="0" hangingPunct="1">
+              <a:defRPr sz="1350" kern="1200">
+                <a:solidFill>
+                  <a:schemeClr val="lt1"/>
+                </a:solidFill>
+                <a:latin typeface="+mn-lt"/>
+                <a:ea typeface="+mn-ea"/>
+                <a:cs typeface="+mn-cs"/>
+              </a:defRPr>
+            </a:lvl5pPr>
+            <a:lvl6pPr marL="1714500" algn="l" defTabSz="685800" rtl="0" eaLnBrk="1" latinLnBrk="0" hangingPunct="1">
+              <a:defRPr sz="1350" kern="1200">
+                <a:solidFill>
+                  <a:schemeClr val="lt1"/>
+                </a:solidFill>
+                <a:latin typeface="+mn-lt"/>
+                <a:ea typeface="+mn-ea"/>
+                <a:cs typeface="+mn-cs"/>
+              </a:defRPr>
+            </a:lvl6pPr>
+            <a:lvl7pPr marL="2057400" algn="l" defTabSz="685800" rtl="0" eaLnBrk="1" latinLnBrk="0" hangingPunct="1">
+              <a:defRPr sz="1350" kern="1200">
+                <a:solidFill>
+                  <a:schemeClr val="lt1"/>
+                </a:solidFill>
+                <a:latin typeface="+mn-lt"/>
+                <a:ea typeface="+mn-ea"/>
+                <a:cs typeface="+mn-cs"/>
+              </a:defRPr>
+            </a:lvl7pPr>
+            <a:lvl8pPr marL="2400300" algn="l" defTabSz="685800" rtl="0" eaLnBrk="1" latinLnBrk="0" hangingPunct="1">
+              <a:defRPr sz="1350" kern="1200">
+                <a:solidFill>
+                  <a:schemeClr val="lt1"/>
+                </a:solidFill>
+                <a:latin typeface="+mn-lt"/>
+                <a:ea typeface="+mn-ea"/>
+                <a:cs typeface="+mn-cs"/>
+              </a:defRPr>
+            </a:lvl8pPr>
+            <a:lvl9pPr marL="2743200" algn="l" defTabSz="685800" rtl="0" eaLnBrk="1" latinLnBrk="0" hangingPunct="1">
+              <a:defRPr sz="1350" kern="1200">
+                <a:solidFill>
+                  <a:schemeClr val="lt1"/>
+                </a:solidFill>
+                <a:latin typeface="+mn-lt"/>
+                <a:ea typeface="+mn-ea"/>
+                <a:cs typeface="+mn-cs"/>
+              </a:defRPr>
+            </a:lvl9pPr>
+          </a:lstStyle>
+          <a:p>
+            <a:pPr algn="ctr"/>
+            <a:r>
+              <a:rPr lang="en-US" sz="1100" dirty="0" err="1">
+                <a:solidFill>
+                  <a:schemeClr val="tx2"/>
+                </a:solidFill>
+              </a:rPr>
+              <a:t>source_m</a:t>
+            </a:r>
+            <a:endParaRPr lang="en-US" sz="1100" dirty="0">
+              <a:solidFill>
+                <a:schemeClr val="tx2"/>
+              </a:solidFill>
+            </a:endParaRPr>
+          </a:p>
+        </p:txBody>
+      </p:sp>
+      <p:sp>
+        <p:nvSpPr>
+          <p:cNvPr id="7" name="Rectangle 6">
+            <a:extLst>
+              <a:ext uri="{FF2B5EF4-FFF2-40B4-BE49-F238E27FC236}">
+                <a16:creationId xmlns:a16="http://schemas.microsoft.com/office/drawing/2014/main" id="{D3F74EA9-3542-56ED-A388-60848CBE7284}"/>
+              </a:ext>
+            </a:extLst>
+          </p:cNvPr>
+          <p:cNvSpPr/>
+          <p:nvPr/>
+        </p:nvSpPr>
+        <p:spPr>
+          <a:xfrm>
+            <a:off x="326300" y="1751149"/>
+            <a:ext cx="977988" cy="290503"/>
+          </a:xfrm>
+          <a:prstGeom prst="rect">
+            <a:avLst/>
+          </a:prstGeom>
+          <a:solidFill>
+            <a:srgbClr val="FEFEFE"/>
+          </a:solidFill>
+          <a:ln>
+            <a:solidFill>
+              <a:schemeClr val="accent3">
+                <a:lumMod val="40000"/>
+                <a:lumOff val="60000"/>
+              </a:schemeClr>
+            </a:solidFill>
+            <a:prstDash val="lgDash"/>
+          </a:ln>
+        </p:spPr>
+        <p:style>
+          <a:lnRef idx="2">
+            <a:schemeClr val="accent1">
+              <a:shade val="50000"/>
+            </a:schemeClr>
+          </a:lnRef>
+          <a:fillRef idx="1">
+            <a:schemeClr val="accent1"/>
+          </a:fillRef>
+          <a:effectRef idx="0">
+            <a:schemeClr val="accent1"/>
+          </a:effectRef>
+          <a:fontRef idx="minor">
+            <a:schemeClr val="lt1"/>
+          </a:fontRef>
+        </p:style>
+        <p:txBody>
+          <a:bodyPr rtlCol="0" anchor="ctr"/>
+          <a:lstStyle>
+            <a:defPPr>
+              <a:defRPr lang="en-US"/>
+            </a:defPPr>
+            <a:lvl1pPr marL="0" algn="l" defTabSz="685800" rtl="0" eaLnBrk="1" latinLnBrk="0" hangingPunct="1">
+              <a:defRPr sz="1350" kern="1200">
+                <a:solidFill>
+                  <a:schemeClr val="lt1"/>
+                </a:solidFill>
+                <a:latin typeface="+mn-lt"/>
+                <a:ea typeface="+mn-ea"/>
+                <a:cs typeface="+mn-cs"/>
+              </a:defRPr>
+            </a:lvl1pPr>
+            <a:lvl2pPr marL="342900" algn="l" defTabSz="685800" rtl="0" eaLnBrk="1" latinLnBrk="0" hangingPunct="1">
+              <a:defRPr sz="1350" kern="1200">
+                <a:solidFill>
+                  <a:schemeClr val="lt1"/>
+                </a:solidFill>
+                <a:latin typeface="+mn-lt"/>
+                <a:ea typeface="+mn-ea"/>
+                <a:cs typeface="+mn-cs"/>
+              </a:defRPr>
+            </a:lvl2pPr>
+            <a:lvl3pPr marL="685800" algn="l" defTabSz="685800" rtl="0" eaLnBrk="1" latinLnBrk="0" hangingPunct="1">
+              <a:defRPr sz="1350" kern="1200">
+                <a:solidFill>
+                  <a:schemeClr val="lt1"/>
+                </a:solidFill>
+                <a:latin typeface="+mn-lt"/>
+                <a:ea typeface="+mn-ea"/>
+                <a:cs typeface="+mn-cs"/>
+              </a:defRPr>
+            </a:lvl3pPr>
+            <a:lvl4pPr marL="1028700" algn="l" defTabSz="685800" rtl="0" eaLnBrk="1" latinLnBrk="0" hangingPunct="1">
+              <a:defRPr sz="1350" kern="1200">
+                <a:solidFill>
+                  <a:schemeClr val="lt1"/>
+                </a:solidFill>
+                <a:latin typeface="+mn-lt"/>
+                <a:ea typeface="+mn-ea"/>
+                <a:cs typeface="+mn-cs"/>
+              </a:defRPr>
+            </a:lvl4pPr>
+            <a:lvl5pPr marL="1371600" algn="l" defTabSz="685800" rtl="0" eaLnBrk="1" latinLnBrk="0" hangingPunct="1">
+              <a:defRPr sz="1350" kern="1200">
+                <a:solidFill>
+                  <a:schemeClr val="lt1"/>
+                </a:solidFill>
+                <a:latin typeface="+mn-lt"/>
+                <a:ea typeface="+mn-ea"/>
+                <a:cs typeface="+mn-cs"/>
+              </a:defRPr>
+            </a:lvl5pPr>
+            <a:lvl6pPr marL="1714500" algn="l" defTabSz="685800" rtl="0" eaLnBrk="1" latinLnBrk="0" hangingPunct="1">
+              <a:defRPr sz="1350" kern="1200">
+                <a:solidFill>
+                  <a:schemeClr val="lt1"/>
+                </a:solidFill>
+                <a:latin typeface="+mn-lt"/>
+                <a:ea typeface="+mn-ea"/>
+                <a:cs typeface="+mn-cs"/>
+              </a:defRPr>
+            </a:lvl6pPr>
+            <a:lvl7pPr marL="2057400" algn="l" defTabSz="685800" rtl="0" eaLnBrk="1" latinLnBrk="0" hangingPunct="1">
+              <a:defRPr sz="1350" kern="1200">
+                <a:solidFill>
+                  <a:schemeClr val="lt1"/>
+                </a:solidFill>
+                <a:latin typeface="+mn-lt"/>
+                <a:ea typeface="+mn-ea"/>
+                <a:cs typeface="+mn-cs"/>
+              </a:defRPr>
+            </a:lvl7pPr>
+            <a:lvl8pPr marL="2400300" algn="l" defTabSz="685800" rtl="0" eaLnBrk="1" latinLnBrk="0" hangingPunct="1">
+              <a:defRPr sz="1350" kern="1200">
+                <a:solidFill>
+                  <a:schemeClr val="lt1"/>
+                </a:solidFill>
+                <a:latin typeface="+mn-lt"/>
+                <a:ea typeface="+mn-ea"/>
+                <a:cs typeface="+mn-cs"/>
+              </a:defRPr>
+            </a:lvl8pPr>
+            <a:lvl9pPr marL="2743200" algn="l" defTabSz="685800" rtl="0" eaLnBrk="1" latinLnBrk="0" hangingPunct="1">
+              <a:defRPr sz="1350" kern="1200">
+                <a:solidFill>
+                  <a:schemeClr val="lt1"/>
+                </a:solidFill>
+                <a:latin typeface="+mn-lt"/>
+                <a:ea typeface="+mn-ea"/>
+                <a:cs typeface="+mn-cs"/>
+              </a:defRPr>
+            </a:lvl9pPr>
+          </a:lstStyle>
+          <a:p>
+            <a:pPr algn="ctr"/>
+            <a:r>
+              <a:rPr lang="en-US" sz="1100" dirty="0" err="1">
+                <a:solidFill>
+                  <a:schemeClr val="tx2"/>
+                </a:solidFill>
+              </a:rPr>
+              <a:t>source_d</a:t>
+            </a:r>
+            <a:endParaRPr lang="en-US" sz="1100" dirty="0">
+              <a:solidFill>
+                <a:schemeClr val="tx2"/>
+              </a:solidFill>
+            </a:endParaRPr>
+          </a:p>
+        </p:txBody>
+      </p:sp>
+      <p:pic>
+        <p:nvPicPr>
+          <p:cNvPr id="9" name="Graphic 2">
+            <a:extLst>
+              <a:ext uri="{FF2B5EF4-FFF2-40B4-BE49-F238E27FC236}">
+                <a16:creationId xmlns:a16="http://schemas.microsoft.com/office/drawing/2014/main" id="{F652619F-DB86-4187-839F-4645967BE4D1}"/>
+              </a:ext>
+            </a:extLst>
+          </p:cNvPr>
+          <p:cNvPicPr>
+            <a:picLocks noChangeAspect="1"/>
+          </p:cNvPicPr>
+          <p:nvPr/>
+        </p:nvPicPr>
+        <p:blipFill>
+          <a:blip r:embed="rId4">
+            <a:extLst>
+              <a:ext uri="{96DAC541-7B7A-43D3-8B79-37D633B846F1}">
+                <asvg:svgBlip xmlns:asvg="http://schemas.microsoft.com/office/drawing/2016/SVG/main" r:embed="rId5"/>
+              </a:ext>
+            </a:extLst>
+          </a:blip>
+          <a:stretch>
+            <a:fillRect/>
+          </a:stretch>
+        </p:blipFill>
+        <p:spPr>
+          <a:xfrm>
+            <a:off x="303047" y="854773"/>
+            <a:ext cx="234865" cy="234865"/>
+          </a:xfrm>
+          <a:prstGeom prst="rect">
+            <a:avLst/>
+          </a:prstGeom>
+        </p:spPr>
+      </p:pic>
+      <p:sp>
+        <p:nvSpPr>
+          <p:cNvPr id="10" name="TextBox 9">
+            <a:extLst>
+              <a:ext uri="{FF2B5EF4-FFF2-40B4-BE49-F238E27FC236}">
+                <a16:creationId xmlns:a16="http://schemas.microsoft.com/office/drawing/2014/main" id="{44DB9C14-FDDA-125E-0187-53AE2B46DE8C}"/>
+              </a:ext>
+            </a:extLst>
+          </p:cNvPr>
+          <p:cNvSpPr txBox="1"/>
+          <p:nvPr/>
+        </p:nvSpPr>
+        <p:spPr>
+          <a:xfrm>
+            <a:off x="494193" y="854289"/>
+            <a:ext cx="878767" cy="261610"/>
+          </a:xfrm>
+          <a:prstGeom prst="rect">
+            <a:avLst/>
+          </a:prstGeom>
+          <a:noFill/>
+        </p:spPr>
+        <p:txBody>
+          <a:bodyPr wrap="none" rtlCol="0">
+            <a:spAutoFit/>
+          </a:bodyPr>
+          <a:lstStyle/>
+          <a:p>
+            <a:r>
+              <a:rPr lang="en-US" sz="1100" dirty="0"/>
+              <a:t>RAW Bucket</a:t>
+            </a:r>
+          </a:p>
+        </p:txBody>
+      </p:sp>
+      <p:sp>
+        <p:nvSpPr>
+          <p:cNvPr id="19" name="Rectangle 18">
+            <a:extLst>
+              <a:ext uri="{FF2B5EF4-FFF2-40B4-BE49-F238E27FC236}">
+                <a16:creationId xmlns:a16="http://schemas.microsoft.com/office/drawing/2014/main" id="{7AA119B7-A07C-AB79-A2ED-DD38DA29F519}"/>
+              </a:ext>
+            </a:extLst>
+          </p:cNvPr>
+          <p:cNvSpPr/>
+          <p:nvPr/>
+        </p:nvSpPr>
+        <p:spPr>
+          <a:xfrm>
+            <a:off x="3403966" y="319879"/>
+            <a:ext cx="1176867" cy="1805405"/>
+          </a:xfrm>
+          <a:prstGeom prst="rect">
+            <a:avLst/>
+          </a:prstGeom>
+          <a:noFill/>
+          <a:ln>
+            <a:solidFill>
+              <a:schemeClr val="accent2"/>
+            </a:solidFill>
+            <a:prstDash val="lgDash"/>
+          </a:ln>
+        </p:spPr>
+        <p:style>
+          <a:lnRef idx="2">
+            <a:schemeClr val="accent1">
+              <a:shade val="50000"/>
+            </a:schemeClr>
+          </a:lnRef>
+          <a:fillRef idx="1">
+            <a:schemeClr val="accent1"/>
+          </a:fillRef>
+          <a:effectRef idx="0">
+            <a:schemeClr val="accent1"/>
+          </a:effectRef>
+          <a:fontRef idx="minor">
+            <a:schemeClr val="lt1"/>
+          </a:fontRef>
+        </p:style>
+        <p:txBody>
+          <a:bodyPr rtlCol="0" anchor="ctr"/>
+          <a:lstStyle>
+            <a:defPPr>
+              <a:defRPr lang="en-US"/>
+            </a:defPPr>
+            <a:lvl1pPr marL="0" algn="l" defTabSz="685800" rtl="0" eaLnBrk="1" latinLnBrk="0" hangingPunct="1">
+              <a:defRPr sz="1350" kern="1200">
+                <a:solidFill>
+                  <a:schemeClr val="lt1"/>
+                </a:solidFill>
+                <a:latin typeface="+mn-lt"/>
+                <a:ea typeface="+mn-ea"/>
+                <a:cs typeface="+mn-cs"/>
+              </a:defRPr>
+            </a:lvl1pPr>
+            <a:lvl2pPr marL="342900" algn="l" defTabSz="685800" rtl="0" eaLnBrk="1" latinLnBrk="0" hangingPunct="1">
+              <a:defRPr sz="1350" kern="1200">
+                <a:solidFill>
+                  <a:schemeClr val="lt1"/>
+                </a:solidFill>
+                <a:latin typeface="+mn-lt"/>
+                <a:ea typeface="+mn-ea"/>
+                <a:cs typeface="+mn-cs"/>
+              </a:defRPr>
+            </a:lvl2pPr>
+            <a:lvl3pPr marL="685800" algn="l" defTabSz="685800" rtl="0" eaLnBrk="1" latinLnBrk="0" hangingPunct="1">
+              <a:defRPr sz="1350" kern="1200">
+                <a:solidFill>
+                  <a:schemeClr val="lt1"/>
+                </a:solidFill>
+                <a:latin typeface="+mn-lt"/>
+                <a:ea typeface="+mn-ea"/>
+                <a:cs typeface="+mn-cs"/>
+              </a:defRPr>
+            </a:lvl3pPr>
+            <a:lvl4pPr marL="1028700" algn="l" defTabSz="685800" rtl="0" eaLnBrk="1" latinLnBrk="0" hangingPunct="1">
+              <a:defRPr sz="1350" kern="1200">
+                <a:solidFill>
+                  <a:schemeClr val="lt1"/>
+                </a:solidFill>
+                <a:latin typeface="+mn-lt"/>
+                <a:ea typeface="+mn-ea"/>
+                <a:cs typeface="+mn-cs"/>
+              </a:defRPr>
+            </a:lvl4pPr>
+            <a:lvl5pPr marL="1371600" algn="l" defTabSz="685800" rtl="0" eaLnBrk="1" latinLnBrk="0" hangingPunct="1">
+              <a:defRPr sz="1350" kern="1200">
+                <a:solidFill>
+                  <a:schemeClr val="lt1"/>
+                </a:solidFill>
+                <a:latin typeface="+mn-lt"/>
+                <a:ea typeface="+mn-ea"/>
+                <a:cs typeface="+mn-cs"/>
+              </a:defRPr>
+            </a:lvl5pPr>
+            <a:lvl6pPr marL="1714500" algn="l" defTabSz="685800" rtl="0" eaLnBrk="1" latinLnBrk="0" hangingPunct="1">
+              <a:defRPr sz="1350" kern="1200">
+                <a:solidFill>
+                  <a:schemeClr val="lt1"/>
+                </a:solidFill>
+                <a:latin typeface="+mn-lt"/>
+                <a:ea typeface="+mn-ea"/>
+                <a:cs typeface="+mn-cs"/>
+              </a:defRPr>
+            </a:lvl6pPr>
+            <a:lvl7pPr marL="2057400" algn="l" defTabSz="685800" rtl="0" eaLnBrk="1" latinLnBrk="0" hangingPunct="1">
+              <a:defRPr sz="1350" kern="1200">
+                <a:solidFill>
+                  <a:schemeClr val="lt1"/>
+                </a:solidFill>
+                <a:latin typeface="+mn-lt"/>
+                <a:ea typeface="+mn-ea"/>
+                <a:cs typeface="+mn-cs"/>
+              </a:defRPr>
+            </a:lvl7pPr>
+            <a:lvl8pPr marL="2400300" algn="l" defTabSz="685800" rtl="0" eaLnBrk="1" latinLnBrk="0" hangingPunct="1">
+              <a:defRPr sz="1350" kern="1200">
+                <a:solidFill>
+                  <a:schemeClr val="lt1"/>
+                </a:solidFill>
+                <a:latin typeface="+mn-lt"/>
+                <a:ea typeface="+mn-ea"/>
+                <a:cs typeface="+mn-cs"/>
+              </a:defRPr>
+            </a:lvl8pPr>
+            <a:lvl9pPr marL="2743200" algn="l" defTabSz="685800" rtl="0" eaLnBrk="1" latinLnBrk="0" hangingPunct="1">
+              <a:defRPr sz="1350" kern="1200">
+                <a:solidFill>
+                  <a:schemeClr val="lt1"/>
+                </a:solidFill>
+                <a:latin typeface="+mn-lt"/>
+                <a:ea typeface="+mn-ea"/>
+                <a:cs typeface="+mn-cs"/>
+              </a:defRPr>
+            </a:lvl9pPr>
+          </a:lstStyle>
+          <a:p>
+            <a:pPr algn="ctr"/>
+            <a:endParaRPr lang="en-US" sz="1100"/>
+          </a:p>
+        </p:txBody>
+      </p:sp>
+      <p:pic>
+        <p:nvPicPr>
+          <p:cNvPr id="20" name="Picture 19" descr="A picture containing icon&#10;&#10;Description automatically generated">
+            <a:extLst>
+              <a:ext uri="{FF2B5EF4-FFF2-40B4-BE49-F238E27FC236}">
+                <a16:creationId xmlns:a16="http://schemas.microsoft.com/office/drawing/2014/main" id="{1FAD12C5-C1C1-0BAA-4AF0-9A6C17EA3950}"/>
+              </a:ext>
+            </a:extLst>
+          </p:cNvPr>
+          <p:cNvPicPr>
+            <a:picLocks noChangeAspect="1"/>
+          </p:cNvPicPr>
+          <p:nvPr/>
+        </p:nvPicPr>
+        <p:blipFill>
+          <a:blip r:embed="rId3" cstate="print">
+            <a:extLst>
+              <a:ext uri="{28A0092B-C50C-407E-A947-70E740481C1C}">
+                <a14:useLocalDpi xmlns:a14="http://schemas.microsoft.com/office/drawing/2010/main" val="0"/>
+              </a:ext>
+            </a:extLst>
+          </a:blip>
+          <a:stretch>
+            <a:fillRect/>
+          </a:stretch>
+        </p:blipFill>
+        <p:spPr>
+          <a:xfrm>
+            <a:off x="3430805" y="314175"/>
+            <a:ext cx="385539" cy="385539"/>
+          </a:xfrm>
+          <a:prstGeom prst="rect">
+            <a:avLst/>
+          </a:prstGeom>
+        </p:spPr>
+      </p:pic>
+      <p:sp>
+        <p:nvSpPr>
+          <p:cNvPr id="21" name="Rectangle 20">
+            <a:extLst>
+              <a:ext uri="{FF2B5EF4-FFF2-40B4-BE49-F238E27FC236}">
+                <a16:creationId xmlns:a16="http://schemas.microsoft.com/office/drawing/2014/main" id="{63674061-1EF9-4A50-2D56-307193194AF5}"/>
+              </a:ext>
+            </a:extLst>
+          </p:cNvPr>
+          <p:cNvSpPr/>
+          <p:nvPr/>
+        </p:nvSpPr>
+        <p:spPr>
+          <a:xfrm>
+            <a:off x="3530244" y="1184996"/>
+            <a:ext cx="977988" cy="290503"/>
+          </a:xfrm>
+          <a:prstGeom prst="rect">
+            <a:avLst/>
+          </a:prstGeom>
+          <a:solidFill>
+            <a:srgbClr val="FEFEFE"/>
+          </a:solidFill>
+          <a:ln>
+            <a:solidFill>
+              <a:schemeClr val="accent3">
+                <a:lumMod val="40000"/>
+                <a:lumOff val="60000"/>
+              </a:schemeClr>
+            </a:solidFill>
+            <a:prstDash val="lgDash"/>
+          </a:ln>
+        </p:spPr>
+        <p:style>
+          <a:lnRef idx="2">
+            <a:schemeClr val="accent1">
+              <a:shade val="50000"/>
+            </a:schemeClr>
+          </a:lnRef>
+          <a:fillRef idx="1">
+            <a:schemeClr val="accent1"/>
+          </a:fillRef>
+          <a:effectRef idx="0">
+            <a:schemeClr val="accent1"/>
+          </a:effectRef>
+          <a:fontRef idx="minor">
+            <a:schemeClr val="lt1"/>
+          </a:fontRef>
+        </p:style>
+        <p:txBody>
+          <a:bodyPr rtlCol="0" anchor="ctr"/>
+          <a:lstStyle>
+            <a:defPPr>
+              <a:defRPr lang="en-US"/>
+            </a:defPPr>
+            <a:lvl1pPr marL="0" algn="l" defTabSz="685800" rtl="0" eaLnBrk="1" latinLnBrk="0" hangingPunct="1">
+              <a:defRPr sz="1350" kern="1200">
+                <a:solidFill>
+                  <a:schemeClr val="lt1"/>
+                </a:solidFill>
+                <a:latin typeface="+mn-lt"/>
+                <a:ea typeface="+mn-ea"/>
+                <a:cs typeface="+mn-cs"/>
+              </a:defRPr>
+            </a:lvl1pPr>
+            <a:lvl2pPr marL="342900" algn="l" defTabSz="685800" rtl="0" eaLnBrk="1" latinLnBrk="0" hangingPunct="1">
+              <a:defRPr sz="1350" kern="1200">
+                <a:solidFill>
+                  <a:schemeClr val="lt1"/>
+                </a:solidFill>
+                <a:latin typeface="+mn-lt"/>
+                <a:ea typeface="+mn-ea"/>
+                <a:cs typeface="+mn-cs"/>
+              </a:defRPr>
+            </a:lvl2pPr>
+            <a:lvl3pPr marL="685800" algn="l" defTabSz="685800" rtl="0" eaLnBrk="1" latinLnBrk="0" hangingPunct="1">
+              <a:defRPr sz="1350" kern="1200">
+                <a:solidFill>
+                  <a:schemeClr val="lt1"/>
+                </a:solidFill>
+                <a:latin typeface="+mn-lt"/>
+                <a:ea typeface="+mn-ea"/>
+                <a:cs typeface="+mn-cs"/>
+              </a:defRPr>
+            </a:lvl3pPr>
+            <a:lvl4pPr marL="1028700" algn="l" defTabSz="685800" rtl="0" eaLnBrk="1" latinLnBrk="0" hangingPunct="1">
+              <a:defRPr sz="1350" kern="1200">
+                <a:solidFill>
+                  <a:schemeClr val="lt1"/>
+                </a:solidFill>
+                <a:latin typeface="+mn-lt"/>
+                <a:ea typeface="+mn-ea"/>
+                <a:cs typeface="+mn-cs"/>
+              </a:defRPr>
+            </a:lvl4pPr>
+            <a:lvl5pPr marL="1371600" algn="l" defTabSz="685800" rtl="0" eaLnBrk="1" latinLnBrk="0" hangingPunct="1">
+              <a:defRPr sz="1350" kern="1200">
+                <a:solidFill>
+                  <a:schemeClr val="lt1"/>
+                </a:solidFill>
+                <a:latin typeface="+mn-lt"/>
+                <a:ea typeface="+mn-ea"/>
+                <a:cs typeface="+mn-cs"/>
+              </a:defRPr>
+            </a:lvl5pPr>
+            <a:lvl6pPr marL="1714500" algn="l" defTabSz="685800" rtl="0" eaLnBrk="1" latinLnBrk="0" hangingPunct="1">
+              <a:defRPr sz="1350" kern="1200">
+                <a:solidFill>
+                  <a:schemeClr val="lt1"/>
+                </a:solidFill>
+                <a:latin typeface="+mn-lt"/>
+                <a:ea typeface="+mn-ea"/>
+                <a:cs typeface="+mn-cs"/>
+              </a:defRPr>
+            </a:lvl6pPr>
+            <a:lvl7pPr marL="2057400" algn="l" defTabSz="685800" rtl="0" eaLnBrk="1" latinLnBrk="0" hangingPunct="1">
+              <a:defRPr sz="1350" kern="1200">
+                <a:solidFill>
+                  <a:schemeClr val="lt1"/>
+                </a:solidFill>
+                <a:latin typeface="+mn-lt"/>
+                <a:ea typeface="+mn-ea"/>
+                <a:cs typeface="+mn-cs"/>
+              </a:defRPr>
+            </a:lvl7pPr>
+            <a:lvl8pPr marL="2400300" algn="l" defTabSz="685800" rtl="0" eaLnBrk="1" latinLnBrk="0" hangingPunct="1">
+              <a:defRPr sz="1350" kern="1200">
+                <a:solidFill>
+                  <a:schemeClr val="lt1"/>
+                </a:solidFill>
+                <a:latin typeface="+mn-lt"/>
+                <a:ea typeface="+mn-ea"/>
+                <a:cs typeface="+mn-cs"/>
+              </a:defRPr>
+            </a:lvl8pPr>
+            <a:lvl9pPr marL="2743200" algn="l" defTabSz="685800" rtl="0" eaLnBrk="1" latinLnBrk="0" hangingPunct="1">
+              <a:defRPr sz="1350" kern="1200">
+                <a:solidFill>
+                  <a:schemeClr val="lt1"/>
+                </a:solidFill>
+                <a:latin typeface="+mn-lt"/>
+                <a:ea typeface="+mn-ea"/>
+                <a:cs typeface="+mn-cs"/>
+              </a:defRPr>
+            </a:lvl9pPr>
+          </a:lstStyle>
+          <a:p>
+            <a:pPr algn="ctr"/>
+            <a:r>
+              <a:rPr lang="en-US" sz="1100" dirty="0" err="1">
+                <a:solidFill>
+                  <a:schemeClr val="tx2"/>
+                </a:solidFill>
+              </a:rPr>
+              <a:t>source_m</a:t>
+            </a:r>
+            <a:endParaRPr lang="en-US" sz="1100" dirty="0">
+              <a:solidFill>
+                <a:schemeClr val="tx2"/>
+              </a:solidFill>
+            </a:endParaRPr>
+          </a:p>
+        </p:txBody>
+      </p:sp>
+      <p:pic>
+        <p:nvPicPr>
+          <p:cNvPr id="22" name="Picture 21">
+            <a:extLst>
+              <a:ext uri="{FF2B5EF4-FFF2-40B4-BE49-F238E27FC236}">
+                <a16:creationId xmlns:a16="http://schemas.microsoft.com/office/drawing/2014/main" id="{9D9C8408-DE82-DB5E-6BF2-DFCF30310DC2}"/>
+              </a:ext>
+            </a:extLst>
+          </p:cNvPr>
+          <p:cNvPicPr>
+            <a:picLocks noChangeAspect="1" noChangeArrowheads="1"/>
+          </p:cNvPicPr>
+          <p:nvPr/>
+        </p:nvPicPr>
+        <p:blipFill rotWithShape="1">
+          <a:blip r:embed="rId6" cstate="print">
+            <a:extLst>
+              <a:ext uri="{28A0092B-C50C-407E-A947-70E740481C1C}">
+                <a14:useLocalDpi xmlns:a14="http://schemas.microsoft.com/office/drawing/2010/main" val="0"/>
+              </a:ext>
+            </a:extLst>
+          </a:blip>
+          <a:srcRect b="21198"/>
+          <a:stretch/>
+        </p:blipFill>
+        <p:spPr bwMode="auto">
+          <a:xfrm>
+            <a:off x="4336062" y="1064041"/>
+            <a:ext cx="363321" cy="228921"/>
+          </a:xfrm>
+          <a:prstGeom prst="rect">
+            <a:avLst/>
+          </a:prstGeom>
+          <a:solidFill>
+            <a:schemeClr val="bg2"/>
+          </a:solidFill>
+        </p:spPr>
+      </p:pic>
+      <p:sp>
+        <p:nvSpPr>
+          <p:cNvPr id="23" name="Rectangle 22">
+            <a:extLst>
+              <a:ext uri="{FF2B5EF4-FFF2-40B4-BE49-F238E27FC236}">
+                <a16:creationId xmlns:a16="http://schemas.microsoft.com/office/drawing/2014/main" id="{2A215F5A-2899-36AA-BC69-663FF0273964}"/>
+              </a:ext>
+            </a:extLst>
+          </p:cNvPr>
+          <p:cNvSpPr/>
+          <p:nvPr/>
+        </p:nvSpPr>
+        <p:spPr>
+          <a:xfrm>
+            <a:off x="3548780" y="1739433"/>
+            <a:ext cx="977988" cy="290503"/>
+          </a:xfrm>
+          <a:prstGeom prst="rect">
+            <a:avLst/>
+          </a:prstGeom>
+          <a:solidFill>
+            <a:srgbClr val="FEFEFE"/>
+          </a:solidFill>
+          <a:ln>
+            <a:solidFill>
+              <a:schemeClr val="accent3">
+                <a:lumMod val="40000"/>
+                <a:lumOff val="60000"/>
+              </a:schemeClr>
+            </a:solidFill>
+            <a:prstDash val="lgDash"/>
+          </a:ln>
+        </p:spPr>
+        <p:style>
+          <a:lnRef idx="2">
+            <a:schemeClr val="accent1">
+              <a:shade val="50000"/>
+            </a:schemeClr>
+          </a:lnRef>
+          <a:fillRef idx="1">
+            <a:schemeClr val="accent1"/>
+          </a:fillRef>
+          <a:effectRef idx="0">
+            <a:schemeClr val="accent1"/>
+          </a:effectRef>
+          <a:fontRef idx="minor">
+            <a:schemeClr val="lt1"/>
+          </a:fontRef>
+        </p:style>
+        <p:txBody>
+          <a:bodyPr rtlCol="0" anchor="ctr"/>
+          <a:lstStyle>
+            <a:defPPr>
+              <a:defRPr lang="en-US"/>
+            </a:defPPr>
+            <a:lvl1pPr marL="0" algn="l" defTabSz="685800" rtl="0" eaLnBrk="1" latinLnBrk="0" hangingPunct="1">
+              <a:defRPr sz="1350" kern="1200">
+                <a:solidFill>
+                  <a:schemeClr val="lt1"/>
+                </a:solidFill>
+                <a:latin typeface="+mn-lt"/>
+                <a:ea typeface="+mn-ea"/>
+                <a:cs typeface="+mn-cs"/>
+              </a:defRPr>
+            </a:lvl1pPr>
+            <a:lvl2pPr marL="342900" algn="l" defTabSz="685800" rtl="0" eaLnBrk="1" latinLnBrk="0" hangingPunct="1">
+              <a:defRPr sz="1350" kern="1200">
+                <a:solidFill>
+                  <a:schemeClr val="lt1"/>
+                </a:solidFill>
+                <a:latin typeface="+mn-lt"/>
+                <a:ea typeface="+mn-ea"/>
+                <a:cs typeface="+mn-cs"/>
+              </a:defRPr>
+            </a:lvl2pPr>
+            <a:lvl3pPr marL="685800" algn="l" defTabSz="685800" rtl="0" eaLnBrk="1" latinLnBrk="0" hangingPunct="1">
+              <a:defRPr sz="1350" kern="1200">
+                <a:solidFill>
+                  <a:schemeClr val="lt1"/>
+                </a:solidFill>
+                <a:latin typeface="+mn-lt"/>
+                <a:ea typeface="+mn-ea"/>
+                <a:cs typeface="+mn-cs"/>
+              </a:defRPr>
+            </a:lvl3pPr>
+            <a:lvl4pPr marL="1028700" algn="l" defTabSz="685800" rtl="0" eaLnBrk="1" latinLnBrk="0" hangingPunct="1">
+              <a:defRPr sz="1350" kern="1200">
+                <a:solidFill>
+                  <a:schemeClr val="lt1"/>
+                </a:solidFill>
+                <a:latin typeface="+mn-lt"/>
+                <a:ea typeface="+mn-ea"/>
+                <a:cs typeface="+mn-cs"/>
+              </a:defRPr>
+            </a:lvl4pPr>
+            <a:lvl5pPr marL="1371600" algn="l" defTabSz="685800" rtl="0" eaLnBrk="1" latinLnBrk="0" hangingPunct="1">
+              <a:defRPr sz="1350" kern="1200">
+                <a:solidFill>
+                  <a:schemeClr val="lt1"/>
+                </a:solidFill>
+                <a:latin typeface="+mn-lt"/>
+                <a:ea typeface="+mn-ea"/>
+                <a:cs typeface="+mn-cs"/>
+              </a:defRPr>
+            </a:lvl5pPr>
+            <a:lvl6pPr marL="1714500" algn="l" defTabSz="685800" rtl="0" eaLnBrk="1" latinLnBrk="0" hangingPunct="1">
+              <a:defRPr sz="1350" kern="1200">
+                <a:solidFill>
+                  <a:schemeClr val="lt1"/>
+                </a:solidFill>
+                <a:latin typeface="+mn-lt"/>
+                <a:ea typeface="+mn-ea"/>
+                <a:cs typeface="+mn-cs"/>
+              </a:defRPr>
+            </a:lvl6pPr>
+            <a:lvl7pPr marL="2057400" algn="l" defTabSz="685800" rtl="0" eaLnBrk="1" latinLnBrk="0" hangingPunct="1">
+              <a:defRPr sz="1350" kern="1200">
+                <a:solidFill>
+                  <a:schemeClr val="lt1"/>
+                </a:solidFill>
+                <a:latin typeface="+mn-lt"/>
+                <a:ea typeface="+mn-ea"/>
+                <a:cs typeface="+mn-cs"/>
+              </a:defRPr>
+            </a:lvl7pPr>
+            <a:lvl8pPr marL="2400300" algn="l" defTabSz="685800" rtl="0" eaLnBrk="1" latinLnBrk="0" hangingPunct="1">
+              <a:defRPr sz="1350" kern="1200">
+                <a:solidFill>
+                  <a:schemeClr val="lt1"/>
+                </a:solidFill>
+                <a:latin typeface="+mn-lt"/>
+                <a:ea typeface="+mn-ea"/>
+                <a:cs typeface="+mn-cs"/>
+              </a:defRPr>
+            </a:lvl8pPr>
+            <a:lvl9pPr marL="2743200" algn="l" defTabSz="685800" rtl="0" eaLnBrk="1" latinLnBrk="0" hangingPunct="1">
+              <a:defRPr sz="1350" kern="1200">
+                <a:solidFill>
+                  <a:schemeClr val="lt1"/>
+                </a:solidFill>
+                <a:latin typeface="+mn-lt"/>
+                <a:ea typeface="+mn-ea"/>
+                <a:cs typeface="+mn-cs"/>
+              </a:defRPr>
+            </a:lvl9pPr>
+          </a:lstStyle>
+          <a:p>
+            <a:pPr algn="ctr"/>
+            <a:r>
+              <a:rPr lang="en-US" sz="1100" dirty="0" err="1">
+                <a:solidFill>
+                  <a:schemeClr val="tx2"/>
+                </a:solidFill>
+              </a:rPr>
+              <a:t>source_d</a:t>
+            </a:r>
+            <a:endParaRPr lang="en-US" sz="1100" dirty="0">
+              <a:solidFill>
+                <a:schemeClr val="tx2"/>
+              </a:solidFill>
+            </a:endParaRPr>
+          </a:p>
+        </p:txBody>
+      </p:sp>
+      <p:pic>
+        <p:nvPicPr>
+          <p:cNvPr id="24" name="Picture 23">
+            <a:extLst>
+              <a:ext uri="{FF2B5EF4-FFF2-40B4-BE49-F238E27FC236}">
+                <a16:creationId xmlns:a16="http://schemas.microsoft.com/office/drawing/2014/main" id="{38F06AF8-6CF0-9B2E-D3D0-25A9F786D3AC}"/>
+              </a:ext>
+            </a:extLst>
+          </p:cNvPr>
+          <p:cNvPicPr>
+            <a:picLocks noChangeAspect="1" noChangeArrowheads="1"/>
+          </p:cNvPicPr>
+          <p:nvPr/>
+        </p:nvPicPr>
+        <p:blipFill rotWithShape="1">
+          <a:blip r:embed="rId6" cstate="print">
+            <a:extLst>
+              <a:ext uri="{28A0092B-C50C-407E-A947-70E740481C1C}">
+                <a14:useLocalDpi xmlns:a14="http://schemas.microsoft.com/office/drawing/2010/main" val="0"/>
+              </a:ext>
+            </a:extLst>
+          </a:blip>
+          <a:srcRect b="21198"/>
+          <a:stretch/>
+        </p:blipFill>
+        <p:spPr bwMode="auto">
+          <a:xfrm>
+            <a:off x="4324176" y="1622665"/>
+            <a:ext cx="363321" cy="228921"/>
+          </a:xfrm>
+          <a:prstGeom prst="rect">
+            <a:avLst/>
+          </a:prstGeom>
+          <a:solidFill>
+            <a:schemeClr val="bg2"/>
+          </a:solidFill>
+        </p:spPr>
+      </p:pic>
+      <p:pic>
+        <p:nvPicPr>
+          <p:cNvPr id="25" name="Graphic 2">
+            <a:extLst>
+              <a:ext uri="{FF2B5EF4-FFF2-40B4-BE49-F238E27FC236}">
+                <a16:creationId xmlns:a16="http://schemas.microsoft.com/office/drawing/2014/main" id="{D34A6D28-E9F3-2119-8A68-A99142D2ACF1}"/>
+              </a:ext>
+            </a:extLst>
+          </p:cNvPr>
+          <p:cNvPicPr>
+            <a:picLocks noChangeAspect="1"/>
+          </p:cNvPicPr>
+          <p:nvPr/>
+        </p:nvPicPr>
+        <p:blipFill>
+          <a:blip r:embed="rId4">
+            <a:extLst>
+              <a:ext uri="{96DAC541-7B7A-43D3-8B79-37D633B846F1}">
+                <asvg:svgBlip xmlns:asvg="http://schemas.microsoft.com/office/drawing/2016/SVG/main" r:embed="rId5"/>
+              </a:ext>
+            </a:extLst>
+          </a:blip>
+          <a:stretch>
+            <a:fillRect/>
+          </a:stretch>
+        </p:blipFill>
+        <p:spPr>
+          <a:xfrm>
+            <a:off x="3479850" y="810124"/>
+            <a:ext cx="234865" cy="234865"/>
+          </a:xfrm>
+          <a:prstGeom prst="rect">
+            <a:avLst/>
+          </a:prstGeom>
+        </p:spPr>
+      </p:pic>
+      <p:sp>
+        <p:nvSpPr>
+          <p:cNvPr id="26" name="TextBox 25">
+            <a:extLst>
+              <a:ext uri="{FF2B5EF4-FFF2-40B4-BE49-F238E27FC236}">
+                <a16:creationId xmlns:a16="http://schemas.microsoft.com/office/drawing/2014/main" id="{1C998C36-5C6A-2FC1-BB2D-46CA7D0FC722}"/>
+              </a:ext>
+            </a:extLst>
+          </p:cNvPr>
+          <p:cNvSpPr txBox="1"/>
+          <p:nvPr/>
+        </p:nvSpPr>
+        <p:spPr>
+          <a:xfrm>
+            <a:off x="3687901" y="827286"/>
+            <a:ext cx="909223" cy="261610"/>
+          </a:xfrm>
+          <a:prstGeom prst="rect">
+            <a:avLst/>
+          </a:prstGeom>
+          <a:noFill/>
+        </p:spPr>
+        <p:txBody>
+          <a:bodyPr wrap="none" rtlCol="0">
+            <a:spAutoFit/>
+          </a:bodyPr>
+          <a:lstStyle/>
+          <a:p>
+            <a:r>
+              <a:rPr lang="en-US" sz="1100" dirty="0"/>
+              <a:t>Ingest Bucket</a:t>
+            </a:r>
+          </a:p>
+        </p:txBody>
+      </p:sp>
+      <p:pic>
+        <p:nvPicPr>
+          <p:cNvPr id="27" name="Picture 26" descr="A close up of a sign&#10;&#10;Description automatically generated">
+            <a:extLst>
+              <a:ext uri="{FF2B5EF4-FFF2-40B4-BE49-F238E27FC236}">
+                <a16:creationId xmlns:a16="http://schemas.microsoft.com/office/drawing/2014/main" id="{58CA6310-DE81-4159-B826-358EF9FE434F}"/>
+              </a:ext>
+            </a:extLst>
+          </p:cNvPr>
+          <p:cNvPicPr>
+            <a:picLocks noChangeAspect="1"/>
+          </p:cNvPicPr>
+          <p:nvPr/>
+        </p:nvPicPr>
+        <p:blipFill rotWithShape="1">
+          <a:blip r:embed="rId7"/>
+          <a:srcRect l="-1" r="73375" b="2498"/>
+          <a:stretch/>
+        </p:blipFill>
+        <p:spPr>
+          <a:xfrm>
+            <a:off x="1118881" y="1695200"/>
+            <a:ext cx="247349" cy="202197"/>
+          </a:xfrm>
+          <a:prstGeom prst="rect">
+            <a:avLst/>
+          </a:prstGeom>
+        </p:spPr>
+      </p:pic>
+      <p:pic>
+        <p:nvPicPr>
+          <p:cNvPr id="28" name="Picture 27" descr="A close up of a sign&#10;&#10;Description automatically generated">
+            <a:extLst>
+              <a:ext uri="{FF2B5EF4-FFF2-40B4-BE49-F238E27FC236}">
+                <a16:creationId xmlns:a16="http://schemas.microsoft.com/office/drawing/2014/main" id="{58CA6310-DE81-4159-B826-358EF9FE434F}"/>
+              </a:ext>
+            </a:extLst>
+          </p:cNvPr>
+          <p:cNvPicPr>
+            <a:picLocks noChangeAspect="1"/>
+          </p:cNvPicPr>
+          <p:nvPr/>
+        </p:nvPicPr>
+        <p:blipFill rotWithShape="1">
+          <a:blip r:embed="rId7"/>
+          <a:srcRect l="-1" r="73375" b="2498"/>
+          <a:stretch/>
+        </p:blipFill>
+        <p:spPr>
+          <a:xfrm>
+            <a:off x="1118881" y="1161297"/>
+            <a:ext cx="247349" cy="202197"/>
+          </a:xfrm>
+          <a:prstGeom prst="rect">
+            <a:avLst/>
+          </a:prstGeom>
+        </p:spPr>
+      </p:pic>
+      <p:sp>
+        <p:nvSpPr>
+          <p:cNvPr id="36" name="Rectangle 35">
+            <a:extLst>
+              <a:ext uri="{FF2B5EF4-FFF2-40B4-BE49-F238E27FC236}">
+                <a16:creationId xmlns:a16="http://schemas.microsoft.com/office/drawing/2014/main" id="{9462F15D-A55A-2354-7BE3-F69A0BEDAFF8}"/>
+              </a:ext>
+            </a:extLst>
+          </p:cNvPr>
+          <p:cNvSpPr/>
+          <p:nvPr/>
+        </p:nvSpPr>
+        <p:spPr>
+          <a:xfrm>
+            <a:off x="5689279" y="315468"/>
+            <a:ext cx="1176867" cy="1793061"/>
+          </a:xfrm>
+          <a:prstGeom prst="rect">
+            <a:avLst/>
+          </a:prstGeom>
+          <a:noFill/>
+          <a:ln>
+            <a:solidFill>
+              <a:schemeClr val="accent2"/>
+            </a:solidFill>
+            <a:prstDash val="lgDash"/>
+          </a:ln>
+        </p:spPr>
+        <p:style>
+          <a:lnRef idx="2">
+            <a:schemeClr val="accent1">
+              <a:shade val="50000"/>
+            </a:schemeClr>
+          </a:lnRef>
+          <a:fillRef idx="1">
+            <a:schemeClr val="accent1"/>
+          </a:fillRef>
+          <a:effectRef idx="0">
+            <a:schemeClr val="accent1"/>
+          </a:effectRef>
+          <a:fontRef idx="minor">
+            <a:schemeClr val="lt1"/>
+          </a:fontRef>
+        </p:style>
+        <p:txBody>
+          <a:bodyPr rtlCol="0" anchor="ctr"/>
+          <a:lstStyle>
+            <a:defPPr>
+              <a:defRPr lang="en-US"/>
+            </a:defPPr>
+            <a:lvl1pPr marL="0" algn="l" defTabSz="685800" rtl="0" eaLnBrk="1" latinLnBrk="0" hangingPunct="1">
+              <a:defRPr sz="1350" kern="1200">
+                <a:solidFill>
+                  <a:schemeClr val="lt1"/>
+                </a:solidFill>
+                <a:latin typeface="+mn-lt"/>
+                <a:ea typeface="+mn-ea"/>
+                <a:cs typeface="+mn-cs"/>
+              </a:defRPr>
+            </a:lvl1pPr>
+            <a:lvl2pPr marL="342900" algn="l" defTabSz="685800" rtl="0" eaLnBrk="1" latinLnBrk="0" hangingPunct="1">
+              <a:defRPr sz="1350" kern="1200">
+                <a:solidFill>
+                  <a:schemeClr val="lt1"/>
+                </a:solidFill>
+                <a:latin typeface="+mn-lt"/>
+                <a:ea typeface="+mn-ea"/>
+                <a:cs typeface="+mn-cs"/>
+              </a:defRPr>
+            </a:lvl2pPr>
+            <a:lvl3pPr marL="685800" algn="l" defTabSz="685800" rtl="0" eaLnBrk="1" latinLnBrk="0" hangingPunct="1">
+              <a:defRPr sz="1350" kern="1200">
+                <a:solidFill>
+                  <a:schemeClr val="lt1"/>
+                </a:solidFill>
+                <a:latin typeface="+mn-lt"/>
+                <a:ea typeface="+mn-ea"/>
+                <a:cs typeface="+mn-cs"/>
+              </a:defRPr>
+            </a:lvl3pPr>
+            <a:lvl4pPr marL="1028700" algn="l" defTabSz="685800" rtl="0" eaLnBrk="1" latinLnBrk="0" hangingPunct="1">
+              <a:defRPr sz="1350" kern="1200">
+                <a:solidFill>
+                  <a:schemeClr val="lt1"/>
+                </a:solidFill>
+                <a:latin typeface="+mn-lt"/>
+                <a:ea typeface="+mn-ea"/>
+                <a:cs typeface="+mn-cs"/>
+              </a:defRPr>
+            </a:lvl4pPr>
+            <a:lvl5pPr marL="1371600" algn="l" defTabSz="685800" rtl="0" eaLnBrk="1" latinLnBrk="0" hangingPunct="1">
+              <a:defRPr sz="1350" kern="1200">
+                <a:solidFill>
+                  <a:schemeClr val="lt1"/>
+                </a:solidFill>
+                <a:latin typeface="+mn-lt"/>
+                <a:ea typeface="+mn-ea"/>
+                <a:cs typeface="+mn-cs"/>
+              </a:defRPr>
+            </a:lvl5pPr>
+            <a:lvl6pPr marL="1714500" algn="l" defTabSz="685800" rtl="0" eaLnBrk="1" latinLnBrk="0" hangingPunct="1">
+              <a:defRPr sz="1350" kern="1200">
+                <a:solidFill>
+                  <a:schemeClr val="lt1"/>
+                </a:solidFill>
+                <a:latin typeface="+mn-lt"/>
+                <a:ea typeface="+mn-ea"/>
+                <a:cs typeface="+mn-cs"/>
+              </a:defRPr>
+            </a:lvl6pPr>
+            <a:lvl7pPr marL="2057400" algn="l" defTabSz="685800" rtl="0" eaLnBrk="1" latinLnBrk="0" hangingPunct="1">
+              <a:defRPr sz="1350" kern="1200">
+                <a:solidFill>
+                  <a:schemeClr val="lt1"/>
+                </a:solidFill>
+                <a:latin typeface="+mn-lt"/>
+                <a:ea typeface="+mn-ea"/>
+                <a:cs typeface="+mn-cs"/>
+              </a:defRPr>
+            </a:lvl7pPr>
+            <a:lvl8pPr marL="2400300" algn="l" defTabSz="685800" rtl="0" eaLnBrk="1" latinLnBrk="0" hangingPunct="1">
+              <a:defRPr sz="1350" kern="1200">
+                <a:solidFill>
+                  <a:schemeClr val="lt1"/>
+                </a:solidFill>
+                <a:latin typeface="+mn-lt"/>
+                <a:ea typeface="+mn-ea"/>
+                <a:cs typeface="+mn-cs"/>
+              </a:defRPr>
+            </a:lvl8pPr>
+            <a:lvl9pPr marL="2743200" algn="l" defTabSz="685800" rtl="0" eaLnBrk="1" latinLnBrk="0" hangingPunct="1">
+              <a:defRPr sz="1350" kern="1200">
+                <a:solidFill>
+                  <a:schemeClr val="lt1"/>
+                </a:solidFill>
+                <a:latin typeface="+mn-lt"/>
+                <a:ea typeface="+mn-ea"/>
+                <a:cs typeface="+mn-cs"/>
+              </a:defRPr>
+            </a:lvl9pPr>
+          </a:lstStyle>
+          <a:p>
+            <a:pPr algn="ctr"/>
+            <a:endParaRPr lang="en-US" sz="1100"/>
+          </a:p>
+        </p:txBody>
+      </p:sp>
+      <p:pic>
+        <p:nvPicPr>
+          <p:cNvPr id="37" name="Picture 36" descr="A picture containing icon&#10;&#10;Description automatically generated">
+            <a:extLst>
+              <a:ext uri="{FF2B5EF4-FFF2-40B4-BE49-F238E27FC236}">
+                <a16:creationId xmlns:a16="http://schemas.microsoft.com/office/drawing/2014/main" id="{9F06AE63-AF81-9ADC-A9D0-613C4F99C7F5}"/>
+              </a:ext>
+            </a:extLst>
+          </p:cNvPr>
+          <p:cNvPicPr>
+            <a:picLocks noChangeAspect="1"/>
+          </p:cNvPicPr>
+          <p:nvPr/>
+        </p:nvPicPr>
+        <p:blipFill>
+          <a:blip r:embed="rId3" cstate="print">
+            <a:extLst>
+              <a:ext uri="{28A0092B-C50C-407E-A947-70E740481C1C}">
+                <a14:useLocalDpi xmlns:a14="http://schemas.microsoft.com/office/drawing/2010/main" val="0"/>
+              </a:ext>
+            </a:extLst>
+          </a:blip>
+          <a:stretch>
+            <a:fillRect/>
+          </a:stretch>
+        </p:blipFill>
+        <p:spPr>
+          <a:xfrm>
+            <a:off x="5729345" y="277078"/>
+            <a:ext cx="385539" cy="385539"/>
+          </a:xfrm>
+          <a:prstGeom prst="rect">
+            <a:avLst/>
+          </a:prstGeom>
+        </p:spPr>
+      </p:pic>
+      <p:sp>
+        <p:nvSpPr>
+          <p:cNvPr id="38" name="Rectangle 37">
+            <a:extLst>
+              <a:ext uri="{FF2B5EF4-FFF2-40B4-BE49-F238E27FC236}">
+                <a16:creationId xmlns:a16="http://schemas.microsoft.com/office/drawing/2014/main" id="{6C6C97D6-F9ED-9467-2805-FC3405AC2C1F}"/>
+              </a:ext>
+            </a:extLst>
+          </p:cNvPr>
+          <p:cNvSpPr/>
+          <p:nvPr/>
+        </p:nvSpPr>
+        <p:spPr>
+          <a:xfrm>
+            <a:off x="5763415" y="1174833"/>
+            <a:ext cx="1135588" cy="290503"/>
+          </a:xfrm>
+          <a:prstGeom prst="rect">
+            <a:avLst/>
+          </a:prstGeom>
+          <a:solidFill>
+            <a:srgbClr val="FEFEFE"/>
+          </a:solidFill>
+          <a:ln>
+            <a:solidFill>
+              <a:schemeClr val="accent3">
+                <a:lumMod val="40000"/>
+                <a:lumOff val="60000"/>
+              </a:schemeClr>
+            </a:solidFill>
+            <a:prstDash val="lgDash"/>
+          </a:ln>
+        </p:spPr>
+        <p:style>
+          <a:lnRef idx="2">
+            <a:schemeClr val="accent1">
+              <a:shade val="50000"/>
+            </a:schemeClr>
+          </a:lnRef>
+          <a:fillRef idx="1">
+            <a:schemeClr val="accent1"/>
+          </a:fillRef>
+          <a:effectRef idx="0">
+            <a:schemeClr val="accent1"/>
+          </a:effectRef>
+          <a:fontRef idx="minor">
+            <a:schemeClr val="lt1"/>
+          </a:fontRef>
+        </p:style>
+        <p:txBody>
+          <a:bodyPr rtlCol="0" anchor="ctr"/>
+          <a:lstStyle>
+            <a:defPPr>
+              <a:defRPr lang="en-US"/>
+            </a:defPPr>
+            <a:lvl1pPr marL="0" algn="l" defTabSz="685800" rtl="0" eaLnBrk="1" latinLnBrk="0" hangingPunct="1">
+              <a:defRPr sz="1350" kern="1200">
+                <a:solidFill>
+                  <a:schemeClr val="lt1"/>
+                </a:solidFill>
+                <a:latin typeface="+mn-lt"/>
+                <a:ea typeface="+mn-ea"/>
+                <a:cs typeface="+mn-cs"/>
+              </a:defRPr>
+            </a:lvl1pPr>
+            <a:lvl2pPr marL="342900" algn="l" defTabSz="685800" rtl="0" eaLnBrk="1" latinLnBrk="0" hangingPunct="1">
+              <a:defRPr sz="1350" kern="1200">
+                <a:solidFill>
+                  <a:schemeClr val="lt1"/>
+                </a:solidFill>
+                <a:latin typeface="+mn-lt"/>
+                <a:ea typeface="+mn-ea"/>
+                <a:cs typeface="+mn-cs"/>
+              </a:defRPr>
+            </a:lvl2pPr>
+            <a:lvl3pPr marL="685800" algn="l" defTabSz="685800" rtl="0" eaLnBrk="1" latinLnBrk="0" hangingPunct="1">
+              <a:defRPr sz="1350" kern="1200">
+                <a:solidFill>
+                  <a:schemeClr val="lt1"/>
+                </a:solidFill>
+                <a:latin typeface="+mn-lt"/>
+                <a:ea typeface="+mn-ea"/>
+                <a:cs typeface="+mn-cs"/>
+              </a:defRPr>
+            </a:lvl3pPr>
+            <a:lvl4pPr marL="1028700" algn="l" defTabSz="685800" rtl="0" eaLnBrk="1" latinLnBrk="0" hangingPunct="1">
+              <a:defRPr sz="1350" kern="1200">
+                <a:solidFill>
+                  <a:schemeClr val="lt1"/>
+                </a:solidFill>
+                <a:latin typeface="+mn-lt"/>
+                <a:ea typeface="+mn-ea"/>
+                <a:cs typeface="+mn-cs"/>
+              </a:defRPr>
+            </a:lvl4pPr>
+            <a:lvl5pPr marL="1371600" algn="l" defTabSz="685800" rtl="0" eaLnBrk="1" latinLnBrk="0" hangingPunct="1">
+              <a:defRPr sz="1350" kern="1200">
+                <a:solidFill>
+                  <a:schemeClr val="lt1"/>
+                </a:solidFill>
+                <a:latin typeface="+mn-lt"/>
+                <a:ea typeface="+mn-ea"/>
+                <a:cs typeface="+mn-cs"/>
+              </a:defRPr>
+            </a:lvl5pPr>
+            <a:lvl6pPr marL="1714500" algn="l" defTabSz="685800" rtl="0" eaLnBrk="1" latinLnBrk="0" hangingPunct="1">
+              <a:defRPr sz="1350" kern="1200">
+                <a:solidFill>
+                  <a:schemeClr val="lt1"/>
+                </a:solidFill>
+                <a:latin typeface="+mn-lt"/>
+                <a:ea typeface="+mn-ea"/>
+                <a:cs typeface="+mn-cs"/>
+              </a:defRPr>
+            </a:lvl6pPr>
+            <a:lvl7pPr marL="2057400" algn="l" defTabSz="685800" rtl="0" eaLnBrk="1" latinLnBrk="0" hangingPunct="1">
+              <a:defRPr sz="1350" kern="1200">
+                <a:solidFill>
+                  <a:schemeClr val="lt1"/>
+                </a:solidFill>
+                <a:latin typeface="+mn-lt"/>
+                <a:ea typeface="+mn-ea"/>
+                <a:cs typeface="+mn-cs"/>
+              </a:defRPr>
+            </a:lvl7pPr>
+            <a:lvl8pPr marL="2400300" algn="l" defTabSz="685800" rtl="0" eaLnBrk="1" latinLnBrk="0" hangingPunct="1">
+              <a:defRPr sz="1350" kern="1200">
+                <a:solidFill>
+                  <a:schemeClr val="lt1"/>
+                </a:solidFill>
+                <a:latin typeface="+mn-lt"/>
+                <a:ea typeface="+mn-ea"/>
+                <a:cs typeface="+mn-cs"/>
+              </a:defRPr>
+            </a:lvl8pPr>
+            <a:lvl9pPr marL="2743200" algn="l" defTabSz="685800" rtl="0" eaLnBrk="1" latinLnBrk="0" hangingPunct="1">
+              <a:defRPr sz="1350" kern="1200">
+                <a:solidFill>
+                  <a:schemeClr val="lt1"/>
+                </a:solidFill>
+                <a:latin typeface="+mn-lt"/>
+                <a:ea typeface="+mn-ea"/>
+                <a:cs typeface="+mn-cs"/>
+              </a:defRPr>
+            </a:lvl9pPr>
+          </a:lstStyle>
+          <a:p>
+            <a:pPr algn="ctr"/>
+            <a:r>
+              <a:rPr lang="en-US" sz="1100" dirty="0" err="1">
+                <a:solidFill>
+                  <a:schemeClr val="tx2"/>
+                </a:solidFill>
+              </a:rPr>
+              <a:t>monthly_features</a:t>
+            </a:r>
+            <a:endParaRPr lang="en-US" sz="1100" dirty="0">
+              <a:solidFill>
+                <a:schemeClr val="tx2"/>
+              </a:solidFill>
+            </a:endParaRPr>
+          </a:p>
+        </p:txBody>
+      </p:sp>
+      <p:pic>
+        <p:nvPicPr>
+          <p:cNvPr id="39" name="Picture 38">
+            <a:extLst>
+              <a:ext uri="{FF2B5EF4-FFF2-40B4-BE49-F238E27FC236}">
+                <a16:creationId xmlns:a16="http://schemas.microsoft.com/office/drawing/2014/main" id="{8E507BBD-C89E-5648-5794-5F8E8A9FBE66}"/>
+              </a:ext>
+            </a:extLst>
+          </p:cNvPr>
+          <p:cNvPicPr>
+            <a:picLocks noChangeAspect="1" noChangeArrowheads="1"/>
+          </p:cNvPicPr>
+          <p:nvPr/>
+        </p:nvPicPr>
+        <p:blipFill rotWithShape="1">
+          <a:blip r:embed="rId6" cstate="print">
+            <a:extLst>
+              <a:ext uri="{28A0092B-C50C-407E-A947-70E740481C1C}">
+                <a14:useLocalDpi xmlns:a14="http://schemas.microsoft.com/office/drawing/2010/main" val="0"/>
+              </a:ext>
+            </a:extLst>
+          </a:blip>
+          <a:srcRect b="21198"/>
+          <a:stretch/>
+        </p:blipFill>
+        <p:spPr bwMode="auto">
+          <a:xfrm>
+            <a:off x="6565742" y="1034903"/>
+            <a:ext cx="363321" cy="228921"/>
+          </a:xfrm>
+          <a:prstGeom prst="rect">
+            <a:avLst/>
+          </a:prstGeom>
+          <a:solidFill>
+            <a:schemeClr val="bg2"/>
+          </a:solidFill>
+        </p:spPr>
+      </p:pic>
+      <p:sp>
+        <p:nvSpPr>
+          <p:cNvPr id="40" name="Rectangle 39">
+            <a:extLst>
+              <a:ext uri="{FF2B5EF4-FFF2-40B4-BE49-F238E27FC236}">
+                <a16:creationId xmlns:a16="http://schemas.microsoft.com/office/drawing/2014/main" id="{E704C463-366C-9FEA-3A10-8B81DA7812A9}"/>
+              </a:ext>
+            </a:extLst>
+          </p:cNvPr>
+          <p:cNvSpPr/>
+          <p:nvPr/>
+        </p:nvSpPr>
+        <p:spPr>
+          <a:xfrm>
+            <a:off x="5815711" y="1701814"/>
+            <a:ext cx="1023530" cy="290503"/>
+          </a:xfrm>
+          <a:prstGeom prst="rect">
+            <a:avLst/>
+          </a:prstGeom>
+          <a:solidFill>
+            <a:srgbClr val="FEFEFE"/>
+          </a:solidFill>
+          <a:ln>
+            <a:solidFill>
+              <a:schemeClr val="accent3">
+                <a:lumMod val="40000"/>
+                <a:lumOff val="60000"/>
+              </a:schemeClr>
+            </a:solidFill>
+            <a:prstDash val="lgDash"/>
+          </a:ln>
+        </p:spPr>
+        <p:style>
+          <a:lnRef idx="2">
+            <a:schemeClr val="accent1">
+              <a:shade val="50000"/>
+            </a:schemeClr>
+          </a:lnRef>
+          <a:fillRef idx="1">
+            <a:schemeClr val="accent1"/>
+          </a:fillRef>
+          <a:effectRef idx="0">
+            <a:schemeClr val="accent1"/>
+          </a:effectRef>
+          <a:fontRef idx="minor">
+            <a:schemeClr val="lt1"/>
+          </a:fontRef>
+        </p:style>
+        <p:txBody>
+          <a:bodyPr rtlCol="0" anchor="ctr"/>
+          <a:lstStyle>
+            <a:defPPr>
+              <a:defRPr lang="en-US"/>
+            </a:defPPr>
+            <a:lvl1pPr marL="0" algn="l" defTabSz="685800" rtl="0" eaLnBrk="1" latinLnBrk="0" hangingPunct="1">
+              <a:defRPr sz="1350" kern="1200">
+                <a:solidFill>
+                  <a:schemeClr val="lt1"/>
+                </a:solidFill>
+                <a:latin typeface="+mn-lt"/>
+                <a:ea typeface="+mn-ea"/>
+                <a:cs typeface="+mn-cs"/>
+              </a:defRPr>
+            </a:lvl1pPr>
+            <a:lvl2pPr marL="342900" algn="l" defTabSz="685800" rtl="0" eaLnBrk="1" latinLnBrk="0" hangingPunct="1">
+              <a:defRPr sz="1350" kern="1200">
+                <a:solidFill>
+                  <a:schemeClr val="lt1"/>
+                </a:solidFill>
+                <a:latin typeface="+mn-lt"/>
+                <a:ea typeface="+mn-ea"/>
+                <a:cs typeface="+mn-cs"/>
+              </a:defRPr>
+            </a:lvl2pPr>
+            <a:lvl3pPr marL="685800" algn="l" defTabSz="685800" rtl="0" eaLnBrk="1" latinLnBrk="0" hangingPunct="1">
+              <a:defRPr sz="1350" kern="1200">
+                <a:solidFill>
+                  <a:schemeClr val="lt1"/>
+                </a:solidFill>
+                <a:latin typeface="+mn-lt"/>
+                <a:ea typeface="+mn-ea"/>
+                <a:cs typeface="+mn-cs"/>
+              </a:defRPr>
+            </a:lvl3pPr>
+            <a:lvl4pPr marL="1028700" algn="l" defTabSz="685800" rtl="0" eaLnBrk="1" latinLnBrk="0" hangingPunct="1">
+              <a:defRPr sz="1350" kern="1200">
+                <a:solidFill>
+                  <a:schemeClr val="lt1"/>
+                </a:solidFill>
+                <a:latin typeface="+mn-lt"/>
+                <a:ea typeface="+mn-ea"/>
+                <a:cs typeface="+mn-cs"/>
+              </a:defRPr>
+            </a:lvl4pPr>
+            <a:lvl5pPr marL="1371600" algn="l" defTabSz="685800" rtl="0" eaLnBrk="1" latinLnBrk="0" hangingPunct="1">
+              <a:defRPr sz="1350" kern="1200">
+                <a:solidFill>
+                  <a:schemeClr val="lt1"/>
+                </a:solidFill>
+                <a:latin typeface="+mn-lt"/>
+                <a:ea typeface="+mn-ea"/>
+                <a:cs typeface="+mn-cs"/>
+              </a:defRPr>
+            </a:lvl5pPr>
+            <a:lvl6pPr marL="1714500" algn="l" defTabSz="685800" rtl="0" eaLnBrk="1" latinLnBrk="0" hangingPunct="1">
+              <a:defRPr sz="1350" kern="1200">
+                <a:solidFill>
+                  <a:schemeClr val="lt1"/>
+                </a:solidFill>
+                <a:latin typeface="+mn-lt"/>
+                <a:ea typeface="+mn-ea"/>
+                <a:cs typeface="+mn-cs"/>
+              </a:defRPr>
+            </a:lvl6pPr>
+            <a:lvl7pPr marL="2057400" algn="l" defTabSz="685800" rtl="0" eaLnBrk="1" latinLnBrk="0" hangingPunct="1">
+              <a:defRPr sz="1350" kern="1200">
+                <a:solidFill>
+                  <a:schemeClr val="lt1"/>
+                </a:solidFill>
+                <a:latin typeface="+mn-lt"/>
+                <a:ea typeface="+mn-ea"/>
+                <a:cs typeface="+mn-cs"/>
+              </a:defRPr>
+            </a:lvl7pPr>
+            <a:lvl8pPr marL="2400300" algn="l" defTabSz="685800" rtl="0" eaLnBrk="1" latinLnBrk="0" hangingPunct="1">
+              <a:defRPr sz="1350" kern="1200">
+                <a:solidFill>
+                  <a:schemeClr val="lt1"/>
+                </a:solidFill>
+                <a:latin typeface="+mn-lt"/>
+                <a:ea typeface="+mn-ea"/>
+                <a:cs typeface="+mn-cs"/>
+              </a:defRPr>
+            </a:lvl8pPr>
+            <a:lvl9pPr marL="2743200" algn="l" defTabSz="685800" rtl="0" eaLnBrk="1" latinLnBrk="0" hangingPunct="1">
+              <a:defRPr sz="1350" kern="1200">
+                <a:solidFill>
+                  <a:schemeClr val="lt1"/>
+                </a:solidFill>
+                <a:latin typeface="+mn-lt"/>
+                <a:ea typeface="+mn-ea"/>
+                <a:cs typeface="+mn-cs"/>
+              </a:defRPr>
+            </a:lvl9pPr>
+          </a:lstStyle>
+          <a:p>
+            <a:pPr algn="ctr"/>
+            <a:r>
+              <a:rPr lang="en-US" sz="1100" dirty="0" err="1">
+                <a:solidFill>
+                  <a:schemeClr val="tx2"/>
+                </a:solidFill>
+              </a:rPr>
+              <a:t>daily_features</a:t>
+            </a:r>
+            <a:endParaRPr lang="en-US" sz="1100" dirty="0">
+              <a:solidFill>
+                <a:schemeClr val="tx2"/>
+              </a:solidFill>
+            </a:endParaRPr>
+          </a:p>
+        </p:txBody>
+      </p:sp>
+      <p:pic>
+        <p:nvPicPr>
+          <p:cNvPr id="41" name="Picture 40">
+            <a:extLst>
+              <a:ext uri="{FF2B5EF4-FFF2-40B4-BE49-F238E27FC236}">
+                <a16:creationId xmlns:a16="http://schemas.microsoft.com/office/drawing/2014/main" id="{63844814-62F6-ED87-D2B0-1886327A628D}"/>
+              </a:ext>
+            </a:extLst>
+          </p:cNvPr>
+          <p:cNvPicPr>
+            <a:picLocks noChangeAspect="1" noChangeArrowheads="1"/>
+          </p:cNvPicPr>
+          <p:nvPr/>
+        </p:nvPicPr>
+        <p:blipFill rotWithShape="1">
+          <a:blip r:embed="rId6" cstate="print">
+            <a:extLst>
+              <a:ext uri="{28A0092B-C50C-407E-A947-70E740481C1C}">
+                <a14:useLocalDpi xmlns:a14="http://schemas.microsoft.com/office/drawing/2010/main" val="0"/>
+              </a:ext>
+            </a:extLst>
+          </a:blip>
+          <a:srcRect b="21198"/>
+          <a:stretch/>
+        </p:blipFill>
+        <p:spPr bwMode="auto">
+          <a:xfrm>
+            <a:off x="6565742" y="1587353"/>
+            <a:ext cx="363321" cy="228921"/>
+          </a:xfrm>
+          <a:prstGeom prst="rect">
+            <a:avLst/>
+          </a:prstGeom>
+          <a:solidFill>
+            <a:schemeClr val="bg2"/>
+          </a:solidFill>
+        </p:spPr>
+      </p:pic>
+      <p:pic>
+        <p:nvPicPr>
+          <p:cNvPr id="42" name="Graphic 2">
+            <a:extLst>
+              <a:ext uri="{FF2B5EF4-FFF2-40B4-BE49-F238E27FC236}">
+                <a16:creationId xmlns:a16="http://schemas.microsoft.com/office/drawing/2014/main" id="{44623CA6-3FE6-26EF-3A83-C0D17D706497}"/>
+              </a:ext>
+            </a:extLst>
+          </p:cNvPr>
+          <p:cNvPicPr>
+            <a:picLocks noChangeAspect="1"/>
+          </p:cNvPicPr>
+          <p:nvPr/>
+        </p:nvPicPr>
+        <p:blipFill>
+          <a:blip r:embed="rId4">
+            <a:extLst>
+              <a:ext uri="{96DAC541-7B7A-43D3-8B79-37D633B846F1}">
+                <asvg:svgBlip xmlns:asvg="http://schemas.microsoft.com/office/drawing/2016/SVG/main" r:embed="rId5"/>
+              </a:ext>
+            </a:extLst>
+          </a:blip>
+          <a:stretch>
+            <a:fillRect/>
+          </a:stretch>
+        </p:blipFill>
+        <p:spPr>
+          <a:xfrm>
+            <a:off x="5832136" y="814512"/>
+            <a:ext cx="234865" cy="234865"/>
+          </a:xfrm>
+          <a:prstGeom prst="rect">
+            <a:avLst/>
+          </a:prstGeom>
+        </p:spPr>
+      </p:pic>
+      <p:sp>
+        <p:nvSpPr>
+          <p:cNvPr id="43" name="TextBox 42">
+            <a:extLst>
+              <a:ext uri="{FF2B5EF4-FFF2-40B4-BE49-F238E27FC236}">
+                <a16:creationId xmlns:a16="http://schemas.microsoft.com/office/drawing/2014/main" id="{2187FBB4-FD4D-3630-FD78-E8BB51CAAC1B}"/>
+              </a:ext>
+            </a:extLst>
+          </p:cNvPr>
+          <p:cNvSpPr txBox="1"/>
+          <p:nvPr/>
+        </p:nvSpPr>
+        <p:spPr>
+          <a:xfrm>
+            <a:off x="6041079" y="778504"/>
+            <a:ext cx="873957" cy="261610"/>
+          </a:xfrm>
+          <a:prstGeom prst="rect">
+            <a:avLst/>
+          </a:prstGeom>
+          <a:noFill/>
+        </p:spPr>
+        <p:txBody>
+          <a:bodyPr wrap="none" rtlCol="0">
+            <a:spAutoFit/>
+          </a:bodyPr>
+          <a:lstStyle/>
+          <a:p>
+            <a:r>
+              <a:rPr lang="en-US" sz="1100" dirty="0"/>
+              <a:t>Distill Bucket</a:t>
+            </a:r>
+          </a:p>
+        </p:txBody>
+      </p:sp>
+      <p:sp>
+        <p:nvSpPr>
+          <p:cNvPr id="49" name="Rectangle 48">
+            <a:extLst>
+              <a:ext uri="{FF2B5EF4-FFF2-40B4-BE49-F238E27FC236}">
+                <a16:creationId xmlns:a16="http://schemas.microsoft.com/office/drawing/2014/main" id="{C59DECA8-E7FB-C646-DF5E-932D95FD39D7}"/>
+              </a:ext>
+            </a:extLst>
+          </p:cNvPr>
+          <p:cNvSpPr/>
+          <p:nvPr/>
+        </p:nvSpPr>
+        <p:spPr>
+          <a:xfrm>
+            <a:off x="8192388" y="341178"/>
+            <a:ext cx="1176867" cy="1784650"/>
+          </a:xfrm>
+          <a:prstGeom prst="rect">
+            <a:avLst/>
+          </a:prstGeom>
+          <a:noFill/>
+          <a:ln>
+            <a:solidFill>
+              <a:schemeClr val="accent2"/>
+            </a:solidFill>
+            <a:prstDash val="lgDash"/>
+          </a:ln>
+        </p:spPr>
+        <p:style>
+          <a:lnRef idx="2">
+            <a:schemeClr val="accent1">
+              <a:shade val="50000"/>
+            </a:schemeClr>
+          </a:lnRef>
+          <a:fillRef idx="1">
+            <a:schemeClr val="accent1"/>
+          </a:fillRef>
+          <a:effectRef idx="0">
+            <a:schemeClr val="accent1"/>
+          </a:effectRef>
+          <a:fontRef idx="minor">
+            <a:schemeClr val="lt1"/>
+          </a:fontRef>
+        </p:style>
+        <p:txBody>
+          <a:bodyPr rtlCol="0" anchor="ctr"/>
+          <a:lstStyle>
+            <a:defPPr>
+              <a:defRPr lang="en-US"/>
+            </a:defPPr>
+            <a:lvl1pPr marL="0" algn="l" defTabSz="685800" rtl="0" eaLnBrk="1" latinLnBrk="0" hangingPunct="1">
+              <a:defRPr sz="1350" kern="1200">
+                <a:solidFill>
+                  <a:schemeClr val="lt1"/>
+                </a:solidFill>
+                <a:latin typeface="+mn-lt"/>
+                <a:ea typeface="+mn-ea"/>
+                <a:cs typeface="+mn-cs"/>
+              </a:defRPr>
+            </a:lvl1pPr>
+            <a:lvl2pPr marL="342900" algn="l" defTabSz="685800" rtl="0" eaLnBrk="1" latinLnBrk="0" hangingPunct="1">
+              <a:defRPr sz="1350" kern="1200">
+                <a:solidFill>
+                  <a:schemeClr val="lt1"/>
+                </a:solidFill>
+                <a:latin typeface="+mn-lt"/>
+                <a:ea typeface="+mn-ea"/>
+                <a:cs typeface="+mn-cs"/>
+              </a:defRPr>
+            </a:lvl2pPr>
+            <a:lvl3pPr marL="685800" algn="l" defTabSz="685800" rtl="0" eaLnBrk="1" latinLnBrk="0" hangingPunct="1">
+              <a:defRPr sz="1350" kern="1200">
+                <a:solidFill>
+                  <a:schemeClr val="lt1"/>
+                </a:solidFill>
+                <a:latin typeface="+mn-lt"/>
+                <a:ea typeface="+mn-ea"/>
+                <a:cs typeface="+mn-cs"/>
+              </a:defRPr>
+            </a:lvl3pPr>
+            <a:lvl4pPr marL="1028700" algn="l" defTabSz="685800" rtl="0" eaLnBrk="1" latinLnBrk="0" hangingPunct="1">
+              <a:defRPr sz="1350" kern="1200">
+                <a:solidFill>
+                  <a:schemeClr val="lt1"/>
+                </a:solidFill>
+                <a:latin typeface="+mn-lt"/>
+                <a:ea typeface="+mn-ea"/>
+                <a:cs typeface="+mn-cs"/>
+              </a:defRPr>
+            </a:lvl4pPr>
+            <a:lvl5pPr marL="1371600" algn="l" defTabSz="685800" rtl="0" eaLnBrk="1" latinLnBrk="0" hangingPunct="1">
+              <a:defRPr sz="1350" kern="1200">
+                <a:solidFill>
+                  <a:schemeClr val="lt1"/>
+                </a:solidFill>
+                <a:latin typeface="+mn-lt"/>
+                <a:ea typeface="+mn-ea"/>
+                <a:cs typeface="+mn-cs"/>
+              </a:defRPr>
+            </a:lvl5pPr>
+            <a:lvl6pPr marL="1714500" algn="l" defTabSz="685800" rtl="0" eaLnBrk="1" latinLnBrk="0" hangingPunct="1">
+              <a:defRPr sz="1350" kern="1200">
+                <a:solidFill>
+                  <a:schemeClr val="lt1"/>
+                </a:solidFill>
+                <a:latin typeface="+mn-lt"/>
+                <a:ea typeface="+mn-ea"/>
+                <a:cs typeface="+mn-cs"/>
+              </a:defRPr>
+            </a:lvl6pPr>
+            <a:lvl7pPr marL="2057400" algn="l" defTabSz="685800" rtl="0" eaLnBrk="1" latinLnBrk="0" hangingPunct="1">
+              <a:defRPr sz="1350" kern="1200">
+                <a:solidFill>
+                  <a:schemeClr val="lt1"/>
+                </a:solidFill>
+                <a:latin typeface="+mn-lt"/>
+                <a:ea typeface="+mn-ea"/>
+                <a:cs typeface="+mn-cs"/>
+              </a:defRPr>
+            </a:lvl7pPr>
+            <a:lvl8pPr marL="2400300" algn="l" defTabSz="685800" rtl="0" eaLnBrk="1" latinLnBrk="0" hangingPunct="1">
+              <a:defRPr sz="1350" kern="1200">
+                <a:solidFill>
+                  <a:schemeClr val="lt1"/>
+                </a:solidFill>
+                <a:latin typeface="+mn-lt"/>
+                <a:ea typeface="+mn-ea"/>
+                <a:cs typeface="+mn-cs"/>
+              </a:defRPr>
+            </a:lvl8pPr>
+            <a:lvl9pPr marL="2743200" algn="l" defTabSz="685800" rtl="0" eaLnBrk="1" latinLnBrk="0" hangingPunct="1">
+              <a:defRPr sz="1350" kern="1200">
+                <a:solidFill>
+                  <a:schemeClr val="lt1"/>
+                </a:solidFill>
+                <a:latin typeface="+mn-lt"/>
+                <a:ea typeface="+mn-ea"/>
+                <a:cs typeface="+mn-cs"/>
+              </a:defRPr>
+            </a:lvl9pPr>
+          </a:lstStyle>
+          <a:p>
+            <a:pPr algn="ctr"/>
+            <a:endParaRPr lang="en-US" sz="1100"/>
+          </a:p>
+        </p:txBody>
+      </p:sp>
+      <p:pic>
+        <p:nvPicPr>
+          <p:cNvPr id="50" name="Picture 49" descr="A picture containing icon&#10;&#10;Description automatically generated">
+            <a:extLst>
+              <a:ext uri="{FF2B5EF4-FFF2-40B4-BE49-F238E27FC236}">
+                <a16:creationId xmlns:a16="http://schemas.microsoft.com/office/drawing/2014/main" id="{A7941B48-2D4F-90F4-CE30-6FB1EAF592CC}"/>
+              </a:ext>
+            </a:extLst>
+          </p:cNvPr>
+          <p:cNvPicPr>
+            <a:picLocks noChangeAspect="1"/>
+          </p:cNvPicPr>
+          <p:nvPr/>
+        </p:nvPicPr>
+        <p:blipFill>
+          <a:blip r:embed="rId3" cstate="print">
+            <a:extLst>
+              <a:ext uri="{28A0092B-C50C-407E-A947-70E740481C1C}">
+                <a14:useLocalDpi xmlns:a14="http://schemas.microsoft.com/office/drawing/2010/main" val="0"/>
+              </a:ext>
+            </a:extLst>
+          </a:blip>
+          <a:stretch>
+            <a:fillRect/>
+          </a:stretch>
+        </p:blipFill>
+        <p:spPr>
+          <a:xfrm>
+            <a:off x="8218719" y="320422"/>
+            <a:ext cx="385539" cy="385539"/>
+          </a:xfrm>
+          <a:prstGeom prst="rect">
+            <a:avLst/>
+          </a:prstGeom>
+        </p:spPr>
+      </p:pic>
+      <p:sp>
+        <p:nvSpPr>
+          <p:cNvPr id="51" name="Rectangle 50">
+            <a:extLst>
+              <a:ext uri="{FF2B5EF4-FFF2-40B4-BE49-F238E27FC236}">
+                <a16:creationId xmlns:a16="http://schemas.microsoft.com/office/drawing/2014/main" id="{AF888365-06DC-95D5-4CD5-8855BE5E5D45}"/>
+              </a:ext>
+            </a:extLst>
+          </p:cNvPr>
+          <p:cNvSpPr/>
+          <p:nvPr/>
+        </p:nvSpPr>
+        <p:spPr>
+          <a:xfrm>
+            <a:off x="8255101" y="1425331"/>
+            <a:ext cx="1039814" cy="344479"/>
+          </a:xfrm>
+          <a:prstGeom prst="rect">
+            <a:avLst/>
+          </a:prstGeom>
+          <a:solidFill>
+            <a:srgbClr val="FEFEFE"/>
+          </a:solidFill>
+          <a:ln>
+            <a:solidFill>
+              <a:schemeClr val="accent3">
+                <a:lumMod val="40000"/>
+                <a:lumOff val="60000"/>
+              </a:schemeClr>
+            </a:solidFill>
+            <a:prstDash val="lgDash"/>
+          </a:ln>
+        </p:spPr>
+        <p:style>
+          <a:lnRef idx="2">
+            <a:schemeClr val="accent1">
+              <a:shade val="50000"/>
+            </a:schemeClr>
+          </a:lnRef>
+          <a:fillRef idx="1">
+            <a:schemeClr val="accent1"/>
+          </a:fillRef>
+          <a:effectRef idx="0">
+            <a:schemeClr val="accent1"/>
+          </a:effectRef>
+          <a:fontRef idx="minor">
+            <a:schemeClr val="lt1"/>
+          </a:fontRef>
+        </p:style>
+        <p:txBody>
+          <a:bodyPr rtlCol="0" anchor="ctr"/>
+          <a:lstStyle>
+            <a:defPPr>
+              <a:defRPr lang="en-US"/>
+            </a:defPPr>
+            <a:lvl1pPr marL="0" algn="l" defTabSz="685800" rtl="0" eaLnBrk="1" latinLnBrk="0" hangingPunct="1">
+              <a:defRPr sz="1350" kern="1200">
+                <a:solidFill>
+                  <a:schemeClr val="lt1"/>
+                </a:solidFill>
+                <a:latin typeface="+mn-lt"/>
+                <a:ea typeface="+mn-ea"/>
+                <a:cs typeface="+mn-cs"/>
+              </a:defRPr>
+            </a:lvl1pPr>
+            <a:lvl2pPr marL="342900" algn="l" defTabSz="685800" rtl="0" eaLnBrk="1" latinLnBrk="0" hangingPunct="1">
+              <a:defRPr sz="1350" kern="1200">
+                <a:solidFill>
+                  <a:schemeClr val="lt1"/>
+                </a:solidFill>
+                <a:latin typeface="+mn-lt"/>
+                <a:ea typeface="+mn-ea"/>
+                <a:cs typeface="+mn-cs"/>
+              </a:defRPr>
+            </a:lvl2pPr>
+            <a:lvl3pPr marL="685800" algn="l" defTabSz="685800" rtl="0" eaLnBrk="1" latinLnBrk="0" hangingPunct="1">
+              <a:defRPr sz="1350" kern="1200">
+                <a:solidFill>
+                  <a:schemeClr val="lt1"/>
+                </a:solidFill>
+                <a:latin typeface="+mn-lt"/>
+                <a:ea typeface="+mn-ea"/>
+                <a:cs typeface="+mn-cs"/>
+              </a:defRPr>
+            </a:lvl3pPr>
+            <a:lvl4pPr marL="1028700" algn="l" defTabSz="685800" rtl="0" eaLnBrk="1" latinLnBrk="0" hangingPunct="1">
+              <a:defRPr sz="1350" kern="1200">
+                <a:solidFill>
+                  <a:schemeClr val="lt1"/>
+                </a:solidFill>
+                <a:latin typeface="+mn-lt"/>
+                <a:ea typeface="+mn-ea"/>
+                <a:cs typeface="+mn-cs"/>
+              </a:defRPr>
+            </a:lvl4pPr>
+            <a:lvl5pPr marL="1371600" algn="l" defTabSz="685800" rtl="0" eaLnBrk="1" latinLnBrk="0" hangingPunct="1">
+              <a:defRPr sz="1350" kern="1200">
+                <a:solidFill>
+                  <a:schemeClr val="lt1"/>
+                </a:solidFill>
+                <a:latin typeface="+mn-lt"/>
+                <a:ea typeface="+mn-ea"/>
+                <a:cs typeface="+mn-cs"/>
+              </a:defRPr>
+            </a:lvl5pPr>
+            <a:lvl6pPr marL="1714500" algn="l" defTabSz="685800" rtl="0" eaLnBrk="1" latinLnBrk="0" hangingPunct="1">
+              <a:defRPr sz="1350" kern="1200">
+                <a:solidFill>
+                  <a:schemeClr val="lt1"/>
+                </a:solidFill>
+                <a:latin typeface="+mn-lt"/>
+                <a:ea typeface="+mn-ea"/>
+                <a:cs typeface="+mn-cs"/>
+              </a:defRPr>
+            </a:lvl6pPr>
+            <a:lvl7pPr marL="2057400" algn="l" defTabSz="685800" rtl="0" eaLnBrk="1" latinLnBrk="0" hangingPunct="1">
+              <a:defRPr sz="1350" kern="1200">
+                <a:solidFill>
+                  <a:schemeClr val="lt1"/>
+                </a:solidFill>
+                <a:latin typeface="+mn-lt"/>
+                <a:ea typeface="+mn-ea"/>
+                <a:cs typeface="+mn-cs"/>
+              </a:defRPr>
+            </a:lvl7pPr>
+            <a:lvl8pPr marL="2400300" algn="l" defTabSz="685800" rtl="0" eaLnBrk="1" latinLnBrk="0" hangingPunct="1">
+              <a:defRPr sz="1350" kern="1200">
+                <a:solidFill>
+                  <a:schemeClr val="lt1"/>
+                </a:solidFill>
+                <a:latin typeface="+mn-lt"/>
+                <a:ea typeface="+mn-ea"/>
+                <a:cs typeface="+mn-cs"/>
+              </a:defRPr>
+            </a:lvl8pPr>
+            <a:lvl9pPr marL="2743200" algn="l" defTabSz="685800" rtl="0" eaLnBrk="1" latinLnBrk="0" hangingPunct="1">
+              <a:defRPr sz="1350" kern="1200">
+                <a:solidFill>
+                  <a:schemeClr val="lt1"/>
+                </a:solidFill>
+                <a:latin typeface="+mn-lt"/>
+                <a:ea typeface="+mn-ea"/>
+                <a:cs typeface="+mn-cs"/>
+              </a:defRPr>
+            </a:lvl9pPr>
+          </a:lstStyle>
+          <a:p>
+            <a:pPr algn="ctr"/>
+            <a:r>
+              <a:rPr lang="en-US" sz="1100" dirty="0" err="1">
+                <a:solidFill>
+                  <a:schemeClr val="tx2"/>
+                </a:solidFill>
+              </a:rPr>
+              <a:t>features_for_prediction</a:t>
+            </a:r>
+            <a:endParaRPr lang="en-US" sz="1100" dirty="0">
+              <a:solidFill>
+                <a:schemeClr val="tx2"/>
+              </a:solidFill>
+            </a:endParaRPr>
+          </a:p>
+        </p:txBody>
+      </p:sp>
+      <p:pic>
+        <p:nvPicPr>
+          <p:cNvPr id="52" name="Picture 51">
+            <a:extLst>
+              <a:ext uri="{FF2B5EF4-FFF2-40B4-BE49-F238E27FC236}">
+                <a16:creationId xmlns:a16="http://schemas.microsoft.com/office/drawing/2014/main" id="{F667A234-C760-81E9-803C-22E5AB94A5C4}"/>
+              </a:ext>
+            </a:extLst>
+          </p:cNvPr>
+          <p:cNvPicPr>
+            <a:picLocks noChangeAspect="1" noChangeArrowheads="1"/>
+          </p:cNvPicPr>
+          <p:nvPr/>
+        </p:nvPicPr>
+        <p:blipFill rotWithShape="1">
+          <a:blip r:embed="rId6" cstate="print">
+            <a:extLst>
+              <a:ext uri="{28A0092B-C50C-407E-A947-70E740481C1C}">
+                <a14:useLocalDpi xmlns:a14="http://schemas.microsoft.com/office/drawing/2010/main" val="0"/>
+              </a:ext>
+            </a:extLst>
+          </a:blip>
+          <a:srcRect b="21198"/>
+          <a:stretch/>
+        </p:blipFill>
+        <p:spPr bwMode="auto">
+          <a:xfrm>
+            <a:off x="9172914" y="1274705"/>
+            <a:ext cx="320035" cy="213535"/>
+          </a:xfrm>
+          <a:prstGeom prst="rect">
+            <a:avLst/>
+          </a:prstGeom>
+          <a:solidFill>
+            <a:schemeClr val="bg2"/>
+          </a:solidFill>
+        </p:spPr>
+      </p:pic>
+      <p:pic>
+        <p:nvPicPr>
+          <p:cNvPr id="55" name="Graphic 2">
+            <a:extLst>
+              <a:ext uri="{FF2B5EF4-FFF2-40B4-BE49-F238E27FC236}">
+                <a16:creationId xmlns:a16="http://schemas.microsoft.com/office/drawing/2014/main" id="{7762E4A2-25C0-6BE0-1E46-F961E5B2BAE7}"/>
+              </a:ext>
+            </a:extLst>
+          </p:cNvPr>
+          <p:cNvPicPr>
+            <a:picLocks noChangeAspect="1"/>
+          </p:cNvPicPr>
+          <p:nvPr/>
+        </p:nvPicPr>
+        <p:blipFill>
+          <a:blip r:embed="rId4">
+            <a:extLst>
+              <a:ext uri="{96DAC541-7B7A-43D3-8B79-37D633B846F1}">
+                <asvg:svgBlip xmlns:asvg="http://schemas.microsoft.com/office/drawing/2016/SVG/main" r:embed="rId5"/>
+              </a:ext>
+            </a:extLst>
+          </a:blip>
+          <a:stretch>
+            <a:fillRect/>
+          </a:stretch>
+        </p:blipFill>
+        <p:spPr>
+          <a:xfrm>
+            <a:off x="8266602" y="831810"/>
+            <a:ext cx="234865" cy="234865"/>
+          </a:xfrm>
+          <a:prstGeom prst="rect">
+            <a:avLst/>
+          </a:prstGeom>
+        </p:spPr>
+      </p:pic>
+      <p:sp>
+        <p:nvSpPr>
+          <p:cNvPr id="56" name="TextBox 55">
+            <a:extLst>
+              <a:ext uri="{FF2B5EF4-FFF2-40B4-BE49-F238E27FC236}">
+                <a16:creationId xmlns:a16="http://schemas.microsoft.com/office/drawing/2014/main" id="{F8C3C2C6-B73A-2F0D-8D01-1350E0DD3476}"/>
+              </a:ext>
+            </a:extLst>
+          </p:cNvPr>
+          <p:cNvSpPr txBox="1"/>
+          <p:nvPr/>
+        </p:nvSpPr>
+        <p:spPr>
+          <a:xfrm>
+            <a:off x="8451178" y="823099"/>
+            <a:ext cx="933269" cy="261610"/>
+          </a:xfrm>
+          <a:prstGeom prst="rect">
+            <a:avLst/>
+          </a:prstGeom>
+          <a:noFill/>
+        </p:spPr>
+        <p:txBody>
+          <a:bodyPr wrap="none" rtlCol="0">
+            <a:spAutoFit/>
+          </a:bodyPr>
+          <a:lstStyle/>
+          <a:p>
+            <a:r>
+              <a:rPr lang="en-US" sz="1100" dirty="0"/>
+              <a:t>Refine Bucket</a:t>
+            </a:r>
+          </a:p>
+        </p:txBody>
+      </p:sp>
+      <p:sp>
+        <p:nvSpPr>
+          <p:cNvPr id="81" name="Rectangle 80">
+            <a:extLst>
+              <a:ext uri="{FF2B5EF4-FFF2-40B4-BE49-F238E27FC236}">
+                <a16:creationId xmlns:a16="http://schemas.microsoft.com/office/drawing/2014/main" id="{7E47E926-04EC-48BC-0E1F-B1B1CC5D3C25}"/>
+              </a:ext>
+            </a:extLst>
+          </p:cNvPr>
+          <p:cNvSpPr/>
+          <p:nvPr/>
+        </p:nvSpPr>
+        <p:spPr>
+          <a:xfrm>
+            <a:off x="207930" y="2659695"/>
+            <a:ext cx="1176867" cy="1973147"/>
+          </a:xfrm>
+          <a:prstGeom prst="rect">
+            <a:avLst/>
+          </a:prstGeom>
+          <a:noFill/>
+          <a:ln>
+            <a:solidFill>
+              <a:schemeClr val="accent2"/>
+            </a:solidFill>
+            <a:prstDash val="lgDash"/>
+          </a:ln>
+        </p:spPr>
+        <p:style>
+          <a:lnRef idx="2">
+            <a:schemeClr val="accent1">
+              <a:shade val="50000"/>
+            </a:schemeClr>
+          </a:lnRef>
+          <a:fillRef idx="1">
+            <a:schemeClr val="accent1"/>
+          </a:fillRef>
+          <a:effectRef idx="0">
+            <a:schemeClr val="accent1"/>
+          </a:effectRef>
+          <a:fontRef idx="minor">
+            <a:schemeClr val="lt1"/>
+          </a:fontRef>
+        </p:style>
+        <p:txBody>
+          <a:bodyPr rtlCol="0" anchor="ctr"/>
+          <a:lstStyle>
+            <a:defPPr>
+              <a:defRPr lang="en-US"/>
+            </a:defPPr>
+            <a:lvl1pPr marL="0" algn="l" defTabSz="685800" rtl="0" eaLnBrk="1" latinLnBrk="0" hangingPunct="1">
+              <a:defRPr sz="1350" kern="1200">
+                <a:solidFill>
+                  <a:schemeClr val="lt1"/>
+                </a:solidFill>
+                <a:latin typeface="+mn-lt"/>
+                <a:ea typeface="+mn-ea"/>
+                <a:cs typeface="+mn-cs"/>
+              </a:defRPr>
+            </a:lvl1pPr>
+            <a:lvl2pPr marL="342900" algn="l" defTabSz="685800" rtl="0" eaLnBrk="1" latinLnBrk="0" hangingPunct="1">
+              <a:defRPr sz="1350" kern="1200">
+                <a:solidFill>
+                  <a:schemeClr val="lt1"/>
+                </a:solidFill>
+                <a:latin typeface="+mn-lt"/>
+                <a:ea typeface="+mn-ea"/>
+                <a:cs typeface="+mn-cs"/>
+              </a:defRPr>
+            </a:lvl2pPr>
+            <a:lvl3pPr marL="685800" algn="l" defTabSz="685800" rtl="0" eaLnBrk="1" latinLnBrk="0" hangingPunct="1">
+              <a:defRPr sz="1350" kern="1200">
+                <a:solidFill>
+                  <a:schemeClr val="lt1"/>
+                </a:solidFill>
+                <a:latin typeface="+mn-lt"/>
+                <a:ea typeface="+mn-ea"/>
+                <a:cs typeface="+mn-cs"/>
+              </a:defRPr>
+            </a:lvl3pPr>
+            <a:lvl4pPr marL="1028700" algn="l" defTabSz="685800" rtl="0" eaLnBrk="1" latinLnBrk="0" hangingPunct="1">
+              <a:defRPr sz="1350" kern="1200">
+                <a:solidFill>
+                  <a:schemeClr val="lt1"/>
+                </a:solidFill>
+                <a:latin typeface="+mn-lt"/>
+                <a:ea typeface="+mn-ea"/>
+                <a:cs typeface="+mn-cs"/>
+              </a:defRPr>
+            </a:lvl4pPr>
+            <a:lvl5pPr marL="1371600" algn="l" defTabSz="685800" rtl="0" eaLnBrk="1" latinLnBrk="0" hangingPunct="1">
+              <a:defRPr sz="1350" kern="1200">
+                <a:solidFill>
+                  <a:schemeClr val="lt1"/>
+                </a:solidFill>
+                <a:latin typeface="+mn-lt"/>
+                <a:ea typeface="+mn-ea"/>
+                <a:cs typeface="+mn-cs"/>
+              </a:defRPr>
+            </a:lvl5pPr>
+            <a:lvl6pPr marL="1714500" algn="l" defTabSz="685800" rtl="0" eaLnBrk="1" latinLnBrk="0" hangingPunct="1">
+              <a:defRPr sz="1350" kern="1200">
+                <a:solidFill>
+                  <a:schemeClr val="lt1"/>
+                </a:solidFill>
+                <a:latin typeface="+mn-lt"/>
+                <a:ea typeface="+mn-ea"/>
+                <a:cs typeface="+mn-cs"/>
+              </a:defRPr>
+            </a:lvl6pPr>
+            <a:lvl7pPr marL="2057400" algn="l" defTabSz="685800" rtl="0" eaLnBrk="1" latinLnBrk="0" hangingPunct="1">
+              <a:defRPr sz="1350" kern="1200">
+                <a:solidFill>
+                  <a:schemeClr val="lt1"/>
+                </a:solidFill>
+                <a:latin typeface="+mn-lt"/>
+                <a:ea typeface="+mn-ea"/>
+                <a:cs typeface="+mn-cs"/>
+              </a:defRPr>
+            </a:lvl7pPr>
+            <a:lvl8pPr marL="2400300" algn="l" defTabSz="685800" rtl="0" eaLnBrk="1" latinLnBrk="0" hangingPunct="1">
+              <a:defRPr sz="1350" kern="1200">
+                <a:solidFill>
+                  <a:schemeClr val="lt1"/>
+                </a:solidFill>
+                <a:latin typeface="+mn-lt"/>
+                <a:ea typeface="+mn-ea"/>
+                <a:cs typeface="+mn-cs"/>
+              </a:defRPr>
+            </a:lvl8pPr>
+            <a:lvl9pPr marL="2743200" algn="l" defTabSz="685800" rtl="0" eaLnBrk="1" latinLnBrk="0" hangingPunct="1">
+              <a:defRPr sz="1350" kern="1200">
+                <a:solidFill>
+                  <a:schemeClr val="lt1"/>
+                </a:solidFill>
+                <a:latin typeface="+mn-lt"/>
+                <a:ea typeface="+mn-ea"/>
+                <a:cs typeface="+mn-cs"/>
+              </a:defRPr>
+            </a:lvl9pPr>
+          </a:lstStyle>
+          <a:p>
+            <a:pPr algn="ctr"/>
+            <a:endParaRPr lang="en-US" sz="1100"/>
+          </a:p>
+        </p:txBody>
+      </p:sp>
+      <p:pic>
+        <p:nvPicPr>
+          <p:cNvPr id="82" name="Picture 81" descr="A picture containing icon&#10;&#10;Description automatically generated">
+            <a:extLst>
+              <a:ext uri="{FF2B5EF4-FFF2-40B4-BE49-F238E27FC236}">
+                <a16:creationId xmlns:a16="http://schemas.microsoft.com/office/drawing/2014/main" id="{46986B99-07AD-4E13-5F92-24A267BB21AF}"/>
+              </a:ext>
+            </a:extLst>
+          </p:cNvPr>
+          <p:cNvPicPr>
+            <a:picLocks noChangeAspect="1"/>
+          </p:cNvPicPr>
+          <p:nvPr/>
+        </p:nvPicPr>
+        <p:blipFill>
+          <a:blip r:embed="rId3" cstate="print">
+            <a:extLst>
+              <a:ext uri="{28A0092B-C50C-407E-A947-70E740481C1C}">
+                <a14:useLocalDpi xmlns:a14="http://schemas.microsoft.com/office/drawing/2010/main" val="0"/>
+              </a:ext>
+            </a:extLst>
+          </a:blip>
+          <a:stretch>
+            <a:fillRect/>
+          </a:stretch>
+        </p:blipFill>
+        <p:spPr>
+          <a:xfrm>
+            <a:off x="207930" y="2659695"/>
+            <a:ext cx="385539" cy="385539"/>
+          </a:xfrm>
+          <a:prstGeom prst="rect">
+            <a:avLst/>
+          </a:prstGeom>
+        </p:spPr>
+      </p:pic>
+      <p:sp>
+        <p:nvSpPr>
+          <p:cNvPr id="83" name="Rectangle 82">
+            <a:extLst>
+              <a:ext uri="{FF2B5EF4-FFF2-40B4-BE49-F238E27FC236}">
+                <a16:creationId xmlns:a16="http://schemas.microsoft.com/office/drawing/2014/main" id="{46FA5F88-879C-436F-03C0-14273916E5C7}"/>
+              </a:ext>
+            </a:extLst>
+          </p:cNvPr>
+          <p:cNvSpPr/>
+          <p:nvPr/>
+        </p:nvSpPr>
+        <p:spPr>
+          <a:xfrm>
+            <a:off x="334362" y="3641958"/>
+            <a:ext cx="1021238" cy="354856"/>
+          </a:xfrm>
+          <a:prstGeom prst="rect">
+            <a:avLst/>
+          </a:prstGeom>
+          <a:solidFill>
+            <a:srgbClr val="FEFEFE"/>
+          </a:solidFill>
+          <a:ln>
+            <a:solidFill>
+              <a:schemeClr val="accent3">
+                <a:lumMod val="40000"/>
+                <a:lumOff val="60000"/>
+              </a:schemeClr>
+            </a:solidFill>
+            <a:prstDash val="lgDash"/>
+          </a:ln>
+        </p:spPr>
+        <p:style>
+          <a:lnRef idx="2">
+            <a:schemeClr val="accent1">
+              <a:shade val="50000"/>
+            </a:schemeClr>
+          </a:lnRef>
+          <a:fillRef idx="1">
+            <a:schemeClr val="accent1"/>
+          </a:fillRef>
+          <a:effectRef idx="0">
+            <a:schemeClr val="accent1"/>
+          </a:effectRef>
+          <a:fontRef idx="minor">
+            <a:schemeClr val="lt1"/>
+          </a:fontRef>
+        </p:style>
+        <p:txBody>
+          <a:bodyPr rtlCol="0" anchor="ctr"/>
+          <a:lstStyle>
+            <a:defPPr>
+              <a:defRPr lang="en-US"/>
+            </a:defPPr>
+            <a:lvl1pPr marL="0" algn="l" defTabSz="685800" rtl="0" eaLnBrk="1" latinLnBrk="0" hangingPunct="1">
+              <a:defRPr sz="1350" kern="1200">
+                <a:solidFill>
+                  <a:schemeClr val="lt1"/>
+                </a:solidFill>
+                <a:latin typeface="+mn-lt"/>
+                <a:ea typeface="+mn-ea"/>
+                <a:cs typeface="+mn-cs"/>
+              </a:defRPr>
+            </a:lvl1pPr>
+            <a:lvl2pPr marL="342900" algn="l" defTabSz="685800" rtl="0" eaLnBrk="1" latinLnBrk="0" hangingPunct="1">
+              <a:defRPr sz="1350" kern="1200">
+                <a:solidFill>
+                  <a:schemeClr val="lt1"/>
+                </a:solidFill>
+                <a:latin typeface="+mn-lt"/>
+                <a:ea typeface="+mn-ea"/>
+                <a:cs typeface="+mn-cs"/>
+              </a:defRPr>
+            </a:lvl2pPr>
+            <a:lvl3pPr marL="685800" algn="l" defTabSz="685800" rtl="0" eaLnBrk="1" latinLnBrk="0" hangingPunct="1">
+              <a:defRPr sz="1350" kern="1200">
+                <a:solidFill>
+                  <a:schemeClr val="lt1"/>
+                </a:solidFill>
+                <a:latin typeface="+mn-lt"/>
+                <a:ea typeface="+mn-ea"/>
+                <a:cs typeface="+mn-cs"/>
+              </a:defRPr>
+            </a:lvl3pPr>
+            <a:lvl4pPr marL="1028700" algn="l" defTabSz="685800" rtl="0" eaLnBrk="1" latinLnBrk="0" hangingPunct="1">
+              <a:defRPr sz="1350" kern="1200">
+                <a:solidFill>
+                  <a:schemeClr val="lt1"/>
+                </a:solidFill>
+                <a:latin typeface="+mn-lt"/>
+                <a:ea typeface="+mn-ea"/>
+                <a:cs typeface="+mn-cs"/>
+              </a:defRPr>
+            </a:lvl4pPr>
+            <a:lvl5pPr marL="1371600" algn="l" defTabSz="685800" rtl="0" eaLnBrk="1" latinLnBrk="0" hangingPunct="1">
+              <a:defRPr sz="1350" kern="1200">
+                <a:solidFill>
+                  <a:schemeClr val="lt1"/>
+                </a:solidFill>
+                <a:latin typeface="+mn-lt"/>
+                <a:ea typeface="+mn-ea"/>
+                <a:cs typeface="+mn-cs"/>
+              </a:defRPr>
+            </a:lvl5pPr>
+            <a:lvl6pPr marL="1714500" algn="l" defTabSz="685800" rtl="0" eaLnBrk="1" latinLnBrk="0" hangingPunct="1">
+              <a:defRPr sz="1350" kern="1200">
+                <a:solidFill>
+                  <a:schemeClr val="lt1"/>
+                </a:solidFill>
+                <a:latin typeface="+mn-lt"/>
+                <a:ea typeface="+mn-ea"/>
+                <a:cs typeface="+mn-cs"/>
+              </a:defRPr>
+            </a:lvl6pPr>
+            <a:lvl7pPr marL="2057400" algn="l" defTabSz="685800" rtl="0" eaLnBrk="1" latinLnBrk="0" hangingPunct="1">
+              <a:defRPr sz="1350" kern="1200">
+                <a:solidFill>
+                  <a:schemeClr val="lt1"/>
+                </a:solidFill>
+                <a:latin typeface="+mn-lt"/>
+                <a:ea typeface="+mn-ea"/>
+                <a:cs typeface="+mn-cs"/>
+              </a:defRPr>
+            </a:lvl7pPr>
+            <a:lvl8pPr marL="2400300" algn="l" defTabSz="685800" rtl="0" eaLnBrk="1" latinLnBrk="0" hangingPunct="1">
+              <a:defRPr sz="1350" kern="1200">
+                <a:solidFill>
+                  <a:schemeClr val="lt1"/>
+                </a:solidFill>
+                <a:latin typeface="+mn-lt"/>
+                <a:ea typeface="+mn-ea"/>
+                <a:cs typeface="+mn-cs"/>
+              </a:defRPr>
+            </a:lvl8pPr>
+            <a:lvl9pPr marL="2743200" algn="l" defTabSz="685800" rtl="0" eaLnBrk="1" latinLnBrk="0" hangingPunct="1">
+              <a:defRPr sz="1350" kern="1200">
+                <a:solidFill>
+                  <a:schemeClr val="lt1"/>
+                </a:solidFill>
+                <a:latin typeface="+mn-lt"/>
+                <a:ea typeface="+mn-ea"/>
+                <a:cs typeface="+mn-cs"/>
+              </a:defRPr>
+            </a:lvl9pPr>
+          </a:lstStyle>
+          <a:p>
+            <a:pPr algn="ctr"/>
+            <a:r>
+              <a:rPr lang="en-US" sz="1100" dirty="0" err="1">
+                <a:solidFill>
+                  <a:schemeClr val="tx2"/>
+                </a:solidFill>
+              </a:rPr>
+              <a:t>source_m</a:t>
+            </a:r>
+            <a:endParaRPr lang="en-US" sz="1100" dirty="0">
+              <a:solidFill>
+                <a:schemeClr val="tx2"/>
+              </a:solidFill>
+            </a:endParaRPr>
+          </a:p>
+        </p:txBody>
+      </p:sp>
+      <p:sp>
+        <p:nvSpPr>
+          <p:cNvPr id="84" name="Rectangle 83">
+            <a:extLst>
+              <a:ext uri="{FF2B5EF4-FFF2-40B4-BE49-F238E27FC236}">
+                <a16:creationId xmlns:a16="http://schemas.microsoft.com/office/drawing/2014/main" id="{0AA87646-83B3-E7AD-B043-790299F476E9}"/>
+              </a:ext>
+            </a:extLst>
+          </p:cNvPr>
+          <p:cNvSpPr/>
+          <p:nvPr/>
+        </p:nvSpPr>
+        <p:spPr>
+          <a:xfrm>
+            <a:off x="334362" y="4179457"/>
+            <a:ext cx="977988" cy="290503"/>
+          </a:xfrm>
+          <a:prstGeom prst="rect">
+            <a:avLst/>
+          </a:prstGeom>
+          <a:solidFill>
+            <a:srgbClr val="FEFEFE"/>
+          </a:solidFill>
+          <a:ln>
+            <a:solidFill>
+              <a:schemeClr val="accent3">
+                <a:lumMod val="40000"/>
+                <a:lumOff val="60000"/>
+              </a:schemeClr>
+            </a:solidFill>
+            <a:prstDash val="lgDash"/>
+          </a:ln>
+        </p:spPr>
+        <p:style>
+          <a:lnRef idx="2">
+            <a:schemeClr val="accent1">
+              <a:shade val="50000"/>
+            </a:schemeClr>
+          </a:lnRef>
+          <a:fillRef idx="1">
+            <a:schemeClr val="accent1"/>
+          </a:fillRef>
+          <a:effectRef idx="0">
+            <a:schemeClr val="accent1"/>
+          </a:effectRef>
+          <a:fontRef idx="minor">
+            <a:schemeClr val="lt1"/>
+          </a:fontRef>
+        </p:style>
+        <p:txBody>
+          <a:bodyPr rtlCol="0" anchor="ctr"/>
+          <a:lstStyle>
+            <a:defPPr>
+              <a:defRPr lang="en-US"/>
+            </a:defPPr>
+            <a:lvl1pPr marL="0" algn="l" defTabSz="685800" rtl="0" eaLnBrk="1" latinLnBrk="0" hangingPunct="1">
+              <a:defRPr sz="1350" kern="1200">
+                <a:solidFill>
+                  <a:schemeClr val="lt1"/>
+                </a:solidFill>
+                <a:latin typeface="+mn-lt"/>
+                <a:ea typeface="+mn-ea"/>
+                <a:cs typeface="+mn-cs"/>
+              </a:defRPr>
+            </a:lvl1pPr>
+            <a:lvl2pPr marL="342900" algn="l" defTabSz="685800" rtl="0" eaLnBrk="1" latinLnBrk="0" hangingPunct="1">
+              <a:defRPr sz="1350" kern="1200">
+                <a:solidFill>
+                  <a:schemeClr val="lt1"/>
+                </a:solidFill>
+                <a:latin typeface="+mn-lt"/>
+                <a:ea typeface="+mn-ea"/>
+                <a:cs typeface="+mn-cs"/>
+              </a:defRPr>
+            </a:lvl2pPr>
+            <a:lvl3pPr marL="685800" algn="l" defTabSz="685800" rtl="0" eaLnBrk="1" latinLnBrk="0" hangingPunct="1">
+              <a:defRPr sz="1350" kern="1200">
+                <a:solidFill>
+                  <a:schemeClr val="lt1"/>
+                </a:solidFill>
+                <a:latin typeface="+mn-lt"/>
+                <a:ea typeface="+mn-ea"/>
+                <a:cs typeface="+mn-cs"/>
+              </a:defRPr>
+            </a:lvl3pPr>
+            <a:lvl4pPr marL="1028700" algn="l" defTabSz="685800" rtl="0" eaLnBrk="1" latinLnBrk="0" hangingPunct="1">
+              <a:defRPr sz="1350" kern="1200">
+                <a:solidFill>
+                  <a:schemeClr val="lt1"/>
+                </a:solidFill>
+                <a:latin typeface="+mn-lt"/>
+                <a:ea typeface="+mn-ea"/>
+                <a:cs typeface="+mn-cs"/>
+              </a:defRPr>
+            </a:lvl4pPr>
+            <a:lvl5pPr marL="1371600" algn="l" defTabSz="685800" rtl="0" eaLnBrk="1" latinLnBrk="0" hangingPunct="1">
+              <a:defRPr sz="1350" kern="1200">
+                <a:solidFill>
+                  <a:schemeClr val="lt1"/>
+                </a:solidFill>
+                <a:latin typeface="+mn-lt"/>
+                <a:ea typeface="+mn-ea"/>
+                <a:cs typeface="+mn-cs"/>
+              </a:defRPr>
+            </a:lvl5pPr>
+            <a:lvl6pPr marL="1714500" algn="l" defTabSz="685800" rtl="0" eaLnBrk="1" latinLnBrk="0" hangingPunct="1">
+              <a:defRPr sz="1350" kern="1200">
+                <a:solidFill>
+                  <a:schemeClr val="lt1"/>
+                </a:solidFill>
+                <a:latin typeface="+mn-lt"/>
+                <a:ea typeface="+mn-ea"/>
+                <a:cs typeface="+mn-cs"/>
+              </a:defRPr>
+            </a:lvl6pPr>
+            <a:lvl7pPr marL="2057400" algn="l" defTabSz="685800" rtl="0" eaLnBrk="1" latinLnBrk="0" hangingPunct="1">
+              <a:defRPr sz="1350" kern="1200">
+                <a:solidFill>
+                  <a:schemeClr val="lt1"/>
+                </a:solidFill>
+                <a:latin typeface="+mn-lt"/>
+                <a:ea typeface="+mn-ea"/>
+                <a:cs typeface="+mn-cs"/>
+              </a:defRPr>
+            </a:lvl7pPr>
+            <a:lvl8pPr marL="2400300" algn="l" defTabSz="685800" rtl="0" eaLnBrk="1" latinLnBrk="0" hangingPunct="1">
+              <a:defRPr sz="1350" kern="1200">
+                <a:solidFill>
+                  <a:schemeClr val="lt1"/>
+                </a:solidFill>
+                <a:latin typeface="+mn-lt"/>
+                <a:ea typeface="+mn-ea"/>
+                <a:cs typeface="+mn-cs"/>
+              </a:defRPr>
+            </a:lvl8pPr>
+            <a:lvl9pPr marL="2743200" algn="l" defTabSz="685800" rtl="0" eaLnBrk="1" latinLnBrk="0" hangingPunct="1">
+              <a:defRPr sz="1350" kern="1200">
+                <a:solidFill>
+                  <a:schemeClr val="lt1"/>
+                </a:solidFill>
+                <a:latin typeface="+mn-lt"/>
+                <a:ea typeface="+mn-ea"/>
+                <a:cs typeface="+mn-cs"/>
+              </a:defRPr>
+            </a:lvl9pPr>
+          </a:lstStyle>
+          <a:p>
+            <a:pPr algn="ctr"/>
+            <a:r>
+              <a:rPr lang="en-US" sz="1100" dirty="0" err="1">
+                <a:solidFill>
+                  <a:schemeClr val="tx2"/>
+                </a:solidFill>
+              </a:rPr>
+              <a:t>source_d</a:t>
+            </a:r>
+            <a:endParaRPr lang="en-US" sz="1100" dirty="0">
+              <a:solidFill>
+                <a:schemeClr val="tx2"/>
+              </a:solidFill>
+            </a:endParaRPr>
+          </a:p>
+        </p:txBody>
+      </p:sp>
+      <p:pic>
+        <p:nvPicPr>
+          <p:cNvPr id="85" name="Graphic 2">
+            <a:extLst>
+              <a:ext uri="{FF2B5EF4-FFF2-40B4-BE49-F238E27FC236}">
+                <a16:creationId xmlns:a16="http://schemas.microsoft.com/office/drawing/2014/main" id="{89AAFDB4-F997-A3CC-A1FF-4EC3AC03BB2C}"/>
+              </a:ext>
+            </a:extLst>
+          </p:cNvPr>
+          <p:cNvPicPr>
+            <a:picLocks noChangeAspect="1"/>
+          </p:cNvPicPr>
+          <p:nvPr/>
+        </p:nvPicPr>
+        <p:blipFill>
+          <a:blip r:embed="rId4">
+            <a:extLst>
+              <a:ext uri="{96DAC541-7B7A-43D3-8B79-37D633B846F1}">
+                <asvg:svgBlip xmlns:asvg="http://schemas.microsoft.com/office/drawing/2016/SVG/main" r:embed="rId5"/>
+              </a:ext>
+            </a:extLst>
+          </a:blip>
+          <a:stretch>
+            <a:fillRect/>
+          </a:stretch>
+        </p:blipFill>
+        <p:spPr>
+          <a:xfrm>
+            <a:off x="358604" y="3178516"/>
+            <a:ext cx="234865" cy="234865"/>
+          </a:xfrm>
+          <a:prstGeom prst="rect">
+            <a:avLst/>
+          </a:prstGeom>
+        </p:spPr>
+      </p:pic>
+      <p:sp>
+        <p:nvSpPr>
+          <p:cNvPr id="86" name="TextBox 85">
+            <a:extLst>
+              <a:ext uri="{FF2B5EF4-FFF2-40B4-BE49-F238E27FC236}">
+                <a16:creationId xmlns:a16="http://schemas.microsoft.com/office/drawing/2014/main" id="{1C3E5B00-07DB-671C-5DDE-F07CEFFBB093}"/>
+              </a:ext>
+            </a:extLst>
+          </p:cNvPr>
+          <p:cNvSpPr txBox="1"/>
+          <p:nvPr/>
+        </p:nvSpPr>
+        <p:spPr>
+          <a:xfrm>
+            <a:off x="531334" y="3142141"/>
+            <a:ext cx="824265" cy="430887"/>
+          </a:xfrm>
+          <a:prstGeom prst="rect">
+            <a:avLst/>
+          </a:prstGeom>
+          <a:noFill/>
+        </p:spPr>
+        <p:txBody>
+          <a:bodyPr wrap="none" rtlCol="0">
+            <a:spAutoFit/>
+          </a:bodyPr>
+          <a:lstStyle/>
+          <a:p>
+            <a:r>
+              <a:rPr lang="en-US" sz="1100" dirty="0"/>
+              <a:t>Quarantine</a:t>
+            </a:r>
+          </a:p>
+          <a:p>
+            <a:r>
+              <a:rPr lang="en-US" sz="1100" dirty="0"/>
+              <a:t> Bucket</a:t>
+            </a:r>
+          </a:p>
+        </p:txBody>
+      </p:sp>
+      <p:pic>
+        <p:nvPicPr>
+          <p:cNvPr id="89" name="Picture 88">
+            <a:extLst>
+              <a:ext uri="{FF2B5EF4-FFF2-40B4-BE49-F238E27FC236}">
+                <a16:creationId xmlns:a16="http://schemas.microsoft.com/office/drawing/2014/main" id="{8F2408E6-F0B0-6707-7EB9-52BE2B3D1236}"/>
+              </a:ext>
+            </a:extLst>
+          </p:cNvPr>
+          <p:cNvPicPr>
+            <a:picLocks noChangeAspect="1" noChangeArrowheads="1"/>
+          </p:cNvPicPr>
+          <p:nvPr/>
+        </p:nvPicPr>
+        <p:blipFill rotWithShape="1">
+          <a:blip r:embed="rId6" cstate="print">
+            <a:extLst>
+              <a:ext uri="{28A0092B-C50C-407E-A947-70E740481C1C}">
+                <a14:useLocalDpi xmlns:a14="http://schemas.microsoft.com/office/drawing/2010/main" val="0"/>
+              </a:ext>
+            </a:extLst>
+          </a:blip>
+          <a:srcRect b="21198"/>
+          <a:stretch/>
+        </p:blipFill>
+        <p:spPr bwMode="auto">
+          <a:xfrm>
+            <a:off x="1118711" y="3531807"/>
+            <a:ext cx="363321" cy="228921"/>
+          </a:xfrm>
+          <a:prstGeom prst="rect">
+            <a:avLst/>
+          </a:prstGeom>
+          <a:solidFill>
+            <a:schemeClr val="bg2"/>
+          </a:solidFill>
+        </p:spPr>
+      </p:pic>
+      <p:pic>
+        <p:nvPicPr>
+          <p:cNvPr id="90" name="Picture 89">
+            <a:extLst>
+              <a:ext uri="{FF2B5EF4-FFF2-40B4-BE49-F238E27FC236}">
+                <a16:creationId xmlns:a16="http://schemas.microsoft.com/office/drawing/2014/main" id="{7EEEBD46-AEA0-6B9F-A820-19187A8A2C4F}"/>
+              </a:ext>
+            </a:extLst>
+          </p:cNvPr>
+          <p:cNvPicPr>
+            <a:picLocks noChangeAspect="1" noChangeArrowheads="1"/>
+          </p:cNvPicPr>
+          <p:nvPr/>
+        </p:nvPicPr>
+        <p:blipFill rotWithShape="1">
+          <a:blip r:embed="rId6" cstate="print">
+            <a:extLst>
+              <a:ext uri="{28A0092B-C50C-407E-A947-70E740481C1C}">
+                <a14:useLocalDpi xmlns:a14="http://schemas.microsoft.com/office/drawing/2010/main" val="0"/>
+              </a:ext>
+            </a:extLst>
+          </a:blip>
+          <a:srcRect b="21198"/>
+          <a:stretch/>
+        </p:blipFill>
+        <p:spPr bwMode="auto">
+          <a:xfrm>
+            <a:off x="1130689" y="4046175"/>
+            <a:ext cx="363321" cy="228921"/>
+          </a:xfrm>
+          <a:prstGeom prst="rect">
+            <a:avLst/>
+          </a:prstGeom>
+          <a:solidFill>
+            <a:schemeClr val="bg2"/>
+          </a:solidFill>
+        </p:spPr>
+      </p:pic>
+      <p:pic>
+        <p:nvPicPr>
+          <p:cNvPr id="96" name="Picture 95">
+            <a:extLst>
+              <a:ext uri="{FF2B5EF4-FFF2-40B4-BE49-F238E27FC236}">
+                <a16:creationId xmlns:a16="http://schemas.microsoft.com/office/drawing/2014/main" id="{D38AFF88-8D1C-5AB5-8C8C-7404C833253F}"/>
+              </a:ext>
+            </a:extLst>
+          </p:cNvPr>
+          <p:cNvPicPr>
+            <a:picLocks noChangeAspect="1"/>
+          </p:cNvPicPr>
+          <p:nvPr/>
+        </p:nvPicPr>
+        <p:blipFill>
+          <a:blip r:embed="rId8"/>
+          <a:stretch>
+            <a:fillRect/>
+          </a:stretch>
+        </p:blipFill>
+        <p:spPr>
+          <a:xfrm>
+            <a:off x="9962600" y="395102"/>
+            <a:ext cx="328886" cy="348232"/>
+          </a:xfrm>
+          <a:prstGeom prst="rect">
+            <a:avLst/>
+          </a:prstGeom>
+        </p:spPr>
+      </p:pic>
+      <p:sp>
+        <p:nvSpPr>
+          <p:cNvPr id="5" name="TextBox 4">
+            <a:extLst>
+              <a:ext uri="{FF2B5EF4-FFF2-40B4-BE49-F238E27FC236}">
+                <a16:creationId xmlns:a16="http://schemas.microsoft.com/office/drawing/2014/main" id="{58472AE7-961F-E250-7ACE-6203E5494EB1}"/>
+              </a:ext>
+            </a:extLst>
+          </p:cNvPr>
+          <p:cNvSpPr txBox="1"/>
+          <p:nvPr/>
+        </p:nvSpPr>
+        <p:spPr>
+          <a:xfrm>
+            <a:off x="9686686" y="702137"/>
+            <a:ext cx="1382950" cy="430887"/>
+          </a:xfrm>
+          <a:prstGeom prst="rect">
+            <a:avLst/>
+          </a:prstGeom>
+          <a:noFill/>
+        </p:spPr>
+        <p:txBody>
+          <a:bodyPr wrap="square" rtlCol="0">
+            <a:spAutoFit/>
+          </a:bodyPr>
+          <a:lstStyle/>
+          <a:p>
+            <a:r>
+              <a:rPr lang="en-US" sz="1100" dirty="0" err="1"/>
+              <a:t>SageMaker</a:t>
+            </a:r>
+            <a:endParaRPr lang="en-US" sz="1100" dirty="0"/>
+          </a:p>
+          <a:p>
+            <a:r>
+              <a:rPr lang="en-US" sz="1100" dirty="0"/>
+              <a:t>Training Job</a:t>
+            </a:r>
+          </a:p>
+        </p:txBody>
+      </p:sp>
+      <p:cxnSp>
+        <p:nvCxnSpPr>
+          <p:cNvPr id="14" name="Connector: Elbow 13">
+            <a:extLst>
+              <a:ext uri="{FF2B5EF4-FFF2-40B4-BE49-F238E27FC236}">
+                <a16:creationId xmlns:a16="http://schemas.microsoft.com/office/drawing/2014/main" id="{1E290E85-903B-6ABC-B38A-2D6330ACC8D6}"/>
+              </a:ext>
+            </a:extLst>
+          </p:cNvPr>
+          <p:cNvCxnSpPr>
+            <a:cxnSpLocks/>
+            <a:stCxn id="51" idx="3"/>
+            <a:endCxn id="96" idx="1"/>
+          </p:cNvCxnSpPr>
+          <p:nvPr/>
+        </p:nvCxnSpPr>
+        <p:spPr>
+          <a:xfrm flipV="1">
+            <a:off x="9294915" y="569218"/>
+            <a:ext cx="667685" cy="1028353"/>
+          </a:xfrm>
+          <a:prstGeom prst="bentConnector3">
+            <a:avLst/>
+          </a:prstGeom>
+          <a:ln>
+            <a:tailEnd type="triangle"/>
+          </a:ln>
+        </p:spPr>
+        <p:style>
+          <a:lnRef idx="1">
+            <a:schemeClr val="accent1"/>
+          </a:lnRef>
+          <a:fillRef idx="0">
+            <a:schemeClr val="accent1"/>
+          </a:fillRef>
+          <a:effectRef idx="0">
+            <a:schemeClr val="accent1"/>
+          </a:effectRef>
+          <a:fontRef idx="minor">
+            <a:schemeClr val="tx1"/>
+          </a:fontRef>
+        </p:style>
+      </p:cxnSp>
+      <p:sp>
+        <p:nvSpPr>
+          <p:cNvPr id="45" name="Rectangle 44">
+            <a:extLst>
+              <a:ext uri="{FF2B5EF4-FFF2-40B4-BE49-F238E27FC236}">
+                <a16:creationId xmlns:a16="http://schemas.microsoft.com/office/drawing/2014/main" id="{594AB46C-85D7-4764-4197-848C39B82580}"/>
+              </a:ext>
+            </a:extLst>
+          </p:cNvPr>
+          <p:cNvSpPr/>
+          <p:nvPr/>
+        </p:nvSpPr>
+        <p:spPr>
+          <a:xfrm>
+            <a:off x="10845009" y="184860"/>
+            <a:ext cx="1176867" cy="1784650"/>
+          </a:xfrm>
+          <a:prstGeom prst="rect">
+            <a:avLst/>
+          </a:prstGeom>
+          <a:noFill/>
+          <a:ln>
+            <a:solidFill>
+              <a:schemeClr val="accent2"/>
+            </a:solidFill>
+            <a:prstDash val="lgDash"/>
+          </a:ln>
+        </p:spPr>
+        <p:style>
+          <a:lnRef idx="2">
+            <a:schemeClr val="accent1">
+              <a:shade val="50000"/>
+            </a:schemeClr>
+          </a:lnRef>
+          <a:fillRef idx="1">
+            <a:schemeClr val="accent1"/>
+          </a:fillRef>
+          <a:effectRef idx="0">
+            <a:schemeClr val="accent1"/>
+          </a:effectRef>
+          <a:fontRef idx="minor">
+            <a:schemeClr val="lt1"/>
+          </a:fontRef>
+        </p:style>
+        <p:txBody>
+          <a:bodyPr rtlCol="0" anchor="ctr"/>
+          <a:lstStyle>
+            <a:defPPr>
+              <a:defRPr lang="en-US"/>
+            </a:defPPr>
+            <a:lvl1pPr marL="0" algn="l" defTabSz="685800" rtl="0" eaLnBrk="1" latinLnBrk="0" hangingPunct="1">
+              <a:defRPr sz="1350" kern="1200">
+                <a:solidFill>
+                  <a:schemeClr val="lt1"/>
+                </a:solidFill>
+                <a:latin typeface="+mn-lt"/>
+                <a:ea typeface="+mn-ea"/>
+                <a:cs typeface="+mn-cs"/>
+              </a:defRPr>
+            </a:lvl1pPr>
+            <a:lvl2pPr marL="342900" algn="l" defTabSz="685800" rtl="0" eaLnBrk="1" latinLnBrk="0" hangingPunct="1">
+              <a:defRPr sz="1350" kern="1200">
+                <a:solidFill>
+                  <a:schemeClr val="lt1"/>
+                </a:solidFill>
+                <a:latin typeface="+mn-lt"/>
+                <a:ea typeface="+mn-ea"/>
+                <a:cs typeface="+mn-cs"/>
+              </a:defRPr>
+            </a:lvl2pPr>
+            <a:lvl3pPr marL="685800" algn="l" defTabSz="685800" rtl="0" eaLnBrk="1" latinLnBrk="0" hangingPunct="1">
+              <a:defRPr sz="1350" kern="1200">
+                <a:solidFill>
+                  <a:schemeClr val="lt1"/>
+                </a:solidFill>
+                <a:latin typeface="+mn-lt"/>
+                <a:ea typeface="+mn-ea"/>
+                <a:cs typeface="+mn-cs"/>
+              </a:defRPr>
+            </a:lvl3pPr>
+            <a:lvl4pPr marL="1028700" algn="l" defTabSz="685800" rtl="0" eaLnBrk="1" latinLnBrk="0" hangingPunct="1">
+              <a:defRPr sz="1350" kern="1200">
+                <a:solidFill>
+                  <a:schemeClr val="lt1"/>
+                </a:solidFill>
+                <a:latin typeface="+mn-lt"/>
+                <a:ea typeface="+mn-ea"/>
+                <a:cs typeface="+mn-cs"/>
+              </a:defRPr>
+            </a:lvl4pPr>
+            <a:lvl5pPr marL="1371600" algn="l" defTabSz="685800" rtl="0" eaLnBrk="1" latinLnBrk="0" hangingPunct="1">
+              <a:defRPr sz="1350" kern="1200">
+                <a:solidFill>
+                  <a:schemeClr val="lt1"/>
+                </a:solidFill>
+                <a:latin typeface="+mn-lt"/>
+                <a:ea typeface="+mn-ea"/>
+                <a:cs typeface="+mn-cs"/>
+              </a:defRPr>
+            </a:lvl5pPr>
+            <a:lvl6pPr marL="1714500" algn="l" defTabSz="685800" rtl="0" eaLnBrk="1" latinLnBrk="0" hangingPunct="1">
+              <a:defRPr sz="1350" kern="1200">
+                <a:solidFill>
+                  <a:schemeClr val="lt1"/>
+                </a:solidFill>
+                <a:latin typeface="+mn-lt"/>
+                <a:ea typeface="+mn-ea"/>
+                <a:cs typeface="+mn-cs"/>
+              </a:defRPr>
+            </a:lvl6pPr>
+            <a:lvl7pPr marL="2057400" algn="l" defTabSz="685800" rtl="0" eaLnBrk="1" latinLnBrk="0" hangingPunct="1">
+              <a:defRPr sz="1350" kern="1200">
+                <a:solidFill>
+                  <a:schemeClr val="lt1"/>
+                </a:solidFill>
+                <a:latin typeface="+mn-lt"/>
+                <a:ea typeface="+mn-ea"/>
+                <a:cs typeface="+mn-cs"/>
+              </a:defRPr>
+            </a:lvl7pPr>
+            <a:lvl8pPr marL="2400300" algn="l" defTabSz="685800" rtl="0" eaLnBrk="1" latinLnBrk="0" hangingPunct="1">
+              <a:defRPr sz="1350" kern="1200">
+                <a:solidFill>
+                  <a:schemeClr val="lt1"/>
+                </a:solidFill>
+                <a:latin typeface="+mn-lt"/>
+                <a:ea typeface="+mn-ea"/>
+                <a:cs typeface="+mn-cs"/>
+              </a:defRPr>
+            </a:lvl8pPr>
+            <a:lvl9pPr marL="2743200" algn="l" defTabSz="685800" rtl="0" eaLnBrk="1" latinLnBrk="0" hangingPunct="1">
+              <a:defRPr sz="1350" kern="1200">
+                <a:solidFill>
+                  <a:schemeClr val="lt1"/>
+                </a:solidFill>
+                <a:latin typeface="+mn-lt"/>
+                <a:ea typeface="+mn-ea"/>
+                <a:cs typeface="+mn-cs"/>
+              </a:defRPr>
+            </a:lvl9pPr>
+          </a:lstStyle>
+          <a:p>
+            <a:pPr algn="ctr"/>
+            <a:endParaRPr lang="en-US" sz="1100"/>
+          </a:p>
+        </p:txBody>
+      </p:sp>
+      <p:pic>
+        <p:nvPicPr>
+          <p:cNvPr id="47" name="Picture 46" descr="A picture containing icon&#10;&#10;Description automatically generated">
+            <a:extLst>
+              <a:ext uri="{FF2B5EF4-FFF2-40B4-BE49-F238E27FC236}">
+                <a16:creationId xmlns:a16="http://schemas.microsoft.com/office/drawing/2014/main" id="{FCAD0FFF-0114-3A50-0010-D433BC8C0815}"/>
+              </a:ext>
+            </a:extLst>
+          </p:cNvPr>
+          <p:cNvPicPr>
+            <a:picLocks noChangeAspect="1"/>
+          </p:cNvPicPr>
+          <p:nvPr/>
+        </p:nvPicPr>
+        <p:blipFill>
+          <a:blip r:embed="rId3" cstate="print">
+            <a:extLst>
+              <a:ext uri="{28A0092B-C50C-407E-A947-70E740481C1C}">
+                <a14:useLocalDpi xmlns:a14="http://schemas.microsoft.com/office/drawing/2010/main" val="0"/>
+              </a:ext>
+            </a:extLst>
+          </a:blip>
+          <a:stretch>
+            <a:fillRect/>
+          </a:stretch>
+        </p:blipFill>
+        <p:spPr>
+          <a:xfrm>
+            <a:off x="10871340" y="182957"/>
+            <a:ext cx="385539" cy="385539"/>
+          </a:xfrm>
+          <a:prstGeom prst="rect">
+            <a:avLst/>
+          </a:prstGeom>
+        </p:spPr>
+      </p:pic>
+      <p:sp>
+        <p:nvSpPr>
+          <p:cNvPr id="48" name="Rectangle 47">
+            <a:extLst>
+              <a:ext uri="{FF2B5EF4-FFF2-40B4-BE49-F238E27FC236}">
+                <a16:creationId xmlns:a16="http://schemas.microsoft.com/office/drawing/2014/main" id="{951C4E31-E137-18D4-A56D-3C15C24A0200}"/>
+              </a:ext>
+            </a:extLst>
+          </p:cNvPr>
+          <p:cNvSpPr/>
+          <p:nvPr/>
+        </p:nvSpPr>
+        <p:spPr>
+          <a:xfrm>
+            <a:off x="10836398" y="1284569"/>
+            <a:ext cx="1211809" cy="430887"/>
+          </a:xfrm>
+          <a:prstGeom prst="rect">
+            <a:avLst/>
+          </a:prstGeom>
+          <a:solidFill>
+            <a:srgbClr val="FEFEFE"/>
+          </a:solidFill>
+          <a:ln>
+            <a:solidFill>
+              <a:schemeClr val="accent3">
+                <a:lumMod val="40000"/>
+                <a:lumOff val="60000"/>
+              </a:schemeClr>
+            </a:solidFill>
+            <a:prstDash val="lgDash"/>
+          </a:ln>
+        </p:spPr>
+        <p:style>
+          <a:lnRef idx="2">
+            <a:schemeClr val="accent1">
+              <a:shade val="50000"/>
+            </a:schemeClr>
+          </a:lnRef>
+          <a:fillRef idx="1">
+            <a:schemeClr val="accent1"/>
+          </a:fillRef>
+          <a:effectRef idx="0">
+            <a:schemeClr val="accent1"/>
+          </a:effectRef>
+          <a:fontRef idx="minor">
+            <a:schemeClr val="lt1"/>
+          </a:fontRef>
+        </p:style>
+        <p:txBody>
+          <a:bodyPr rtlCol="0" anchor="ctr"/>
+          <a:lstStyle>
+            <a:defPPr>
+              <a:defRPr lang="en-US"/>
+            </a:defPPr>
+            <a:lvl1pPr marL="0" algn="l" defTabSz="685800" rtl="0" eaLnBrk="1" latinLnBrk="0" hangingPunct="1">
+              <a:defRPr sz="1350" kern="1200">
+                <a:solidFill>
+                  <a:schemeClr val="lt1"/>
+                </a:solidFill>
+                <a:latin typeface="+mn-lt"/>
+                <a:ea typeface="+mn-ea"/>
+                <a:cs typeface="+mn-cs"/>
+              </a:defRPr>
+            </a:lvl1pPr>
+            <a:lvl2pPr marL="342900" algn="l" defTabSz="685800" rtl="0" eaLnBrk="1" latinLnBrk="0" hangingPunct="1">
+              <a:defRPr sz="1350" kern="1200">
+                <a:solidFill>
+                  <a:schemeClr val="lt1"/>
+                </a:solidFill>
+                <a:latin typeface="+mn-lt"/>
+                <a:ea typeface="+mn-ea"/>
+                <a:cs typeface="+mn-cs"/>
+              </a:defRPr>
+            </a:lvl2pPr>
+            <a:lvl3pPr marL="685800" algn="l" defTabSz="685800" rtl="0" eaLnBrk="1" latinLnBrk="0" hangingPunct="1">
+              <a:defRPr sz="1350" kern="1200">
+                <a:solidFill>
+                  <a:schemeClr val="lt1"/>
+                </a:solidFill>
+                <a:latin typeface="+mn-lt"/>
+                <a:ea typeface="+mn-ea"/>
+                <a:cs typeface="+mn-cs"/>
+              </a:defRPr>
+            </a:lvl3pPr>
+            <a:lvl4pPr marL="1028700" algn="l" defTabSz="685800" rtl="0" eaLnBrk="1" latinLnBrk="0" hangingPunct="1">
+              <a:defRPr sz="1350" kern="1200">
+                <a:solidFill>
+                  <a:schemeClr val="lt1"/>
+                </a:solidFill>
+                <a:latin typeface="+mn-lt"/>
+                <a:ea typeface="+mn-ea"/>
+                <a:cs typeface="+mn-cs"/>
+              </a:defRPr>
+            </a:lvl4pPr>
+            <a:lvl5pPr marL="1371600" algn="l" defTabSz="685800" rtl="0" eaLnBrk="1" latinLnBrk="0" hangingPunct="1">
+              <a:defRPr sz="1350" kern="1200">
+                <a:solidFill>
+                  <a:schemeClr val="lt1"/>
+                </a:solidFill>
+                <a:latin typeface="+mn-lt"/>
+                <a:ea typeface="+mn-ea"/>
+                <a:cs typeface="+mn-cs"/>
+              </a:defRPr>
+            </a:lvl5pPr>
+            <a:lvl6pPr marL="1714500" algn="l" defTabSz="685800" rtl="0" eaLnBrk="1" latinLnBrk="0" hangingPunct="1">
+              <a:defRPr sz="1350" kern="1200">
+                <a:solidFill>
+                  <a:schemeClr val="lt1"/>
+                </a:solidFill>
+                <a:latin typeface="+mn-lt"/>
+                <a:ea typeface="+mn-ea"/>
+                <a:cs typeface="+mn-cs"/>
+              </a:defRPr>
+            </a:lvl6pPr>
+            <a:lvl7pPr marL="2057400" algn="l" defTabSz="685800" rtl="0" eaLnBrk="1" latinLnBrk="0" hangingPunct="1">
+              <a:defRPr sz="1350" kern="1200">
+                <a:solidFill>
+                  <a:schemeClr val="lt1"/>
+                </a:solidFill>
+                <a:latin typeface="+mn-lt"/>
+                <a:ea typeface="+mn-ea"/>
+                <a:cs typeface="+mn-cs"/>
+              </a:defRPr>
+            </a:lvl7pPr>
+            <a:lvl8pPr marL="2400300" algn="l" defTabSz="685800" rtl="0" eaLnBrk="1" latinLnBrk="0" hangingPunct="1">
+              <a:defRPr sz="1350" kern="1200">
+                <a:solidFill>
+                  <a:schemeClr val="lt1"/>
+                </a:solidFill>
+                <a:latin typeface="+mn-lt"/>
+                <a:ea typeface="+mn-ea"/>
+                <a:cs typeface="+mn-cs"/>
+              </a:defRPr>
+            </a:lvl8pPr>
+            <a:lvl9pPr marL="2743200" algn="l" defTabSz="685800" rtl="0" eaLnBrk="1" latinLnBrk="0" hangingPunct="1">
+              <a:defRPr sz="1350" kern="1200">
+                <a:solidFill>
+                  <a:schemeClr val="lt1"/>
+                </a:solidFill>
+                <a:latin typeface="+mn-lt"/>
+                <a:ea typeface="+mn-ea"/>
+                <a:cs typeface="+mn-cs"/>
+              </a:defRPr>
+            </a:lvl9pPr>
+          </a:lstStyle>
+          <a:p>
+            <a:pPr algn="ctr"/>
+            <a:r>
+              <a:rPr lang="en-US" sz="1100" dirty="0">
+                <a:solidFill>
+                  <a:schemeClr val="tx2"/>
+                </a:solidFill>
+              </a:rPr>
+              <a:t>score-_</a:t>
+            </a:r>
+            <a:r>
+              <a:rPr lang="en-US" sz="1100" dirty="0" err="1">
+                <a:solidFill>
+                  <a:schemeClr val="tx2"/>
+                </a:solidFill>
+              </a:rPr>
+              <a:t>sight_predication</a:t>
+            </a:r>
+            <a:endParaRPr lang="en-US" sz="1100" dirty="0">
+              <a:solidFill>
+                <a:schemeClr val="tx2"/>
+              </a:solidFill>
+            </a:endParaRPr>
+          </a:p>
+        </p:txBody>
+      </p:sp>
+      <p:pic>
+        <p:nvPicPr>
+          <p:cNvPr id="54" name="Graphic 2">
+            <a:extLst>
+              <a:ext uri="{FF2B5EF4-FFF2-40B4-BE49-F238E27FC236}">
+                <a16:creationId xmlns:a16="http://schemas.microsoft.com/office/drawing/2014/main" id="{4AE494C9-6475-FD1D-88D7-638A0E93ED53}"/>
+              </a:ext>
+            </a:extLst>
+          </p:cNvPr>
+          <p:cNvPicPr>
+            <a:picLocks noChangeAspect="1"/>
+          </p:cNvPicPr>
+          <p:nvPr/>
+        </p:nvPicPr>
+        <p:blipFill>
+          <a:blip r:embed="rId4">
+            <a:extLst>
+              <a:ext uri="{96DAC541-7B7A-43D3-8B79-37D633B846F1}">
+                <asvg:svgBlip xmlns:asvg="http://schemas.microsoft.com/office/drawing/2016/SVG/main" r:embed="rId5"/>
+              </a:ext>
+            </a:extLst>
+          </a:blip>
+          <a:stretch>
+            <a:fillRect/>
+          </a:stretch>
+        </p:blipFill>
+        <p:spPr>
+          <a:xfrm>
+            <a:off x="10899020" y="761266"/>
+            <a:ext cx="234865" cy="234865"/>
+          </a:xfrm>
+          <a:prstGeom prst="rect">
+            <a:avLst/>
+          </a:prstGeom>
+        </p:spPr>
+      </p:pic>
+      <p:sp>
+        <p:nvSpPr>
+          <p:cNvPr id="57" name="TextBox 56">
+            <a:extLst>
+              <a:ext uri="{FF2B5EF4-FFF2-40B4-BE49-F238E27FC236}">
+                <a16:creationId xmlns:a16="http://schemas.microsoft.com/office/drawing/2014/main" id="{D7F99539-4E35-F0DB-3FE7-1923923B4214}"/>
+              </a:ext>
+            </a:extLst>
+          </p:cNvPr>
+          <p:cNvSpPr txBox="1"/>
+          <p:nvPr/>
+        </p:nvSpPr>
+        <p:spPr>
+          <a:xfrm>
+            <a:off x="11103799" y="685634"/>
+            <a:ext cx="941283" cy="430887"/>
+          </a:xfrm>
+          <a:prstGeom prst="rect">
+            <a:avLst/>
+          </a:prstGeom>
+          <a:noFill/>
+        </p:spPr>
+        <p:txBody>
+          <a:bodyPr wrap="none" rtlCol="0">
+            <a:spAutoFit/>
+          </a:bodyPr>
+          <a:lstStyle/>
+          <a:p>
+            <a:r>
+              <a:rPr lang="en-US" sz="1100" dirty="0"/>
+              <a:t>Score Sight </a:t>
+            </a:r>
+          </a:p>
+          <a:p>
+            <a:r>
+              <a:rPr lang="en-US" sz="1100" dirty="0"/>
+              <a:t>Model Bucket</a:t>
+            </a:r>
+          </a:p>
+        </p:txBody>
+      </p:sp>
+      <p:cxnSp>
+        <p:nvCxnSpPr>
+          <p:cNvPr id="69" name="Connector: Elbow 68">
+            <a:extLst>
+              <a:ext uri="{FF2B5EF4-FFF2-40B4-BE49-F238E27FC236}">
+                <a16:creationId xmlns:a16="http://schemas.microsoft.com/office/drawing/2014/main" id="{832809D8-A75E-12A3-2A87-E7AD78BE5FDB}"/>
+              </a:ext>
+            </a:extLst>
+          </p:cNvPr>
+          <p:cNvCxnSpPr>
+            <a:cxnSpLocks/>
+            <a:stCxn id="96" idx="3"/>
+            <a:endCxn id="48" idx="1"/>
+          </p:cNvCxnSpPr>
+          <p:nvPr/>
+        </p:nvCxnSpPr>
+        <p:spPr>
+          <a:xfrm>
+            <a:off x="10291486" y="569218"/>
+            <a:ext cx="544912" cy="930795"/>
+          </a:xfrm>
+          <a:prstGeom prst="bentConnector3">
+            <a:avLst/>
+          </a:prstGeom>
+          <a:ln>
+            <a:tailEnd type="triangle"/>
+          </a:ln>
+        </p:spPr>
+        <p:style>
+          <a:lnRef idx="1">
+            <a:schemeClr val="accent1"/>
+          </a:lnRef>
+          <a:fillRef idx="0">
+            <a:schemeClr val="accent1"/>
+          </a:fillRef>
+          <a:effectRef idx="0">
+            <a:schemeClr val="accent1"/>
+          </a:effectRef>
+          <a:fontRef idx="minor">
+            <a:schemeClr val="tx1"/>
+          </a:fontRef>
+        </p:style>
+      </p:cxnSp>
+      <p:pic>
+        <p:nvPicPr>
+          <p:cNvPr id="73" name="Picture 72">
+            <a:extLst>
+              <a:ext uri="{FF2B5EF4-FFF2-40B4-BE49-F238E27FC236}">
+                <a16:creationId xmlns:a16="http://schemas.microsoft.com/office/drawing/2014/main" id="{D5BF9A3D-ABDE-60E0-4410-E2884220AA67}"/>
+              </a:ext>
+            </a:extLst>
+          </p:cNvPr>
+          <p:cNvPicPr>
+            <a:picLocks noChangeAspect="1"/>
+          </p:cNvPicPr>
+          <p:nvPr/>
+        </p:nvPicPr>
+        <p:blipFill>
+          <a:blip r:embed="rId8"/>
+          <a:stretch>
+            <a:fillRect/>
+          </a:stretch>
+        </p:blipFill>
+        <p:spPr>
+          <a:xfrm>
+            <a:off x="11306181" y="2485579"/>
+            <a:ext cx="328886" cy="348232"/>
+          </a:xfrm>
+          <a:prstGeom prst="rect">
+            <a:avLst/>
+          </a:prstGeom>
+        </p:spPr>
+      </p:pic>
+      <p:sp>
+        <p:nvSpPr>
+          <p:cNvPr id="76" name="TextBox 75">
+            <a:extLst>
+              <a:ext uri="{FF2B5EF4-FFF2-40B4-BE49-F238E27FC236}">
+                <a16:creationId xmlns:a16="http://schemas.microsoft.com/office/drawing/2014/main" id="{C40C6474-1DAA-3011-2D34-9201AAC5C276}"/>
+              </a:ext>
+            </a:extLst>
+          </p:cNvPr>
+          <p:cNvSpPr txBox="1"/>
+          <p:nvPr/>
+        </p:nvSpPr>
+        <p:spPr>
+          <a:xfrm>
+            <a:off x="10976993" y="2866827"/>
+            <a:ext cx="1006714" cy="430887"/>
+          </a:xfrm>
+          <a:prstGeom prst="rect">
+            <a:avLst/>
+          </a:prstGeom>
+          <a:noFill/>
+        </p:spPr>
+        <p:txBody>
+          <a:bodyPr wrap="square" rtlCol="0">
+            <a:spAutoFit/>
+          </a:bodyPr>
+          <a:lstStyle/>
+          <a:p>
+            <a:r>
+              <a:rPr lang="en-US" sz="1100" dirty="0" err="1"/>
+              <a:t>SageMaker</a:t>
+            </a:r>
+            <a:endParaRPr lang="en-US" sz="1100" dirty="0"/>
+          </a:p>
+          <a:p>
+            <a:r>
+              <a:rPr lang="en-US" sz="1100" dirty="0"/>
+              <a:t>  Endpoint</a:t>
+            </a:r>
+          </a:p>
+        </p:txBody>
+      </p:sp>
+      <p:pic>
+        <p:nvPicPr>
+          <p:cNvPr id="78" name="Picture 77">
+            <a:extLst>
+              <a:ext uri="{FF2B5EF4-FFF2-40B4-BE49-F238E27FC236}">
+                <a16:creationId xmlns:a16="http://schemas.microsoft.com/office/drawing/2014/main" id="{F00129D0-118D-6D5E-D6EF-B19A648D02A8}"/>
+              </a:ext>
+            </a:extLst>
+          </p:cNvPr>
+          <p:cNvPicPr>
+            <a:picLocks noChangeAspect="1"/>
+          </p:cNvPicPr>
+          <p:nvPr/>
+        </p:nvPicPr>
+        <p:blipFill>
+          <a:blip r:embed="rId9"/>
+          <a:stretch>
+            <a:fillRect/>
+          </a:stretch>
+        </p:blipFill>
+        <p:spPr>
+          <a:xfrm>
+            <a:off x="11290516" y="4581028"/>
+            <a:ext cx="379668" cy="384730"/>
+          </a:xfrm>
+          <a:prstGeom prst="rect">
+            <a:avLst/>
+          </a:prstGeom>
+        </p:spPr>
+      </p:pic>
+      <p:cxnSp>
+        <p:nvCxnSpPr>
+          <p:cNvPr id="87" name="Connector: Elbow 86">
+            <a:extLst>
+              <a:ext uri="{FF2B5EF4-FFF2-40B4-BE49-F238E27FC236}">
+                <a16:creationId xmlns:a16="http://schemas.microsoft.com/office/drawing/2014/main" id="{341C19F1-515C-164A-2715-2F9BC98C3878}"/>
+              </a:ext>
+            </a:extLst>
+          </p:cNvPr>
+          <p:cNvCxnSpPr>
+            <a:cxnSpLocks/>
+            <a:stCxn id="48" idx="3"/>
+            <a:endCxn id="73" idx="1"/>
+          </p:cNvCxnSpPr>
+          <p:nvPr/>
+        </p:nvCxnSpPr>
+        <p:spPr>
+          <a:xfrm flipH="1">
+            <a:off x="11306181" y="1500013"/>
+            <a:ext cx="742026" cy="1159682"/>
+          </a:xfrm>
+          <a:prstGeom prst="bentConnector5">
+            <a:avLst>
+              <a:gd name="adj1" fmla="val -30808"/>
+              <a:gd name="adj2" fmla="val 51782"/>
+              <a:gd name="adj3" fmla="val 130808"/>
+            </a:avLst>
+          </a:prstGeom>
+        </p:spPr>
+        <p:style>
+          <a:lnRef idx="1">
+            <a:schemeClr val="accent1"/>
+          </a:lnRef>
+          <a:fillRef idx="0">
+            <a:schemeClr val="accent1"/>
+          </a:fillRef>
+          <a:effectRef idx="0">
+            <a:schemeClr val="accent1"/>
+          </a:effectRef>
+          <a:fontRef idx="minor">
+            <a:schemeClr val="tx1"/>
+          </a:fontRef>
+        </p:style>
+      </p:cxnSp>
+      <p:sp>
+        <p:nvSpPr>
+          <p:cNvPr id="97" name="TextBox 96">
+            <a:extLst>
+              <a:ext uri="{FF2B5EF4-FFF2-40B4-BE49-F238E27FC236}">
+                <a16:creationId xmlns:a16="http://schemas.microsoft.com/office/drawing/2014/main" id="{976C377F-F0B6-7545-7053-8B3CEF58FEB7}"/>
+              </a:ext>
+            </a:extLst>
+          </p:cNvPr>
+          <p:cNvSpPr txBox="1"/>
+          <p:nvPr/>
+        </p:nvSpPr>
+        <p:spPr>
+          <a:xfrm>
+            <a:off x="10776074" y="4966014"/>
+            <a:ext cx="1470581" cy="461665"/>
+          </a:xfrm>
+          <a:prstGeom prst="rect">
+            <a:avLst/>
+          </a:prstGeom>
+          <a:noFill/>
+        </p:spPr>
+        <p:txBody>
+          <a:bodyPr wrap="square" rtlCol="0">
+            <a:spAutoFit/>
+          </a:bodyPr>
+          <a:lstStyle/>
+          <a:p>
+            <a:r>
+              <a:rPr lang="en-US" sz="1200" dirty="0"/>
+              <a:t>     API Gateway</a:t>
+            </a:r>
+          </a:p>
+          <a:p>
+            <a:r>
+              <a:rPr lang="en-US" sz="1200" dirty="0"/>
+              <a:t> </a:t>
+            </a:r>
+            <a:r>
+              <a:rPr lang="en-US" sz="1200" dirty="0" err="1"/>
+              <a:t>OnlineScoreSightAPI</a:t>
+            </a:r>
+            <a:endParaRPr lang="en-US" sz="1200" dirty="0"/>
+          </a:p>
+        </p:txBody>
+      </p:sp>
+      <p:pic>
+        <p:nvPicPr>
+          <p:cNvPr id="104" name="Picture 103">
+            <a:extLst>
+              <a:ext uri="{FF2B5EF4-FFF2-40B4-BE49-F238E27FC236}">
+                <a16:creationId xmlns:a16="http://schemas.microsoft.com/office/drawing/2014/main" id="{0E42B395-C82B-6EED-02AA-E691915337C8}"/>
+              </a:ext>
+            </a:extLst>
+          </p:cNvPr>
+          <p:cNvPicPr>
+            <a:picLocks noChangeAspect="1"/>
+          </p:cNvPicPr>
+          <p:nvPr/>
+        </p:nvPicPr>
+        <p:blipFill>
+          <a:blip r:embed="rId10"/>
+          <a:stretch>
+            <a:fillRect/>
+          </a:stretch>
+        </p:blipFill>
+        <p:spPr>
+          <a:xfrm>
+            <a:off x="11283140" y="5581052"/>
+            <a:ext cx="460117" cy="421164"/>
+          </a:xfrm>
+          <a:prstGeom prst="rect">
+            <a:avLst/>
+          </a:prstGeom>
+        </p:spPr>
+      </p:pic>
+      <p:sp>
+        <p:nvSpPr>
+          <p:cNvPr id="105" name="TextBox 104">
+            <a:extLst>
+              <a:ext uri="{FF2B5EF4-FFF2-40B4-BE49-F238E27FC236}">
+                <a16:creationId xmlns:a16="http://schemas.microsoft.com/office/drawing/2014/main" id="{58F66B7A-1A56-1949-4043-6DD269EA3CA6}"/>
+              </a:ext>
+            </a:extLst>
+          </p:cNvPr>
+          <p:cNvSpPr txBox="1"/>
+          <p:nvPr/>
+        </p:nvSpPr>
+        <p:spPr>
+          <a:xfrm>
+            <a:off x="11140684" y="5952635"/>
+            <a:ext cx="699593" cy="261610"/>
+          </a:xfrm>
+          <a:prstGeom prst="rect">
+            <a:avLst/>
+          </a:prstGeom>
+          <a:noFill/>
+        </p:spPr>
+        <p:txBody>
+          <a:bodyPr wrap="square" rtlCol="0">
+            <a:spAutoFit/>
+          </a:bodyPr>
+          <a:lstStyle/>
+          <a:p>
+            <a:r>
+              <a:rPr lang="en-US" sz="1100" dirty="0"/>
+              <a:t> Client</a:t>
+            </a:r>
+          </a:p>
+        </p:txBody>
+      </p:sp>
+      <p:pic>
+        <p:nvPicPr>
+          <p:cNvPr id="127" name="Picture 126">
+            <a:extLst>
+              <a:ext uri="{FF2B5EF4-FFF2-40B4-BE49-F238E27FC236}">
+                <a16:creationId xmlns:a16="http://schemas.microsoft.com/office/drawing/2014/main" id="{A956F971-EC4A-A7AE-283D-1F9CEAEFB51D}"/>
+              </a:ext>
+            </a:extLst>
+          </p:cNvPr>
+          <p:cNvPicPr>
+            <a:picLocks noChangeAspect="1"/>
+          </p:cNvPicPr>
+          <p:nvPr/>
+        </p:nvPicPr>
+        <p:blipFill>
+          <a:blip r:embed="rId8"/>
+          <a:stretch>
+            <a:fillRect/>
+          </a:stretch>
+        </p:blipFill>
+        <p:spPr>
+          <a:xfrm>
+            <a:off x="9439959" y="2470284"/>
+            <a:ext cx="328886" cy="348232"/>
+          </a:xfrm>
+          <a:prstGeom prst="rect">
+            <a:avLst/>
+          </a:prstGeom>
+        </p:spPr>
+      </p:pic>
+      <p:sp>
+        <p:nvSpPr>
+          <p:cNvPr id="128" name="TextBox 127">
+            <a:extLst>
+              <a:ext uri="{FF2B5EF4-FFF2-40B4-BE49-F238E27FC236}">
+                <a16:creationId xmlns:a16="http://schemas.microsoft.com/office/drawing/2014/main" id="{DE14E13F-A32E-7018-B363-A1BBFDC02874}"/>
+              </a:ext>
+            </a:extLst>
+          </p:cNvPr>
+          <p:cNvSpPr txBox="1"/>
+          <p:nvPr/>
+        </p:nvSpPr>
+        <p:spPr>
+          <a:xfrm>
+            <a:off x="9013409" y="2870885"/>
+            <a:ext cx="1176867" cy="600164"/>
+          </a:xfrm>
+          <a:prstGeom prst="rect">
+            <a:avLst/>
+          </a:prstGeom>
+          <a:noFill/>
+        </p:spPr>
+        <p:txBody>
+          <a:bodyPr wrap="square" rtlCol="0">
+            <a:spAutoFit/>
+          </a:bodyPr>
+          <a:lstStyle/>
+          <a:p>
+            <a:r>
+              <a:rPr lang="en-US" sz="1100" dirty="0"/>
+              <a:t>    </a:t>
+            </a:r>
+            <a:r>
+              <a:rPr lang="en-US" sz="1100" dirty="0" err="1"/>
+              <a:t>SageMaker</a:t>
+            </a:r>
+            <a:endParaRPr lang="en-US" sz="1100" dirty="0"/>
+          </a:p>
+          <a:p>
+            <a:r>
+              <a:rPr lang="en-US" sz="1100" dirty="0"/>
+              <a:t>Batch transform </a:t>
+            </a:r>
+          </a:p>
+          <a:p>
+            <a:r>
+              <a:rPr lang="en-US" sz="1100" dirty="0"/>
+              <a:t>          job</a:t>
+            </a:r>
+          </a:p>
+        </p:txBody>
+      </p:sp>
+      <p:pic>
+        <p:nvPicPr>
+          <p:cNvPr id="131" name="Picture 130">
+            <a:extLst>
+              <a:ext uri="{FF2B5EF4-FFF2-40B4-BE49-F238E27FC236}">
+                <a16:creationId xmlns:a16="http://schemas.microsoft.com/office/drawing/2014/main" id="{18657C7A-48CF-96A5-6B05-D931F14D51F9}"/>
+              </a:ext>
+            </a:extLst>
+          </p:cNvPr>
+          <p:cNvPicPr>
+            <a:picLocks noChangeAspect="1"/>
+          </p:cNvPicPr>
+          <p:nvPr/>
+        </p:nvPicPr>
+        <p:blipFill>
+          <a:blip r:embed="rId10"/>
+          <a:stretch>
+            <a:fillRect/>
+          </a:stretch>
+        </p:blipFill>
+        <p:spPr>
+          <a:xfrm>
+            <a:off x="9407106" y="5791634"/>
+            <a:ext cx="460117" cy="454293"/>
+          </a:xfrm>
+          <a:prstGeom prst="rect">
+            <a:avLst/>
+          </a:prstGeom>
+        </p:spPr>
+      </p:pic>
+      <p:sp>
+        <p:nvSpPr>
+          <p:cNvPr id="132" name="TextBox 131">
+            <a:extLst>
+              <a:ext uri="{FF2B5EF4-FFF2-40B4-BE49-F238E27FC236}">
+                <a16:creationId xmlns:a16="http://schemas.microsoft.com/office/drawing/2014/main" id="{29A7E608-47D0-BFDE-EB54-2F43C88FB1A6}"/>
+              </a:ext>
+            </a:extLst>
+          </p:cNvPr>
+          <p:cNvSpPr txBox="1"/>
+          <p:nvPr/>
+        </p:nvSpPr>
+        <p:spPr>
+          <a:xfrm>
+            <a:off x="9302672" y="6189556"/>
+            <a:ext cx="699593" cy="307777"/>
+          </a:xfrm>
+          <a:prstGeom prst="rect">
+            <a:avLst/>
+          </a:prstGeom>
+          <a:noFill/>
+        </p:spPr>
+        <p:txBody>
+          <a:bodyPr wrap="square" rtlCol="0">
+            <a:spAutoFit/>
+          </a:bodyPr>
+          <a:lstStyle/>
+          <a:p>
+            <a:r>
+              <a:rPr lang="en-US" sz="1400" dirty="0"/>
+              <a:t> Client</a:t>
+            </a:r>
+          </a:p>
+        </p:txBody>
+      </p:sp>
+      <p:pic>
+        <p:nvPicPr>
+          <p:cNvPr id="139" name="Picture 138">
+            <a:extLst>
+              <a:ext uri="{FF2B5EF4-FFF2-40B4-BE49-F238E27FC236}">
+                <a16:creationId xmlns:a16="http://schemas.microsoft.com/office/drawing/2014/main" id="{2CB54240-9DAD-E9B7-AC44-8BB14E5E0541}"/>
+              </a:ext>
+            </a:extLst>
+          </p:cNvPr>
+          <p:cNvPicPr>
+            <a:picLocks noChangeAspect="1"/>
+          </p:cNvPicPr>
+          <p:nvPr/>
+        </p:nvPicPr>
+        <p:blipFill>
+          <a:blip r:embed="rId9"/>
+          <a:stretch>
+            <a:fillRect/>
+          </a:stretch>
+        </p:blipFill>
+        <p:spPr>
+          <a:xfrm>
+            <a:off x="9420806" y="4777262"/>
+            <a:ext cx="379668" cy="384730"/>
+          </a:xfrm>
+          <a:prstGeom prst="rect">
+            <a:avLst/>
+          </a:prstGeom>
+        </p:spPr>
+      </p:pic>
+      <p:sp>
+        <p:nvSpPr>
+          <p:cNvPr id="149" name="TextBox 148">
+            <a:extLst>
+              <a:ext uri="{FF2B5EF4-FFF2-40B4-BE49-F238E27FC236}">
+                <a16:creationId xmlns:a16="http://schemas.microsoft.com/office/drawing/2014/main" id="{E6295AA2-352D-013A-2123-BD5141D3B0D3}"/>
+              </a:ext>
+            </a:extLst>
+          </p:cNvPr>
+          <p:cNvSpPr txBox="1"/>
+          <p:nvPr/>
+        </p:nvSpPr>
+        <p:spPr>
+          <a:xfrm>
+            <a:off x="8915056" y="5193592"/>
+            <a:ext cx="1445465" cy="430887"/>
+          </a:xfrm>
+          <a:prstGeom prst="rect">
+            <a:avLst/>
+          </a:prstGeom>
+          <a:noFill/>
+        </p:spPr>
+        <p:txBody>
+          <a:bodyPr wrap="square" rtlCol="0">
+            <a:spAutoFit/>
+          </a:bodyPr>
+          <a:lstStyle/>
+          <a:p>
+            <a:r>
+              <a:rPr lang="en-US" sz="1100" dirty="0"/>
+              <a:t>    API Gateway</a:t>
+            </a:r>
+          </a:p>
+          <a:p>
+            <a:r>
+              <a:rPr lang="en-US" sz="1100" dirty="0" err="1"/>
+              <a:t>BatchScoreSightAPI</a:t>
+            </a:r>
+            <a:endParaRPr lang="en-US" sz="1100" dirty="0"/>
+          </a:p>
+        </p:txBody>
+      </p:sp>
+      <p:pic>
+        <p:nvPicPr>
+          <p:cNvPr id="158" name="Picture 157">
+            <a:extLst>
+              <a:ext uri="{FF2B5EF4-FFF2-40B4-BE49-F238E27FC236}">
+                <a16:creationId xmlns:a16="http://schemas.microsoft.com/office/drawing/2014/main" id="{3DB39067-8EAA-4853-FBE8-AAC6C95AE01E}"/>
+              </a:ext>
+            </a:extLst>
+          </p:cNvPr>
+          <p:cNvPicPr>
+            <a:picLocks noChangeAspect="1"/>
+          </p:cNvPicPr>
+          <p:nvPr/>
+        </p:nvPicPr>
+        <p:blipFill>
+          <a:blip r:embed="rId11"/>
+          <a:stretch>
+            <a:fillRect/>
+          </a:stretch>
+        </p:blipFill>
+        <p:spPr>
+          <a:xfrm>
+            <a:off x="11294823" y="3616354"/>
+            <a:ext cx="376805" cy="376805"/>
+          </a:xfrm>
+          <a:prstGeom prst="rect">
+            <a:avLst/>
+          </a:prstGeom>
+        </p:spPr>
+      </p:pic>
+      <p:cxnSp>
+        <p:nvCxnSpPr>
+          <p:cNvPr id="167" name="Straight Arrow Connector 166">
+            <a:extLst>
+              <a:ext uri="{FF2B5EF4-FFF2-40B4-BE49-F238E27FC236}">
+                <a16:creationId xmlns:a16="http://schemas.microsoft.com/office/drawing/2014/main" id="{57994367-3CDC-174A-86B6-0DB9BFDCEA57}"/>
+              </a:ext>
+            </a:extLst>
+          </p:cNvPr>
+          <p:cNvCxnSpPr>
+            <a:cxnSpLocks/>
+            <a:stCxn id="76" idx="2"/>
+            <a:endCxn id="158" idx="0"/>
+          </p:cNvCxnSpPr>
+          <p:nvPr/>
+        </p:nvCxnSpPr>
+        <p:spPr>
+          <a:xfrm>
+            <a:off x="11480350" y="3297714"/>
+            <a:ext cx="2876" cy="318640"/>
+          </a:xfrm>
+          <a:prstGeom prst="straightConnector1">
+            <a:avLst/>
+          </a:prstGeom>
+          <a:ln>
+            <a:tailEnd type="triangle"/>
+          </a:ln>
+        </p:spPr>
+        <p:style>
+          <a:lnRef idx="1">
+            <a:schemeClr val="accent1"/>
+          </a:lnRef>
+          <a:fillRef idx="0">
+            <a:schemeClr val="accent1"/>
+          </a:fillRef>
+          <a:effectRef idx="0">
+            <a:schemeClr val="accent1"/>
+          </a:effectRef>
+          <a:fontRef idx="minor">
+            <a:schemeClr val="tx1"/>
+          </a:fontRef>
+        </p:style>
+      </p:cxnSp>
+      <p:sp>
+        <p:nvSpPr>
+          <p:cNvPr id="169" name="TextBox 168">
+            <a:extLst>
+              <a:ext uri="{FF2B5EF4-FFF2-40B4-BE49-F238E27FC236}">
+                <a16:creationId xmlns:a16="http://schemas.microsoft.com/office/drawing/2014/main" id="{F938F2A9-9DE6-1B2C-BB03-42FB56BBC942}"/>
+              </a:ext>
+            </a:extLst>
+          </p:cNvPr>
+          <p:cNvSpPr txBox="1"/>
+          <p:nvPr/>
+        </p:nvSpPr>
+        <p:spPr>
+          <a:xfrm>
+            <a:off x="10676383" y="3990154"/>
+            <a:ext cx="1796114" cy="261610"/>
+          </a:xfrm>
+          <a:prstGeom prst="rect">
+            <a:avLst/>
+          </a:prstGeom>
+          <a:noFill/>
+        </p:spPr>
+        <p:txBody>
+          <a:bodyPr wrap="square" rtlCol="0">
+            <a:spAutoFit/>
+          </a:bodyPr>
+          <a:lstStyle/>
+          <a:p>
+            <a:r>
+              <a:rPr lang="en-US" sz="1100" dirty="0" err="1"/>
+              <a:t>OnlineScoreSightLambda</a:t>
+            </a:r>
+            <a:endParaRPr lang="en-US" sz="1100" dirty="0"/>
+          </a:p>
+        </p:txBody>
+      </p:sp>
+      <p:cxnSp>
+        <p:nvCxnSpPr>
+          <p:cNvPr id="176" name="Straight Arrow Connector 175">
+            <a:extLst>
+              <a:ext uri="{FF2B5EF4-FFF2-40B4-BE49-F238E27FC236}">
+                <a16:creationId xmlns:a16="http://schemas.microsoft.com/office/drawing/2014/main" id="{2A87E327-FC6E-0D53-EDD3-3ECEED74934F}"/>
+              </a:ext>
+            </a:extLst>
+          </p:cNvPr>
+          <p:cNvCxnSpPr>
+            <a:cxnSpLocks/>
+            <a:endCxn id="78" idx="0"/>
+          </p:cNvCxnSpPr>
+          <p:nvPr/>
+        </p:nvCxnSpPr>
+        <p:spPr>
+          <a:xfrm>
+            <a:off x="11480350" y="4285608"/>
+            <a:ext cx="0" cy="295420"/>
+          </a:xfrm>
+          <a:prstGeom prst="straightConnector1">
+            <a:avLst/>
+          </a:prstGeom>
+          <a:ln>
+            <a:tailEnd type="triangle"/>
+          </a:ln>
+        </p:spPr>
+        <p:style>
+          <a:lnRef idx="1">
+            <a:schemeClr val="accent1"/>
+          </a:lnRef>
+          <a:fillRef idx="0">
+            <a:schemeClr val="accent1"/>
+          </a:fillRef>
+          <a:effectRef idx="0">
+            <a:schemeClr val="accent1"/>
+          </a:effectRef>
+          <a:fontRef idx="minor">
+            <a:schemeClr val="tx1"/>
+          </a:fontRef>
+        </p:style>
+      </p:cxnSp>
+      <p:cxnSp>
+        <p:nvCxnSpPr>
+          <p:cNvPr id="178" name="Straight Arrow Connector 177">
+            <a:extLst>
+              <a:ext uri="{FF2B5EF4-FFF2-40B4-BE49-F238E27FC236}">
+                <a16:creationId xmlns:a16="http://schemas.microsoft.com/office/drawing/2014/main" id="{7FAB449E-4626-F683-D717-EB2CBB0149C8}"/>
+              </a:ext>
+            </a:extLst>
+          </p:cNvPr>
+          <p:cNvCxnSpPr>
+            <a:cxnSpLocks/>
+            <a:stCxn id="97" idx="2"/>
+            <a:endCxn id="104" idx="0"/>
+          </p:cNvCxnSpPr>
+          <p:nvPr/>
+        </p:nvCxnSpPr>
+        <p:spPr>
+          <a:xfrm>
+            <a:off x="11511365" y="5427679"/>
+            <a:ext cx="1834" cy="153373"/>
+          </a:xfrm>
+          <a:prstGeom prst="straightConnector1">
+            <a:avLst/>
+          </a:prstGeom>
+          <a:ln>
+            <a:tailEnd type="triangle"/>
+          </a:ln>
+        </p:spPr>
+        <p:style>
+          <a:lnRef idx="1">
+            <a:schemeClr val="accent1"/>
+          </a:lnRef>
+          <a:fillRef idx="0">
+            <a:schemeClr val="accent1"/>
+          </a:fillRef>
+          <a:effectRef idx="0">
+            <a:schemeClr val="accent1"/>
+          </a:effectRef>
+          <a:fontRef idx="minor">
+            <a:schemeClr val="tx1"/>
+          </a:fontRef>
+        </p:style>
+      </p:cxnSp>
+      <p:pic>
+        <p:nvPicPr>
+          <p:cNvPr id="181" name="Picture 180">
+            <a:extLst>
+              <a:ext uri="{FF2B5EF4-FFF2-40B4-BE49-F238E27FC236}">
+                <a16:creationId xmlns:a16="http://schemas.microsoft.com/office/drawing/2014/main" id="{EDAB41D3-58EC-A803-9C8F-587851375F29}"/>
+              </a:ext>
+            </a:extLst>
+          </p:cNvPr>
+          <p:cNvPicPr>
+            <a:picLocks noChangeAspect="1"/>
+          </p:cNvPicPr>
+          <p:nvPr/>
+        </p:nvPicPr>
+        <p:blipFill>
+          <a:blip r:embed="rId11"/>
+          <a:stretch>
+            <a:fillRect/>
+          </a:stretch>
+        </p:blipFill>
+        <p:spPr>
+          <a:xfrm>
+            <a:off x="9413437" y="3784577"/>
+            <a:ext cx="376805" cy="376805"/>
+          </a:xfrm>
+          <a:prstGeom prst="rect">
+            <a:avLst/>
+          </a:prstGeom>
+        </p:spPr>
+      </p:pic>
+      <p:sp>
+        <p:nvSpPr>
+          <p:cNvPr id="183" name="TextBox 182">
+            <a:extLst>
+              <a:ext uri="{FF2B5EF4-FFF2-40B4-BE49-F238E27FC236}">
+                <a16:creationId xmlns:a16="http://schemas.microsoft.com/office/drawing/2014/main" id="{77428AA8-FE9C-7DAE-CF47-45CE05BF12FE}"/>
+              </a:ext>
+            </a:extLst>
+          </p:cNvPr>
+          <p:cNvSpPr txBox="1"/>
+          <p:nvPr/>
+        </p:nvSpPr>
+        <p:spPr>
+          <a:xfrm>
+            <a:off x="8663871" y="4198605"/>
+            <a:ext cx="1875935" cy="261610"/>
+          </a:xfrm>
+          <a:prstGeom prst="rect">
+            <a:avLst/>
+          </a:prstGeom>
+          <a:noFill/>
+        </p:spPr>
+        <p:txBody>
+          <a:bodyPr wrap="square">
+            <a:spAutoFit/>
+          </a:bodyPr>
+          <a:lstStyle/>
+          <a:p>
+            <a:r>
+              <a:rPr lang="en-US" sz="1100" dirty="0"/>
+              <a:t>    </a:t>
+            </a:r>
+            <a:r>
+              <a:rPr lang="en-US" sz="1100" dirty="0" err="1"/>
+              <a:t>BatchScoreSightLambda</a:t>
+            </a:r>
+            <a:endParaRPr lang="en-US" sz="1100" dirty="0"/>
+          </a:p>
+        </p:txBody>
+      </p:sp>
+      <p:pic>
+        <p:nvPicPr>
+          <p:cNvPr id="207" name="Picture 206">
+            <a:extLst>
+              <a:ext uri="{FF2B5EF4-FFF2-40B4-BE49-F238E27FC236}">
+                <a16:creationId xmlns:a16="http://schemas.microsoft.com/office/drawing/2014/main" id="{FDCA4E27-9A0E-9319-2499-3DFF8A079316}"/>
+              </a:ext>
+            </a:extLst>
+          </p:cNvPr>
+          <p:cNvPicPr>
+            <a:picLocks noChangeAspect="1"/>
+          </p:cNvPicPr>
+          <p:nvPr/>
+        </p:nvPicPr>
+        <p:blipFill>
+          <a:blip r:embed="rId11"/>
+          <a:stretch>
+            <a:fillRect/>
+          </a:stretch>
+        </p:blipFill>
+        <p:spPr>
+          <a:xfrm>
+            <a:off x="1707939" y="557691"/>
+            <a:ext cx="376805" cy="376805"/>
+          </a:xfrm>
+          <a:prstGeom prst="rect">
+            <a:avLst/>
+          </a:prstGeom>
+        </p:spPr>
+      </p:pic>
+      <p:sp>
+        <p:nvSpPr>
+          <p:cNvPr id="208" name="TextBox 207">
+            <a:extLst>
+              <a:ext uri="{FF2B5EF4-FFF2-40B4-BE49-F238E27FC236}">
+                <a16:creationId xmlns:a16="http://schemas.microsoft.com/office/drawing/2014/main" id="{B3477D1B-68B1-D73E-6319-16A35CCB5478}"/>
+              </a:ext>
+            </a:extLst>
+          </p:cNvPr>
+          <p:cNvSpPr txBox="1"/>
+          <p:nvPr/>
+        </p:nvSpPr>
+        <p:spPr>
+          <a:xfrm>
+            <a:off x="1311555" y="942949"/>
+            <a:ext cx="1038415" cy="430887"/>
+          </a:xfrm>
+          <a:prstGeom prst="rect">
+            <a:avLst/>
+          </a:prstGeom>
+          <a:noFill/>
+        </p:spPr>
+        <p:txBody>
+          <a:bodyPr wrap="square" rtlCol="0">
+            <a:spAutoFit/>
+          </a:bodyPr>
+          <a:lstStyle/>
+          <a:p>
+            <a:r>
+              <a:rPr lang="en-US" sz="1100" dirty="0" err="1"/>
+              <a:t>DataIngestionTrigger</a:t>
+            </a:r>
+            <a:endParaRPr lang="en-US" sz="1100" dirty="0"/>
+          </a:p>
+        </p:txBody>
+      </p:sp>
+      <p:pic>
+        <p:nvPicPr>
+          <p:cNvPr id="219" name="Picture 218">
+            <a:extLst>
+              <a:ext uri="{FF2B5EF4-FFF2-40B4-BE49-F238E27FC236}">
+                <a16:creationId xmlns:a16="http://schemas.microsoft.com/office/drawing/2014/main" id="{78924D5B-3C5B-8A04-B40E-5F2E1335B95F}"/>
+              </a:ext>
+            </a:extLst>
+          </p:cNvPr>
+          <p:cNvPicPr>
+            <a:picLocks noChangeAspect="1"/>
+          </p:cNvPicPr>
+          <p:nvPr/>
+        </p:nvPicPr>
+        <p:blipFill>
+          <a:blip r:embed="rId11"/>
+          <a:stretch>
+            <a:fillRect/>
+          </a:stretch>
+        </p:blipFill>
+        <p:spPr>
+          <a:xfrm>
+            <a:off x="1678696" y="1703366"/>
+            <a:ext cx="376805" cy="376805"/>
+          </a:xfrm>
+          <a:prstGeom prst="rect">
+            <a:avLst/>
+          </a:prstGeom>
+        </p:spPr>
+      </p:pic>
+      <p:sp>
+        <p:nvSpPr>
+          <p:cNvPr id="220" name="TextBox 219">
+            <a:extLst>
+              <a:ext uri="{FF2B5EF4-FFF2-40B4-BE49-F238E27FC236}">
+                <a16:creationId xmlns:a16="http://schemas.microsoft.com/office/drawing/2014/main" id="{12A13DA5-5381-6F59-55DA-133C9249A6A8}"/>
+              </a:ext>
+            </a:extLst>
+          </p:cNvPr>
+          <p:cNvSpPr txBox="1"/>
+          <p:nvPr/>
+        </p:nvSpPr>
+        <p:spPr>
+          <a:xfrm>
+            <a:off x="1345297" y="2108529"/>
+            <a:ext cx="1027248" cy="430887"/>
+          </a:xfrm>
+          <a:prstGeom prst="rect">
+            <a:avLst/>
+          </a:prstGeom>
+          <a:noFill/>
+        </p:spPr>
+        <p:txBody>
+          <a:bodyPr wrap="square" rtlCol="0">
+            <a:spAutoFit/>
+          </a:bodyPr>
+          <a:lstStyle/>
+          <a:p>
+            <a:r>
+              <a:rPr lang="en-US" sz="1100" dirty="0" err="1"/>
+              <a:t>DataIngestionTrigger</a:t>
+            </a:r>
+            <a:endParaRPr lang="en-US" sz="1100" dirty="0"/>
+          </a:p>
+        </p:txBody>
+      </p:sp>
+      <p:cxnSp>
+        <p:nvCxnSpPr>
+          <p:cNvPr id="232" name="Straight Arrow Connector 231">
+            <a:extLst>
+              <a:ext uri="{FF2B5EF4-FFF2-40B4-BE49-F238E27FC236}">
+                <a16:creationId xmlns:a16="http://schemas.microsoft.com/office/drawing/2014/main" id="{35FD348B-48EC-8382-ECD1-5C357679779B}"/>
+              </a:ext>
+            </a:extLst>
+          </p:cNvPr>
+          <p:cNvCxnSpPr>
+            <a:stCxn id="128" idx="2"/>
+            <a:endCxn id="181" idx="0"/>
+          </p:cNvCxnSpPr>
+          <p:nvPr/>
+        </p:nvCxnSpPr>
+        <p:spPr>
+          <a:xfrm flipH="1">
+            <a:off x="9601840" y="3471049"/>
+            <a:ext cx="3" cy="313528"/>
+          </a:xfrm>
+          <a:prstGeom prst="straightConnector1">
+            <a:avLst/>
+          </a:prstGeom>
+          <a:ln>
+            <a:tailEnd type="triangle"/>
+          </a:ln>
+        </p:spPr>
+        <p:style>
+          <a:lnRef idx="1">
+            <a:schemeClr val="accent1"/>
+          </a:lnRef>
+          <a:fillRef idx="0">
+            <a:schemeClr val="accent1"/>
+          </a:fillRef>
+          <a:effectRef idx="0">
+            <a:schemeClr val="accent1"/>
+          </a:effectRef>
+          <a:fontRef idx="minor">
+            <a:schemeClr val="tx1"/>
+          </a:fontRef>
+        </p:style>
+      </p:cxnSp>
+      <p:cxnSp>
+        <p:nvCxnSpPr>
+          <p:cNvPr id="234" name="Straight Arrow Connector 233">
+            <a:extLst>
+              <a:ext uri="{FF2B5EF4-FFF2-40B4-BE49-F238E27FC236}">
+                <a16:creationId xmlns:a16="http://schemas.microsoft.com/office/drawing/2014/main" id="{920C50B6-8B30-5A20-9ADB-8DA631A89D66}"/>
+              </a:ext>
+            </a:extLst>
+          </p:cNvPr>
+          <p:cNvCxnSpPr>
+            <a:stCxn id="183" idx="2"/>
+            <a:endCxn id="139" idx="0"/>
+          </p:cNvCxnSpPr>
+          <p:nvPr/>
+        </p:nvCxnSpPr>
+        <p:spPr>
+          <a:xfrm>
+            <a:off x="9601839" y="4460215"/>
+            <a:ext cx="8801" cy="317047"/>
+          </a:xfrm>
+          <a:prstGeom prst="straightConnector1">
+            <a:avLst/>
+          </a:prstGeom>
+          <a:ln>
+            <a:tailEnd type="triangle"/>
+          </a:ln>
+        </p:spPr>
+        <p:style>
+          <a:lnRef idx="1">
+            <a:schemeClr val="accent1"/>
+          </a:lnRef>
+          <a:fillRef idx="0">
+            <a:schemeClr val="accent1"/>
+          </a:fillRef>
+          <a:effectRef idx="0">
+            <a:schemeClr val="accent1"/>
+          </a:effectRef>
+          <a:fontRef idx="minor">
+            <a:schemeClr val="tx1"/>
+          </a:fontRef>
+        </p:style>
+      </p:cxnSp>
+      <p:cxnSp>
+        <p:nvCxnSpPr>
+          <p:cNvPr id="236" name="Straight Arrow Connector 235">
+            <a:extLst>
+              <a:ext uri="{FF2B5EF4-FFF2-40B4-BE49-F238E27FC236}">
+                <a16:creationId xmlns:a16="http://schemas.microsoft.com/office/drawing/2014/main" id="{C80427B3-03A8-5F9A-EDB7-71EE96970BCE}"/>
+              </a:ext>
+            </a:extLst>
+          </p:cNvPr>
+          <p:cNvCxnSpPr>
+            <a:stCxn id="149" idx="2"/>
+            <a:endCxn id="131" idx="0"/>
+          </p:cNvCxnSpPr>
+          <p:nvPr/>
+        </p:nvCxnSpPr>
+        <p:spPr>
+          <a:xfrm flipH="1">
+            <a:off x="9637165" y="5624479"/>
+            <a:ext cx="624" cy="167155"/>
+          </a:xfrm>
+          <a:prstGeom prst="straightConnector1">
+            <a:avLst/>
+          </a:prstGeom>
+          <a:ln>
+            <a:tailEnd type="triangle"/>
+          </a:ln>
+        </p:spPr>
+        <p:style>
+          <a:lnRef idx="1">
+            <a:schemeClr val="accent1"/>
+          </a:lnRef>
+          <a:fillRef idx="0">
+            <a:schemeClr val="accent1"/>
+          </a:fillRef>
+          <a:effectRef idx="0">
+            <a:schemeClr val="accent1"/>
+          </a:effectRef>
+          <a:fontRef idx="minor">
+            <a:schemeClr val="tx1"/>
+          </a:fontRef>
+        </p:style>
+      </p:cxnSp>
+      <p:cxnSp>
+        <p:nvCxnSpPr>
+          <p:cNvPr id="240" name="Connector: Elbow 239">
+            <a:extLst>
+              <a:ext uri="{FF2B5EF4-FFF2-40B4-BE49-F238E27FC236}">
+                <a16:creationId xmlns:a16="http://schemas.microsoft.com/office/drawing/2014/main" id="{6BD26240-DB53-0B3F-5EF9-22F5F7CA9DB4}"/>
+              </a:ext>
+            </a:extLst>
+          </p:cNvPr>
+          <p:cNvCxnSpPr>
+            <a:stCxn id="3" idx="3"/>
+            <a:endCxn id="207" idx="1"/>
+          </p:cNvCxnSpPr>
+          <p:nvPr/>
+        </p:nvCxnSpPr>
+        <p:spPr>
+          <a:xfrm flipV="1">
+            <a:off x="1293783" y="746094"/>
+            <a:ext cx="414156" cy="617884"/>
+          </a:xfrm>
+          <a:prstGeom prst="bentConnector3">
+            <a:avLst/>
+          </a:prstGeom>
+          <a:ln>
+            <a:tailEnd type="triangle"/>
+          </a:ln>
+        </p:spPr>
+        <p:style>
+          <a:lnRef idx="1">
+            <a:schemeClr val="accent1"/>
+          </a:lnRef>
+          <a:fillRef idx="0">
+            <a:schemeClr val="accent1"/>
+          </a:fillRef>
+          <a:effectRef idx="0">
+            <a:schemeClr val="accent1"/>
+          </a:effectRef>
+          <a:fontRef idx="minor">
+            <a:schemeClr val="tx1"/>
+          </a:fontRef>
+        </p:style>
+      </p:cxnSp>
+      <p:cxnSp>
+        <p:nvCxnSpPr>
+          <p:cNvPr id="245" name="Connector: Elbow 244">
+            <a:extLst>
+              <a:ext uri="{FF2B5EF4-FFF2-40B4-BE49-F238E27FC236}">
+                <a16:creationId xmlns:a16="http://schemas.microsoft.com/office/drawing/2014/main" id="{0C00B27B-C446-918D-3395-247C2E9A6028}"/>
+              </a:ext>
+            </a:extLst>
+          </p:cNvPr>
+          <p:cNvCxnSpPr>
+            <a:cxnSpLocks/>
+            <a:stCxn id="48" idx="2"/>
+            <a:endCxn id="127" idx="0"/>
+          </p:cNvCxnSpPr>
+          <p:nvPr/>
+        </p:nvCxnSpPr>
+        <p:spPr>
+          <a:xfrm rot="5400000">
+            <a:off x="10145939" y="1173920"/>
+            <a:ext cx="754828" cy="1837901"/>
+          </a:xfrm>
+          <a:prstGeom prst="bentConnector3">
+            <a:avLst/>
+          </a:prstGeom>
+          <a:ln>
+            <a:tailEnd type="triangle"/>
+          </a:ln>
+        </p:spPr>
+        <p:style>
+          <a:lnRef idx="1">
+            <a:schemeClr val="accent1"/>
+          </a:lnRef>
+          <a:fillRef idx="0">
+            <a:schemeClr val="accent1"/>
+          </a:fillRef>
+          <a:effectRef idx="0">
+            <a:schemeClr val="accent1"/>
+          </a:effectRef>
+          <a:fontRef idx="minor">
+            <a:schemeClr val="tx1"/>
+          </a:fontRef>
+        </p:style>
+      </p:cxnSp>
+      <p:pic>
+        <p:nvPicPr>
+          <p:cNvPr id="247" name="Picture 246">
+            <a:extLst>
+              <a:ext uri="{FF2B5EF4-FFF2-40B4-BE49-F238E27FC236}">
+                <a16:creationId xmlns:a16="http://schemas.microsoft.com/office/drawing/2014/main" id="{A26E7CE1-D453-076D-D234-946E25FF83F3}"/>
+              </a:ext>
+            </a:extLst>
+          </p:cNvPr>
+          <p:cNvPicPr>
+            <a:picLocks noChangeAspect="1"/>
+          </p:cNvPicPr>
+          <p:nvPr/>
+        </p:nvPicPr>
+        <p:blipFill>
+          <a:blip r:embed="rId12"/>
+          <a:stretch>
+            <a:fillRect/>
+          </a:stretch>
+        </p:blipFill>
+        <p:spPr>
+          <a:xfrm>
+            <a:off x="2469403" y="533947"/>
+            <a:ext cx="433048" cy="427635"/>
+          </a:xfrm>
+          <a:prstGeom prst="rect">
+            <a:avLst/>
+          </a:prstGeom>
+        </p:spPr>
+      </p:pic>
+      <p:pic>
+        <p:nvPicPr>
+          <p:cNvPr id="249" name="Picture 248">
+            <a:extLst>
+              <a:ext uri="{FF2B5EF4-FFF2-40B4-BE49-F238E27FC236}">
+                <a16:creationId xmlns:a16="http://schemas.microsoft.com/office/drawing/2014/main" id="{2F90EA7D-039B-E90E-65DD-7B21603416A6}"/>
+              </a:ext>
+            </a:extLst>
+          </p:cNvPr>
+          <p:cNvPicPr>
+            <a:picLocks noChangeAspect="1"/>
+          </p:cNvPicPr>
+          <p:nvPr/>
+        </p:nvPicPr>
+        <p:blipFill>
+          <a:blip r:embed="rId12"/>
+          <a:stretch>
+            <a:fillRect/>
+          </a:stretch>
+        </p:blipFill>
+        <p:spPr>
+          <a:xfrm>
+            <a:off x="2445977" y="1672252"/>
+            <a:ext cx="433048" cy="427635"/>
+          </a:xfrm>
+          <a:prstGeom prst="rect">
+            <a:avLst/>
+          </a:prstGeom>
+        </p:spPr>
+      </p:pic>
+      <p:cxnSp>
+        <p:nvCxnSpPr>
+          <p:cNvPr id="251" name="Straight Arrow Connector 250">
+            <a:extLst>
+              <a:ext uri="{FF2B5EF4-FFF2-40B4-BE49-F238E27FC236}">
+                <a16:creationId xmlns:a16="http://schemas.microsoft.com/office/drawing/2014/main" id="{8600823C-7F48-D8A7-61AC-EB062B16BF7C}"/>
+              </a:ext>
+            </a:extLst>
+          </p:cNvPr>
+          <p:cNvCxnSpPr>
+            <a:stCxn id="207" idx="3"/>
+            <a:endCxn id="247" idx="1"/>
+          </p:cNvCxnSpPr>
+          <p:nvPr/>
+        </p:nvCxnSpPr>
+        <p:spPr>
+          <a:xfrm>
+            <a:off x="2084744" y="746094"/>
+            <a:ext cx="384659" cy="1671"/>
+          </a:xfrm>
+          <a:prstGeom prst="straightConnector1">
+            <a:avLst/>
+          </a:prstGeom>
+          <a:ln>
+            <a:tailEnd type="triangle"/>
+          </a:ln>
+        </p:spPr>
+        <p:style>
+          <a:lnRef idx="1">
+            <a:schemeClr val="accent1"/>
+          </a:lnRef>
+          <a:fillRef idx="0">
+            <a:schemeClr val="accent1"/>
+          </a:fillRef>
+          <a:effectRef idx="0">
+            <a:schemeClr val="accent1"/>
+          </a:effectRef>
+          <a:fontRef idx="minor">
+            <a:schemeClr val="tx1"/>
+          </a:fontRef>
+        </p:style>
+      </p:cxnSp>
+      <p:cxnSp>
+        <p:nvCxnSpPr>
+          <p:cNvPr id="253" name="Straight Arrow Connector 252">
+            <a:extLst>
+              <a:ext uri="{FF2B5EF4-FFF2-40B4-BE49-F238E27FC236}">
+                <a16:creationId xmlns:a16="http://schemas.microsoft.com/office/drawing/2014/main" id="{D108F8AD-5F87-C0FD-7DDF-0B4F96EF6228}"/>
+              </a:ext>
+            </a:extLst>
+          </p:cNvPr>
+          <p:cNvCxnSpPr>
+            <a:stCxn id="219" idx="3"/>
+            <a:endCxn id="249" idx="1"/>
+          </p:cNvCxnSpPr>
+          <p:nvPr/>
+        </p:nvCxnSpPr>
+        <p:spPr>
+          <a:xfrm flipV="1">
+            <a:off x="2055501" y="1886070"/>
+            <a:ext cx="390476" cy="5699"/>
+          </a:xfrm>
+          <a:prstGeom prst="straightConnector1">
+            <a:avLst/>
+          </a:prstGeom>
+          <a:ln>
+            <a:tailEnd type="triangle"/>
+          </a:ln>
+        </p:spPr>
+        <p:style>
+          <a:lnRef idx="1">
+            <a:schemeClr val="accent1"/>
+          </a:lnRef>
+          <a:fillRef idx="0">
+            <a:schemeClr val="accent1"/>
+          </a:fillRef>
+          <a:effectRef idx="0">
+            <a:schemeClr val="accent1"/>
+          </a:effectRef>
+          <a:fontRef idx="minor">
+            <a:schemeClr val="tx1"/>
+          </a:fontRef>
+        </p:style>
+      </p:cxnSp>
+      <p:sp>
+        <p:nvSpPr>
+          <p:cNvPr id="254" name="TextBox 253">
+            <a:extLst>
+              <a:ext uri="{FF2B5EF4-FFF2-40B4-BE49-F238E27FC236}">
+                <a16:creationId xmlns:a16="http://schemas.microsoft.com/office/drawing/2014/main" id="{CDD7E1D0-97DA-3226-CAEB-F55ADC459BE2}"/>
+              </a:ext>
+            </a:extLst>
+          </p:cNvPr>
+          <p:cNvSpPr txBox="1"/>
+          <p:nvPr/>
+        </p:nvSpPr>
+        <p:spPr>
+          <a:xfrm>
+            <a:off x="2165742" y="937445"/>
+            <a:ext cx="1315612" cy="261610"/>
+          </a:xfrm>
+          <a:prstGeom prst="rect">
+            <a:avLst/>
+          </a:prstGeom>
+          <a:noFill/>
+        </p:spPr>
+        <p:txBody>
+          <a:bodyPr wrap="square" rtlCol="0">
+            <a:spAutoFit/>
+          </a:bodyPr>
+          <a:lstStyle/>
+          <a:p>
+            <a:r>
+              <a:rPr lang="en-US" sz="1100" dirty="0"/>
+              <a:t>  </a:t>
+            </a:r>
+            <a:r>
+              <a:rPr lang="en-US" sz="1100" dirty="0" err="1"/>
+              <a:t>RawDataProcessor</a:t>
+            </a:r>
+            <a:endParaRPr lang="en-US" sz="1100" dirty="0"/>
+          </a:p>
+        </p:txBody>
+      </p:sp>
+      <p:cxnSp>
+        <p:nvCxnSpPr>
+          <p:cNvPr id="266" name="Straight Arrow Connector 265">
+            <a:extLst>
+              <a:ext uri="{FF2B5EF4-FFF2-40B4-BE49-F238E27FC236}">
+                <a16:creationId xmlns:a16="http://schemas.microsoft.com/office/drawing/2014/main" id="{B237D046-B9F8-3FEC-8E3B-F0D918D2EB8C}"/>
+              </a:ext>
+            </a:extLst>
+          </p:cNvPr>
+          <p:cNvCxnSpPr>
+            <a:stCxn id="7" idx="3"/>
+            <a:endCxn id="219" idx="1"/>
+          </p:cNvCxnSpPr>
+          <p:nvPr/>
+        </p:nvCxnSpPr>
+        <p:spPr>
+          <a:xfrm flipV="1">
+            <a:off x="1304288" y="1891769"/>
+            <a:ext cx="374408" cy="4632"/>
+          </a:xfrm>
+          <a:prstGeom prst="straightConnector1">
+            <a:avLst/>
+          </a:prstGeom>
+          <a:ln>
+            <a:tailEnd type="triangle"/>
+          </a:ln>
+        </p:spPr>
+        <p:style>
+          <a:lnRef idx="1">
+            <a:schemeClr val="accent1"/>
+          </a:lnRef>
+          <a:fillRef idx="0">
+            <a:schemeClr val="accent1"/>
+          </a:fillRef>
+          <a:effectRef idx="0">
+            <a:schemeClr val="accent1"/>
+          </a:effectRef>
+          <a:fontRef idx="minor">
+            <a:schemeClr val="tx1"/>
+          </a:fontRef>
+        </p:style>
+      </p:cxnSp>
+      <p:sp>
+        <p:nvSpPr>
+          <p:cNvPr id="267" name="TextBox 266">
+            <a:extLst>
+              <a:ext uri="{FF2B5EF4-FFF2-40B4-BE49-F238E27FC236}">
+                <a16:creationId xmlns:a16="http://schemas.microsoft.com/office/drawing/2014/main" id="{E5B1FCAB-04EB-1F32-BD07-A44ED2E03799}"/>
+              </a:ext>
+            </a:extLst>
+          </p:cNvPr>
+          <p:cNvSpPr txBox="1"/>
+          <p:nvPr/>
+        </p:nvSpPr>
+        <p:spPr>
+          <a:xfrm>
+            <a:off x="2233168" y="2102211"/>
+            <a:ext cx="1315612" cy="261610"/>
+          </a:xfrm>
+          <a:prstGeom prst="rect">
+            <a:avLst/>
+          </a:prstGeom>
+          <a:noFill/>
+        </p:spPr>
+        <p:txBody>
+          <a:bodyPr wrap="square" rtlCol="0">
+            <a:spAutoFit/>
+          </a:bodyPr>
+          <a:lstStyle/>
+          <a:p>
+            <a:r>
+              <a:rPr lang="en-US" sz="1100" dirty="0"/>
+              <a:t>  </a:t>
+            </a:r>
+            <a:r>
+              <a:rPr lang="en-US" sz="1100" dirty="0" err="1"/>
+              <a:t>RawDataProcessor</a:t>
+            </a:r>
+            <a:endParaRPr lang="en-US" sz="1100" dirty="0"/>
+          </a:p>
+        </p:txBody>
+      </p:sp>
+      <p:cxnSp>
+        <p:nvCxnSpPr>
+          <p:cNvPr id="271" name="Connector: Elbow 270">
+            <a:extLst>
+              <a:ext uri="{FF2B5EF4-FFF2-40B4-BE49-F238E27FC236}">
+                <a16:creationId xmlns:a16="http://schemas.microsoft.com/office/drawing/2014/main" id="{79E57965-DB7F-0221-8FCD-D493EBBB87A1}"/>
+              </a:ext>
+            </a:extLst>
+          </p:cNvPr>
+          <p:cNvCxnSpPr>
+            <a:stCxn id="267" idx="0"/>
+            <a:endCxn id="23" idx="1"/>
+          </p:cNvCxnSpPr>
+          <p:nvPr/>
+        </p:nvCxnSpPr>
+        <p:spPr>
+          <a:xfrm rot="5400000" flipH="1" flipV="1">
+            <a:off x="3111114" y="1664545"/>
+            <a:ext cx="217526" cy="657806"/>
+          </a:xfrm>
+          <a:prstGeom prst="bentConnector2">
+            <a:avLst/>
+          </a:prstGeom>
+          <a:ln>
+            <a:tailEnd type="triangle"/>
+          </a:ln>
+        </p:spPr>
+        <p:style>
+          <a:lnRef idx="1">
+            <a:schemeClr val="accent1"/>
+          </a:lnRef>
+          <a:fillRef idx="0">
+            <a:schemeClr val="accent1"/>
+          </a:fillRef>
+          <a:effectRef idx="0">
+            <a:schemeClr val="accent1"/>
+          </a:effectRef>
+          <a:fontRef idx="minor">
+            <a:schemeClr val="tx1"/>
+          </a:fontRef>
+        </p:style>
+      </p:cxnSp>
+      <p:cxnSp>
+        <p:nvCxnSpPr>
+          <p:cNvPr id="275" name="Connector: Elbow 274">
+            <a:extLst>
+              <a:ext uri="{FF2B5EF4-FFF2-40B4-BE49-F238E27FC236}">
+                <a16:creationId xmlns:a16="http://schemas.microsoft.com/office/drawing/2014/main" id="{5AC6524D-C1C4-330E-2F5C-9BF41A163CFF}"/>
+              </a:ext>
+            </a:extLst>
+          </p:cNvPr>
+          <p:cNvCxnSpPr>
+            <a:stCxn id="247" idx="3"/>
+            <a:endCxn id="21" idx="1"/>
+          </p:cNvCxnSpPr>
+          <p:nvPr/>
+        </p:nvCxnSpPr>
+        <p:spPr>
+          <a:xfrm>
+            <a:off x="2902451" y="747765"/>
+            <a:ext cx="627793" cy="582483"/>
+          </a:xfrm>
+          <a:prstGeom prst="bentConnector3">
+            <a:avLst/>
+          </a:prstGeom>
+          <a:ln>
+            <a:tailEnd type="triangle"/>
+          </a:ln>
+        </p:spPr>
+        <p:style>
+          <a:lnRef idx="1">
+            <a:schemeClr val="accent1"/>
+          </a:lnRef>
+          <a:fillRef idx="0">
+            <a:schemeClr val="accent1"/>
+          </a:fillRef>
+          <a:effectRef idx="0">
+            <a:schemeClr val="accent1"/>
+          </a:effectRef>
+          <a:fontRef idx="minor">
+            <a:schemeClr val="tx1"/>
+          </a:fontRef>
+        </p:style>
+      </p:cxnSp>
+      <p:cxnSp>
+        <p:nvCxnSpPr>
+          <p:cNvPr id="279" name="Connector: Elbow 278">
+            <a:extLst>
+              <a:ext uri="{FF2B5EF4-FFF2-40B4-BE49-F238E27FC236}">
+                <a16:creationId xmlns:a16="http://schemas.microsoft.com/office/drawing/2014/main" id="{025A94C3-2DDF-9FF1-877E-E1CBD894820A}"/>
+              </a:ext>
+            </a:extLst>
+          </p:cNvPr>
+          <p:cNvCxnSpPr>
+            <a:endCxn id="83" idx="3"/>
+          </p:cNvCxnSpPr>
+          <p:nvPr/>
+        </p:nvCxnSpPr>
+        <p:spPr>
+          <a:xfrm rot="5400000">
+            <a:off x="565843" y="1722727"/>
+            <a:ext cx="2886417" cy="1306901"/>
+          </a:xfrm>
+          <a:prstGeom prst="bentConnector2">
+            <a:avLst/>
+          </a:prstGeom>
+          <a:ln>
+            <a:tailEnd type="triangle"/>
+          </a:ln>
+        </p:spPr>
+        <p:style>
+          <a:lnRef idx="1">
+            <a:schemeClr val="accent1"/>
+          </a:lnRef>
+          <a:fillRef idx="0">
+            <a:schemeClr val="accent1"/>
+          </a:fillRef>
+          <a:effectRef idx="0">
+            <a:schemeClr val="accent1"/>
+          </a:effectRef>
+          <a:fontRef idx="minor">
+            <a:schemeClr val="tx1"/>
+          </a:fontRef>
+        </p:style>
+      </p:cxnSp>
+      <p:cxnSp>
+        <p:nvCxnSpPr>
+          <p:cNvPr id="283" name="Connector: Elbow 282">
+            <a:extLst>
+              <a:ext uri="{FF2B5EF4-FFF2-40B4-BE49-F238E27FC236}">
+                <a16:creationId xmlns:a16="http://schemas.microsoft.com/office/drawing/2014/main" id="{17FCC839-5F52-4589-5D23-30080C3E5385}"/>
+              </a:ext>
+            </a:extLst>
+          </p:cNvPr>
+          <p:cNvCxnSpPr>
+            <a:endCxn id="84" idx="3"/>
+          </p:cNvCxnSpPr>
+          <p:nvPr/>
+        </p:nvCxnSpPr>
+        <p:spPr>
+          <a:xfrm rot="5400000">
+            <a:off x="919063" y="2493175"/>
+            <a:ext cx="2224822" cy="1438247"/>
+          </a:xfrm>
+          <a:prstGeom prst="bentConnector2">
+            <a:avLst/>
+          </a:prstGeom>
+          <a:ln>
+            <a:tailEnd type="triangle"/>
+          </a:ln>
+        </p:spPr>
+        <p:style>
+          <a:lnRef idx="1">
+            <a:schemeClr val="accent1"/>
+          </a:lnRef>
+          <a:fillRef idx="0">
+            <a:schemeClr val="accent1"/>
+          </a:fillRef>
+          <a:effectRef idx="0">
+            <a:schemeClr val="accent1"/>
+          </a:effectRef>
+          <a:fontRef idx="minor">
+            <a:schemeClr val="tx1"/>
+          </a:fontRef>
+        </p:style>
+      </p:cxnSp>
+      <p:pic>
+        <p:nvPicPr>
+          <p:cNvPr id="288" name="Picture 287">
+            <a:extLst>
+              <a:ext uri="{FF2B5EF4-FFF2-40B4-BE49-F238E27FC236}">
+                <a16:creationId xmlns:a16="http://schemas.microsoft.com/office/drawing/2014/main" id="{6415E4A6-F0C4-8B39-EC90-B49D6E5D7293}"/>
+              </a:ext>
+            </a:extLst>
+          </p:cNvPr>
+          <p:cNvPicPr>
+            <a:picLocks noChangeAspect="1"/>
+          </p:cNvPicPr>
+          <p:nvPr/>
+        </p:nvPicPr>
+        <p:blipFill>
+          <a:blip r:embed="rId12"/>
+          <a:stretch>
+            <a:fillRect/>
+          </a:stretch>
+        </p:blipFill>
+        <p:spPr>
+          <a:xfrm>
+            <a:off x="4881359" y="507488"/>
+            <a:ext cx="433048" cy="427635"/>
+          </a:xfrm>
+          <a:prstGeom prst="rect">
+            <a:avLst/>
+          </a:prstGeom>
+        </p:spPr>
+      </p:pic>
+      <p:pic>
+        <p:nvPicPr>
+          <p:cNvPr id="289" name="Picture 288">
+            <a:extLst>
+              <a:ext uri="{FF2B5EF4-FFF2-40B4-BE49-F238E27FC236}">
+                <a16:creationId xmlns:a16="http://schemas.microsoft.com/office/drawing/2014/main" id="{7BF8B12A-2118-4893-3AD1-F96732372972}"/>
+              </a:ext>
+            </a:extLst>
+          </p:cNvPr>
+          <p:cNvPicPr>
+            <a:picLocks noChangeAspect="1"/>
+          </p:cNvPicPr>
+          <p:nvPr/>
+        </p:nvPicPr>
+        <p:blipFill>
+          <a:blip r:embed="rId12"/>
+          <a:stretch>
+            <a:fillRect/>
+          </a:stretch>
+        </p:blipFill>
+        <p:spPr>
+          <a:xfrm>
+            <a:off x="4894299" y="1667186"/>
+            <a:ext cx="433048" cy="427635"/>
+          </a:xfrm>
+          <a:prstGeom prst="rect">
+            <a:avLst/>
+          </a:prstGeom>
+        </p:spPr>
+      </p:pic>
+      <p:sp>
+        <p:nvSpPr>
+          <p:cNvPr id="290" name="TextBox 289">
+            <a:extLst>
+              <a:ext uri="{FF2B5EF4-FFF2-40B4-BE49-F238E27FC236}">
+                <a16:creationId xmlns:a16="http://schemas.microsoft.com/office/drawing/2014/main" id="{5023BCA5-7253-43B5-E8C7-BCBA2CE18A83}"/>
+              </a:ext>
+            </a:extLst>
+          </p:cNvPr>
+          <p:cNvSpPr txBox="1"/>
+          <p:nvPr/>
+        </p:nvSpPr>
+        <p:spPr>
+          <a:xfrm>
+            <a:off x="4537299" y="968102"/>
+            <a:ext cx="1236236" cy="261610"/>
+          </a:xfrm>
+          <a:prstGeom prst="rect">
+            <a:avLst/>
+          </a:prstGeom>
+          <a:noFill/>
+        </p:spPr>
+        <p:txBody>
+          <a:bodyPr wrap="none" rtlCol="0">
+            <a:spAutoFit/>
+          </a:bodyPr>
+          <a:lstStyle/>
+          <a:p>
+            <a:r>
+              <a:rPr lang="en-US" sz="1100" dirty="0" err="1"/>
+              <a:t>IngestDataCleaner</a:t>
+            </a:r>
+            <a:endParaRPr lang="en-US" sz="1100" dirty="0"/>
+          </a:p>
+        </p:txBody>
+      </p:sp>
+      <p:sp>
+        <p:nvSpPr>
+          <p:cNvPr id="291" name="TextBox 290">
+            <a:extLst>
+              <a:ext uri="{FF2B5EF4-FFF2-40B4-BE49-F238E27FC236}">
+                <a16:creationId xmlns:a16="http://schemas.microsoft.com/office/drawing/2014/main" id="{31207D16-CDDB-B177-9237-941588D4D476}"/>
+              </a:ext>
+            </a:extLst>
+          </p:cNvPr>
+          <p:cNvSpPr txBox="1"/>
+          <p:nvPr/>
+        </p:nvSpPr>
+        <p:spPr>
+          <a:xfrm>
+            <a:off x="4572249" y="2042789"/>
+            <a:ext cx="1236236" cy="261610"/>
+          </a:xfrm>
+          <a:prstGeom prst="rect">
+            <a:avLst/>
+          </a:prstGeom>
+          <a:noFill/>
+        </p:spPr>
+        <p:txBody>
+          <a:bodyPr wrap="none" rtlCol="0">
+            <a:spAutoFit/>
+          </a:bodyPr>
+          <a:lstStyle/>
+          <a:p>
+            <a:r>
+              <a:rPr lang="en-US" sz="1100" dirty="0" err="1"/>
+              <a:t>IngestDataCleaner</a:t>
+            </a:r>
+            <a:endParaRPr lang="en-US" sz="1100" dirty="0"/>
+          </a:p>
+        </p:txBody>
+      </p:sp>
+      <p:cxnSp>
+        <p:nvCxnSpPr>
+          <p:cNvPr id="293" name="Connector: Elbow 292">
+            <a:extLst>
+              <a:ext uri="{FF2B5EF4-FFF2-40B4-BE49-F238E27FC236}">
+                <a16:creationId xmlns:a16="http://schemas.microsoft.com/office/drawing/2014/main" id="{B56CDE93-6CD1-5AAE-892B-A36D1C8BD1BE}"/>
+              </a:ext>
+            </a:extLst>
+          </p:cNvPr>
+          <p:cNvCxnSpPr>
+            <a:stCxn id="21" idx="3"/>
+            <a:endCxn id="288" idx="1"/>
+          </p:cNvCxnSpPr>
+          <p:nvPr/>
+        </p:nvCxnSpPr>
+        <p:spPr>
+          <a:xfrm flipV="1">
+            <a:off x="4508232" y="721306"/>
+            <a:ext cx="373127" cy="608942"/>
+          </a:xfrm>
+          <a:prstGeom prst="bentConnector3">
+            <a:avLst/>
+          </a:prstGeom>
+          <a:ln>
+            <a:tailEnd type="triangle"/>
+          </a:ln>
+        </p:spPr>
+        <p:style>
+          <a:lnRef idx="1">
+            <a:schemeClr val="accent1"/>
+          </a:lnRef>
+          <a:fillRef idx="0">
+            <a:schemeClr val="accent1"/>
+          </a:fillRef>
+          <a:effectRef idx="0">
+            <a:schemeClr val="accent1"/>
+          </a:effectRef>
+          <a:fontRef idx="minor">
+            <a:schemeClr val="tx1"/>
+          </a:fontRef>
+        </p:style>
+      </p:cxnSp>
+      <p:cxnSp>
+        <p:nvCxnSpPr>
+          <p:cNvPr id="299" name="Straight Arrow Connector 298">
+            <a:extLst>
+              <a:ext uri="{FF2B5EF4-FFF2-40B4-BE49-F238E27FC236}">
+                <a16:creationId xmlns:a16="http://schemas.microsoft.com/office/drawing/2014/main" id="{95B29650-D8ED-EAC4-FC5F-43BAB3510C08}"/>
+              </a:ext>
+            </a:extLst>
+          </p:cNvPr>
+          <p:cNvCxnSpPr>
+            <a:stCxn id="23" idx="3"/>
+            <a:endCxn id="289" idx="1"/>
+          </p:cNvCxnSpPr>
+          <p:nvPr/>
+        </p:nvCxnSpPr>
+        <p:spPr>
+          <a:xfrm flipV="1">
+            <a:off x="4526768" y="1881004"/>
+            <a:ext cx="367531" cy="3681"/>
+          </a:xfrm>
+          <a:prstGeom prst="straightConnector1">
+            <a:avLst/>
+          </a:prstGeom>
+          <a:ln>
+            <a:tailEnd type="triangle"/>
+          </a:ln>
+        </p:spPr>
+        <p:style>
+          <a:lnRef idx="1">
+            <a:schemeClr val="accent1"/>
+          </a:lnRef>
+          <a:fillRef idx="0">
+            <a:schemeClr val="accent1"/>
+          </a:fillRef>
+          <a:effectRef idx="0">
+            <a:schemeClr val="accent1"/>
+          </a:effectRef>
+          <a:fontRef idx="minor">
+            <a:schemeClr val="tx1"/>
+          </a:fontRef>
+        </p:style>
+      </p:cxnSp>
+      <p:cxnSp>
+        <p:nvCxnSpPr>
+          <p:cNvPr id="308" name="Connector: Elbow 307">
+            <a:extLst>
+              <a:ext uri="{FF2B5EF4-FFF2-40B4-BE49-F238E27FC236}">
+                <a16:creationId xmlns:a16="http://schemas.microsoft.com/office/drawing/2014/main" id="{888096D6-5E5B-EBD6-22B5-E84A5AC43235}"/>
+              </a:ext>
+            </a:extLst>
+          </p:cNvPr>
+          <p:cNvCxnSpPr>
+            <a:cxnSpLocks/>
+            <a:stCxn id="288" idx="3"/>
+            <a:endCxn id="38" idx="1"/>
+          </p:cNvCxnSpPr>
+          <p:nvPr/>
+        </p:nvCxnSpPr>
+        <p:spPr>
+          <a:xfrm>
+            <a:off x="5314407" y="721306"/>
+            <a:ext cx="449008" cy="598779"/>
+          </a:xfrm>
+          <a:prstGeom prst="bentConnector3">
+            <a:avLst/>
+          </a:prstGeom>
+          <a:ln>
+            <a:tailEnd type="triangle"/>
+          </a:ln>
+        </p:spPr>
+        <p:style>
+          <a:lnRef idx="1">
+            <a:schemeClr val="accent1"/>
+          </a:lnRef>
+          <a:fillRef idx="0">
+            <a:schemeClr val="accent1"/>
+          </a:fillRef>
+          <a:effectRef idx="0">
+            <a:schemeClr val="accent1"/>
+          </a:effectRef>
+          <a:fontRef idx="minor">
+            <a:schemeClr val="tx1"/>
+          </a:fontRef>
+        </p:style>
+      </p:cxnSp>
+      <p:cxnSp>
+        <p:nvCxnSpPr>
+          <p:cNvPr id="310" name="Connector: Elbow 309">
+            <a:extLst>
+              <a:ext uri="{FF2B5EF4-FFF2-40B4-BE49-F238E27FC236}">
+                <a16:creationId xmlns:a16="http://schemas.microsoft.com/office/drawing/2014/main" id="{57FDCDD0-8599-E1DA-9E4B-36D323B5CD05}"/>
+              </a:ext>
+            </a:extLst>
+          </p:cNvPr>
+          <p:cNvCxnSpPr>
+            <a:cxnSpLocks/>
+            <a:stCxn id="289" idx="3"/>
+            <a:endCxn id="40" idx="1"/>
+          </p:cNvCxnSpPr>
+          <p:nvPr/>
+        </p:nvCxnSpPr>
+        <p:spPr>
+          <a:xfrm flipV="1">
+            <a:off x="5327347" y="1847066"/>
+            <a:ext cx="488364" cy="33938"/>
+          </a:xfrm>
+          <a:prstGeom prst="bentConnector3">
+            <a:avLst/>
+          </a:prstGeom>
+          <a:ln>
+            <a:tailEnd type="triangle"/>
+          </a:ln>
+        </p:spPr>
+        <p:style>
+          <a:lnRef idx="1">
+            <a:schemeClr val="accent1"/>
+          </a:lnRef>
+          <a:fillRef idx="0">
+            <a:schemeClr val="accent1"/>
+          </a:fillRef>
+          <a:effectRef idx="0">
+            <a:schemeClr val="accent1"/>
+          </a:effectRef>
+          <a:fontRef idx="minor">
+            <a:schemeClr val="tx1"/>
+          </a:fontRef>
+        </p:style>
+      </p:cxnSp>
+      <p:pic>
+        <p:nvPicPr>
+          <p:cNvPr id="313" name="Picture 312">
+            <a:extLst>
+              <a:ext uri="{FF2B5EF4-FFF2-40B4-BE49-F238E27FC236}">
+                <a16:creationId xmlns:a16="http://schemas.microsoft.com/office/drawing/2014/main" id="{B47D8CE1-D63C-7C7C-20DC-40420CF763A1}"/>
+              </a:ext>
+            </a:extLst>
+          </p:cNvPr>
+          <p:cNvPicPr>
+            <a:picLocks noChangeAspect="1"/>
+          </p:cNvPicPr>
+          <p:nvPr/>
+        </p:nvPicPr>
+        <p:blipFill>
+          <a:blip r:embed="rId12"/>
+          <a:stretch>
+            <a:fillRect/>
+          </a:stretch>
+        </p:blipFill>
+        <p:spPr>
+          <a:xfrm>
+            <a:off x="7256802" y="505333"/>
+            <a:ext cx="433048" cy="427635"/>
+          </a:xfrm>
+          <a:prstGeom prst="rect">
+            <a:avLst/>
+          </a:prstGeom>
+        </p:spPr>
+      </p:pic>
+      <p:pic>
+        <p:nvPicPr>
+          <p:cNvPr id="314" name="Picture 313">
+            <a:extLst>
+              <a:ext uri="{FF2B5EF4-FFF2-40B4-BE49-F238E27FC236}">
+                <a16:creationId xmlns:a16="http://schemas.microsoft.com/office/drawing/2014/main" id="{C5EAF2AD-AB95-DBC0-EB69-5C5F90D1F96E}"/>
+              </a:ext>
+            </a:extLst>
+          </p:cNvPr>
+          <p:cNvPicPr>
+            <a:picLocks noChangeAspect="1"/>
+          </p:cNvPicPr>
+          <p:nvPr/>
+        </p:nvPicPr>
+        <p:blipFill>
+          <a:blip r:embed="rId12"/>
+          <a:stretch>
+            <a:fillRect/>
+          </a:stretch>
+        </p:blipFill>
+        <p:spPr>
+          <a:xfrm>
+            <a:off x="7235652" y="1631307"/>
+            <a:ext cx="433048" cy="427635"/>
+          </a:xfrm>
+          <a:prstGeom prst="rect">
+            <a:avLst/>
+          </a:prstGeom>
+        </p:spPr>
+      </p:pic>
+      <p:cxnSp>
+        <p:nvCxnSpPr>
+          <p:cNvPr id="319" name="Connector: Elbow 318">
+            <a:extLst>
+              <a:ext uri="{FF2B5EF4-FFF2-40B4-BE49-F238E27FC236}">
+                <a16:creationId xmlns:a16="http://schemas.microsoft.com/office/drawing/2014/main" id="{365EF387-CE32-D4DC-0817-C423252EB634}"/>
+              </a:ext>
+            </a:extLst>
+          </p:cNvPr>
+          <p:cNvCxnSpPr>
+            <a:cxnSpLocks/>
+            <a:endCxn id="313" idx="1"/>
+          </p:cNvCxnSpPr>
+          <p:nvPr/>
+        </p:nvCxnSpPr>
+        <p:spPr>
+          <a:xfrm flipV="1">
+            <a:off x="6961920" y="719151"/>
+            <a:ext cx="294882" cy="599803"/>
+          </a:xfrm>
+          <a:prstGeom prst="bentConnector3">
+            <a:avLst/>
+          </a:prstGeom>
+          <a:ln>
+            <a:tailEnd type="triangle"/>
+          </a:ln>
+        </p:spPr>
+        <p:style>
+          <a:lnRef idx="1">
+            <a:schemeClr val="accent1"/>
+          </a:lnRef>
+          <a:fillRef idx="0">
+            <a:schemeClr val="accent1"/>
+          </a:fillRef>
+          <a:effectRef idx="0">
+            <a:schemeClr val="accent1"/>
+          </a:effectRef>
+          <a:fontRef idx="minor">
+            <a:schemeClr val="tx1"/>
+          </a:fontRef>
+        </p:style>
+      </p:cxnSp>
+      <p:cxnSp>
+        <p:nvCxnSpPr>
+          <p:cNvPr id="324" name="Straight Arrow Connector 323">
+            <a:extLst>
+              <a:ext uri="{FF2B5EF4-FFF2-40B4-BE49-F238E27FC236}">
+                <a16:creationId xmlns:a16="http://schemas.microsoft.com/office/drawing/2014/main" id="{C3C2A8BF-CA0B-5795-FBDD-36F6BDD6058C}"/>
+              </a:ext>
+            </a:extLst>
+          </p:cNvPr>
+          <p:cNvCxnSpPr>
+            <a:cxnSpLocks/>
+            <a:stCxn id="40" idx="3"/>
+            <a:endCxn id="314" idx="1"/>
+          </p:cNvCxnSpPr>
+          <p:nvPr/>
+        </p:nvCxnSpPr>
+        <p:spPr>
+          <a:xfrm flipV="1">
+            <a:off x="6839241" y="1845125"/>
+            <a:ext cx="396411" cy="1941"/>
+          </a:xfrm>
+          <a:prstGeom prst="straightConnector1">
+            <a:avLst/>
+          </a:prstGeom>
+          <a:ln>
+            <a:tailEnd type="triangle"/>
+          </a:ln>
+        </p:spPr>
+        <p:style>
+          <a:lnRef idx="1">
+            <a:schemeClr val="accent1"/>
+          </a:lnRef>
+          <a:fillRef idx="0">
+            <a:schemeClr val="accent1"/>
+          </a:fillRef>
+          <a:effectRef idx="0">
+            <a:schemeClr val="accent1"/>
+          </a:effectRef>
+          <a:fontRef idx="minor">
+            <a:schemeClr val="tx1"/>
+          </a:fontRef>
+        </p:style>
+      </p:cxnSp>
+      <p:sp>
+        <p:nvSpPr>
+          <p:cNvPr id="328" name="TextBox 327">
+            <a:extLst>
+              <a:ext uri="{FF2B5EF4-FFF2-40B4-BE49-F238E27FC236}">
+                <a16:creationId xmlns:a16="http://schemas.microsoft.com/office/drawing/2014/main" id="{45162450-79B3-D4A1-6E45-25AF6F13368B}"/>
+              </a:ext>
+            </a:extLst>
+          </p:cNvPr>
+          <p:cNvSpPr txBox="1"/>
+          <p:nvPr/>
+        </p:nvSpPr>
+        <p:spPr>
+          <a:xfrm>
+            <a:off x="7122485" y="997958"/>
+            <a:ext cx="1013700" cy="430887"/>
+          </a:xfrm>
+          <a:prstGeom prst="rect">
+            <a:avLst/>
+          </a:prstGeom>
+          <a:noFill/>
+        </p:spPr>
+        <p:txBody>
+          <a:bodyPr wrap="square" rtlCol="0">
+            <a:spAutoFit/>
+          </a:bodyPr>
+          <a:lstStyle/>
+          <a:p>
+            <a:r>
+              <a:rPr lang="en-US" sz="1100" dirty="0" err="1"/>
+              <a:t>DistilledDataAggregator</a:t>
+            </a:r>
+            <a:endParaRPr lang="en-US" sz="1100" dirty="0"/>
+          </a:p>
+        </p:txBody>
+      </p:sp>
+      <p:sp>
+        <p:nvSpPr>
+          <p:cNvPr id="329" name="TextBox 328">
+            <a:extLst>
+              <a:ext uri="{FF2B5EF4-FFF2-40B4-BE49-F238E27FC236}">
+                <a16:creationId xmlns:a16="http://schemas.microsoft.com/office/drawing/2014/main" id="{0CDF0EA0-AADF-F343-422C-D5960CBAA81F}"/>
+              </a:ext>
+            </a:extLst>
+          </p:cNvPr>
+          <p:cNvSpPr txBox="1"/>
+          <p:nvPr/>
+        </p:nvSpPr>
+        <p:spPr>
+          <a:xfrm>
+            <a:off x="7078808" y="2079844"/>
+            <a:ext cx="1013700" cy="430887"/>
+          </a:xfrm>
+          <a:prstGeom prst="rect">
+            <a:avLst/>
+          </a:prstGeom>
+          <a:noFill/>
+        </p:spPr>
+        <p:txBody>
+          <a:bodyPr wrap="square" rtlCol="0">
+            <a:spAutoFit/>
+          </a:bodyPr>
+          <a:lstStyle/>
+          <a:p>
+            <a:r>
+              <a:rPr lang="en-US" sz="1100" dirty="0" err="1"/>
+              <a:t>DistilledDataAggregator</a:t>
+            </a:r>
+            <a:endParaRPr lang="en-US" sz="1100" dirty="0"/>
+          </a:p>
+        </p:txBody>
+      </p:sp>
+      <p:sp>
+        <p:nvSpPr>
+          <p:cNvPr id="356" name="Rectangle 355">
+            <a:extLst>
+              <a:ext uri="{FF2B5EF4-FFF2-40B4-BE49-F238E27FC236}">
+                <a16:creationId xmlns:a16="http://schemas.microsoft.com/office/drawing/2014/main" id="{44B2C95A-590A-3C44-8B15-0D054C028DBA}"/>
+              </a:ext>
+            </a:extLst>
+          </p:cNvPr>
+          <p:cNvSpPr/>
+          <p:nvPr/>
+        </p:nvSpPr>
+        <p:spPr>
+          <a:xfrm>
+            <a:off x="3029250" y="2560378"/>
+            <a:ext cx="3877020" cy="2000876"/>
+          </a:xfrm>
+          <a:prstGeom prst="rect">
+            <a:avLst/>
+          </a:prstGeom>
+          <a:noFill/>
+          <a:ln>
+            <a:solidFill>
+              <a:schemeClr val="accent2"/>
+            </a:solidFill>
+            <a:prstDash val="lgDash"/>
+          </a:ln>
+        </p:spPr>
+        <p:style>
+          <a:lnRef idx="2">
+            <a:schemeClr val="accent1">
+              <a:shade val="50000"/>
+            </a:schemeClr>
+          </a:lnRef>
+          <a:fillRef idx="1">
+            <a:schemeClr val="accent1"/>
+          </a:fillRef>
+          <a:effectRef idx="0">
+            <a:schemeClr val="accent1"/>
+          </a:effectRef>
+          <a:fontRef idx="minor">
+            <a:schemeClr val="lt1"/>
+          </a:fontRef>
+        </p:style>
+        <p:txBody>
+          <a:bodyPr rtlCol="0" anchor="ctr"/>
+          <a:lstStyle>
+            <a:defPPr>
+              <a:defRPr lang="en-US"/>
+            </a:defPPr>
+            <a:lvl1pPr marL="0" algn="l" defTabSz="685800" rtl="0" eaLnBrk="1" latinLnBrk="0" hangingPunct="1">
+              <a:defRPr sz="1350" kern="1200">
+                <a:solidFill>
+                  <a:schemeClr val="lt1"/>
+                </a:solidFill>
+                <a:latin typeface="+mn-lt"/>
+                <a:ea typeface="+mn-ea"/>
+                <a:cs typeface="+mn-cs"/>
+              </a:defRPr>
+            </a:lvl1pPr>
+            <a:lvl2pPr marL="342900" algn="l" defTabSz="685800" rtl="0" eaLnBrk="1" latinLnBrk="0" hangingPunct="1">
+              <a:defRPr sz="1350" kern="1200">
+                <a:solidFill>
+                  <a:schemeClr val="lt1"/>
+                </a:solidFill>
+                <a:latin typeface="+mn-lt"/>
+                <a:ea typeface="+mn-ea"/>
+                <a:cs typeface="+mn-cs"/>
+              </a:defRPr>
+            </a:lvl2pPr>
+            <a:lvl3pPr marL="685800" algn="l" defTabSz="685800" rtl="0" eaLnBrk="1" latinLnBrk="0" hangingPunct="1">
+              <a:defRPr sz="1350" kern="1200">
+                <a:solidFill>
+                  <a:schemeClr val="lt1"/>
+                </a:solidFill>
+                <a:latin typeface="+mn-lt"/>
+                <a:ea typeface="+mn-ea"/>
+                <a:cs typeface="+mn-cs"/>
+              </a:defRPr>
+            </a:lvl3pPr>
+            <a:lvl4pPr marL="1028700" algn="l" defTabSz="685800" rtl="0" eaLnBrk="1" latinLnBrk="0" hangingPunct="1">
+              <a:defRPr sz="1350" kern="1200">
+                <a:solidFill>
+                  <a:schemeClr val="lt1"/>
+                </a:solidFill>
+                <a:latin typeface="+mn-lt"/>
+                <a:ea typeface="+mn-ea"/>
+                <a:cs typeface="+mn-cs"/>
+              </a:defRPr>
+            </a:lvl4pPr>
+            <a:lvl5pPr marL="1371600" algn="l" defTabSz="685800" rtl="0" eaLnBrk="1" latinLnBrk="0" hangingPunct="1">
+              <a:defRPr sz="1350" kern="1200">
+                <a:solidFill>
+                  <a:schemeClr val="lt1"/>
+                </a:solidFill>
+                <a:latin typeface="+mn-lt"/>
+                <a:ea typeface="+mn-ea"/>
+                <a:cs typeface="+mn-cs"/>
+              </a:defRPr>
+            </a:lvl5pPr>
+            <a:lvl6pPr marL="1714500" algn="l" defTabSz="685800" rtl="0" eaLnBrk="1" latinLnBrk="0" hangingPunct="1">
+              <a:defRPr sz="1350" kern="1200">
+                <a:solidFill>
+                  <a:schemeClr val="lt1"/>
+                </a:solidFill>
+                <a:latin typeface="+mn-lt"/>
+                <a:ea typeface="+mn-ea"/>
+                <a:cs typeface="+mn-cs"/>
+              </a:defRPr>
+            </a:lvl6pPr>
+            <a:lvl7pPr marL="2057400" algn="l" defTabSz="685800" rtl="0" eaLnBrk="1" latinLnBrk="0" hangingPunct="1">
+              <a:defRPr sz="1350" kern="1200">
+                <a:solidFill>
+                  <a:schemeClr val="lt1"/>
+                </a:solidFill>
+                <a:latin typeface="+mn-lt"/>
+                <a:ea typeface="+mn-ea"/>
+                <a:cs typeface="+mn-cs"/>
+              </a:defRPr>
+            </a:lvl7pPr>
+            <a:lvl8pPr marL="2400300" algn="l" defTabSz="685800" rtl="0" eaLnBrk="1" latinLnBrk="0" hangingPunct="1">
+              <a:defRPr sz="1350" kern="1200">
+                <a:solidFill>
+                  <a:schemeClr val="lt1"/>
+                </a:solidFill>
+                <a:latin typeface="+mn-lt"/>
+                <a:ea typeface="+mn-ea"/>
+                <a:cs typeface="+mn-cs"/>
+              </a:defRPr>
+            </a:lvl8pPr>
+            <a:lvl9pPr marL="2743200" algn="l" defTabSz="685800" rtl="0" eaLnBrk="1" latinLnBrk="0" hangingPunct="1">
+              <a:defRPr sz="1350" kern="1200">
+                <a:solidFill>
+                  <a:schemeClr val="lt1"/>
+                </a:solidFill>
+                <a:latin typeface="+mn-lt"/>
+                <a:ea typeface="+mn-ea"/>
+                <a:cs typeface="+mn-cs"/>
+              </a:defRPr>
+            </a:lvl9pPr>
+          </a:lstStyle>
+          <a:p>
+            <a:pPr algn="ctr"/>
+            <a:endParaRPr lang="en-US" sz="1100"/>
+          </a:p>
+        </p:txBody>
+      </p:sp>
+      <p:cxnSp>
+        <p:nvCxnSpPr>
+          <p:cNvPr id="386" name="Connector: Elbow 385">
+            <a:extLst>
+              <a:ext uri="{FF2B5EF4-FFF2-40B4-BE49-F238E27FC236}">
+                <a16:creationId xmlns:a16="http://schemas.microsoft.com/office/drawing/2014/main" id="{E2D34A7D-EFF1-101C-19DA-A8CFEF85B719}"/>
+              </a:ext>
+            </a:extLst>
+          </p:cNvPr>
+          <p:cNvCxnSpPr>
+            <a:stCxn id="313" idx="3"/>
+          </p:cNvCxnSpPr>
+          <p:nvPr/>
+        </p:nvCxnSpPr>
+        <p:spPr>
+          <a:xfrm>
+            <a:off x="7689850" y="719151"/>
+            <a:ext cx="502538" cy="868202"/>
+          </a:xfrm>
+          <a:prstGeom prst="bentConnector2">
+            <a:avLst/>
+          </a:prstGeom>
+          <a:ln>
+            <a:tailEnd type="triangle"/>
+          </a:ln>
+        </p:spPr>
+        <p:style>
+          <a:lnRef idx="1">
+            <a:schemeClr val="accent1"/>
+          </a:lnRef>
+          <a:fillRef idx="0">
+            <a:schemeClr val="accent1"/>
+          </a:fillRef>
+          <a:effectRef idx="0">
+            <a:schemeClr val="accent1"/>
+          </a:effectRef>
+          <a:fontRef idx="minor">
+            <a:schemeClr val="tx1"/>
+          </a:fontRef>
+        </p:style>
+      </p:cxnSp>
+      <p:cxnSp>
+        <p:nvCxnSpPr>
+          <p:cNvPr id="388" name="Connector: Elbow 387">
+            <a:extLst>
+              <a:ext uri="{FF2B5EF4-FFF2-40B4-BE49-F238E27FC236}">
+                <a16:creationId xmlns:a16="http://schemas.microsoft.com/office/drawing/2014/main" id="{0F387221-F724-4B02-BDE4-9F7D7042C469}"/>
+              </a:ext>
+            </a:extLst>
+          </p:cNvPr>
+          <p:cNvCxnSpPr>
+            <a:stCxn id="314" idx="3"/>
+          </p:cNvCxnSpPr>
+          <p:nvPr/>
+        </p:nvCxnSpPr>
+        <p:spPr>
+          <a:xfrm flipV="1">
+            <a:off x="7668700" y="1597571"/>
+            <a:ext cx="521496" cy="247554"/>
+          </a:xfrm>
+          <a:prstGeom prst="bentConnector3">
+            <a:avLst/>
+          </a:prstGeom>
+          <a:ln>
+            <a:tailEnd type="triangle"/>
+          </a:ln>
+        </p:spPr>
+        <p:style>
+          <a:lnRef idx="1">
+            <a:schemeClr val="accent1"/>
+          </a:lnRef>
+          <a:fillRef idx="0">
+            <a:schemeClr val="accent1"/>
+          </a:fillRef>
+          <a:effectRef idx="0">
+            <a:schemeClr val="accent1"/>
+          </a:effectRef>
+          <a:fontRef idx="minor">
+            <a:schemeClr val="tx1"/>
+          </a:fontRef>
+        </p:style>
+      </p:cxnSp>
+      <p:pic>
+        <p:nvPicPr>
+          <p:cNvPr id="394" name="Picture 393">
+            <a:extLst>
+              <a:ext uri="{FF2B5EF4-FFF2-40B4-BE49-F238E27FC236}">
+                <a16:creationId xmlns:a16="http://schemas.microsoft.com/office/drawing/2014/main" id="{EEE4C318-639C-0BBF-9B07-8705854F0C82}"/>
+              </a:ext>
+            </a:extLst>
+          </p:cNvPr>
+          <p:cNvPicPr>
+            <a:picLocks noChangeAspect="1"/>
+          </p:cNvPicPr>
+          <p:nvPr/>
+        </p:nvPicPr>
+        <p:blipFill>
+          <a:blip r:embed="rId13"/>
+          <a:stretch>
+            <a:fillRect/>
+          </a:stretch>
+        </p:blipFill>
+        <p:spPr>
+          <a:xfrm>
+            <a:off x="3309497" y="3303165"/>
+            <a:ext cx="402343" cy="393961"/>
+          </a:xfrm>
+          <a:prstGeom prst="rect">
+            <a:avLst/>
+          </a:prstGeom>
+        </p:spPr>
+      </p:pic>
+      <p:sp>
+        <p:nvSpPr>
+          <p:cNvPr id="395" name="TextBox 394">
+            <a:extLst>
+              <a:ext uri="{FF2B5EF4-FFF2-40B4-BE49-F238E27FC236}">
+                <a16:creationId xmlns:a16="http://schemas.microsoft.com/office/drawing/2014/main" id="{AED46460-2DB0-346E-DBCA-20D92FAE5377}"/>
+              </a:ext>
+            </a:extLst>
+          </p:cNvPr>
+          <p:cNvSpPr txBox="1"/>
+          <p:nvPr/>
+        </p:nvSpPr>
+        <p:spPr>
+          <a:xfrm>
+            <a:off x="3099181" y="3672891"/>
+            <a:ext cx="903997" cy="600164"/>
+          </a:xfrm>
+          <a:prstGeom prst="rect">
+            <a:avLst/>
+          </a:prstGeom>
+          <a:noFill/>
+        </p:spPr>
+        <p:txBody>
+          <a:bodyPr wrap="square" rtlCol="0">
+            <a:spAutoFit/>
+          </a:bodyPr>
+          <a:lstStyle/>
+          <a:p>
+            <a:r>
+              <a:rPr lang="en-US" sz="1100" dirty="0" err="1"/>
+              <a:t>StepFunction</a:t>
+            </a:r>
+            <a:endParaRPr lang="en-US" sz="1100" dirty="0"/>
+          </a:p>
+          <a:p>
+            <a:r>
+              <a:rPr lang="en-US" sz="1100" dirty="0"/>
+              <a:t>Workflow </a:t>
+            </a:r>
+            <a:r>
+              <a:rPr lang="en-US" sz="1100" dirty="0" err="1"/>
+              <a:t>orcestrator</a:t>
+            </a:r>
+            <a:endParaRPr lang="en-US" sz="1100" dirty="0"/>
+          </a:p>
+        </p:txBody>
+      </p:sp>
+      <p:pic>
+        <p:nvPicPr>
+          <p:cNvPr id="397" name="Picture 396">
+            <a:extLst>
+              <a:ext uri="{FF2B5EF4-FFF2-40B4-BE49-F238E27FC236}">
+                <a16:creationId xmlns:a16="http://schemas.microsoft.com/office/drawing/2014/main" id="{7D2B4782-BDFB-2CDB-2C30-FEDCCA648A2E}"/>
+              </a:ext>
+            </a:extLst>
+          </p:cNvPr>
+          <p:cNvPicPr>
+            <a:picLocks noChangeAspect="1"/>
+          </p:cNvPicPr>
+          <p:nvPr/>
+        </p:nvPicPr>
+        <p:blipFill>
+          <a:blip r:embed="rId14"/>
+          <a:stretch>
+            <a:fillRect/>
+          </a:stretch>
+        </p:blipFill>
+        <p:spPr>
+          <a:xfrm>
+            <a:off x="4125082" y="3288457"/>
+            <a:ext cx="457392" cy="424982"/>
+          </a:xfrm>
+          <a:prstGeom prst="rect">
+            <a:avLst/>
+          </a:prstGeom>
+        </p:spPr>
+      </p:pic>
+      <p:sp>
+        <p:nvSpPr>
+          <p:cNvPr id="398" name="TextBox 397">
+            <a:extLst>
+              <a:ext uri="{FF2B5EF4-FFF2-40B4-BE49-F238E27FC236}">
+                <a16:creationId xmlns:a16="http://schemas.microsoft.com/office/drawing/2014/main" id="{92AE4C5B-D577-C999-3AE9-141338539F50}"/>
+              </a:ext>
+            </a:extLst>
+          </p:cNvPr>
+          <p:cNvSpPr txBox="1"/>
+          <p:nvPr/>
+        </p:nvSpPr>
+        <p:spPr>
+          <a:xfrm>
+            <a:off x="3969815" y="3695529"/>
+            <a:ext cx="903997" cy="430887"/>
+          </a:xfrm>
+          <a:prstGeom prst="rect">
+            <a:avLst/>
+          </a:prstGeom>
+          <a:noFill/>
+        </p:spPr>
+        <p:txBody>
+          <a:bodyPr wrap="square" rtlCol="0">
+            <a:spAutoFit/>
+          </a:bodyPr>
+          <a:lstStyle/>
+          <a:p>
+            <a:r>
+              <a:rPr lang="en-US" sz="1100" dirty="0"/>
+              <a:t>CloudWatch</a:t>
+            </a:r>
+          </a:p>
+          <a:p>
+            <a:r>
+              <a:rPr lang="en-US" sz="1100" dirty="0"/>
+              <a:t> Monitoring</a:t>
+            </a:r>
+          </a:p>
+        </p:txBody>
+      </p:sp>
+      <p:pic>
+        <p:nvPicPr>
+          <p:cNvPr id="400" name="Picture 399">
+            <a:extLst>
+              <a:ext uri="{FF2B5EF4-FFF2-40B4-BE49-F238E27FC236}">
+                <a16:creationId xmlns:a16="http://schemas.microsoft.com/office/drawing/2014/main" id="{969376D0-F5BC-AE67-679F-51DF0EE7FD23}"/>
+              </a:ext>
+            </a:extLst>
+          </p:cNvPr>
+          <p:cNvPicPr>
+            <a:picLocks noChangeAspect="1"/>
+          </p:cNvPicPr>
+          <p:nvPr/>
+        </p:nvPicPr>
+        <p:blipFill>
+          <a:blip r:embed="rId15"/>
+          <a:stretch>
+            <a:fillRect/>
+          </a:stretch>
+        </p:blipFill>
+        <p:spPr>
+          <a:xfrm>
+            <a:off x="5053727" y="3242732"/>
+            <a:ext cx="507966" cy="501008"/>
+          </a:xfrm>
+          <a:prstGeom prst="rect">
+            <a:avLst/>
+          </a:prstGeom>
+        </p:spPr>
+      </p:pic>
+      <p:sp>
+        <p:nvSpPr>
+          <p:cNvPr id="401" name="TextBox 400">
+            <a:extLst>
+              <a:ext uri="{FF2B5EF4-FFF2-40B4-BE49-F238E27FC236}">
+                <a16:creationId xmlns:a16="http://schemas.microsoft.com/office/drawing/2014/main" id="{6F9F821D-79CB-827E-EDBA-F4C8D2206E7E}"/>
+              </a:ext>
+            </a:extLst>
+          </p:cNvPr>
+          <p:cNvSpPr txBox="1"/>
+          <p:nvPr/>
+        </p:nvSpPr>
+        <p:spPr>
+          <a:xfrm>
+            <a:off x="4851624" y="3705083"/>
+            <a:ext cx="1148591" cy="461665"/>
+          </a:xfrm>
+          <a:prstGeom prst="rect">
+            <a:avLst/>
+          </a:prstGeom>
+          <a:noFill/>
+        </p:spPr>
+        <p:txBody>
+          <a:bodyPr wrap="square" rtlCol="0">
+            <a:spAutoFit/>
+          </a:bodyPr>
+          <a:lstStyle/>
+          <a:p>
+            <a:r>
+              <a:rPr lang="en-US" sz="1200" dirty="0"/>
+              <a:t>Logging/ log analytics</a:t>
+            </a:r>
+          </a:p>
+        </p:txBody>
+      </p:sp>
+      <p:pic>
+        <p:nvPicPr>
+          <p:cNvPr id="403" name="Picture 402">
+            <a:extLst>
+              <a:ext uri="{FF2B5EF4-FFF2-40B4-BE49-F238E27FC236}">
+                <a16:creationId xmlns:a16="http://schemas.microsoft.com/office/drawing/2014/main" id="{9C4EF1E7-3D31-235D-083E-DAEE5847F14D}"/>
+              </a:ext>
+            </a:extLst>
+          </p:cNvPr>
+          <p:cNvPicPr>
+            <a:picLocks noChangeAspect="1"/>
+          </p:cNvPicPr>
+          <p:nvPr/>
+        </p:nvPicPr>
+        <p:blipFill>
+          <a:blip r:embed="rId16"/>
+          <a:stretch>
+            <a:fillRect/>
+          </a:stretch>
+        </p:blipFill>
+        <p:spPr>
+          <a:xfrm>
+            <a:off x="6014451" y="3241626"/>
+            <a:ext cx="545887" cy="490607"/>
+          </a:xfrm>
+          <a:prstGeom prst="rect">
+            <a:avLst/>
+          </a:prstGeom>
+        </p:spPr>
+      </p:pic>
+      <p:sp>
+        <p:nvSpPr>
+          <p:cNvPr id="404" name="TextBox 403">
+            <a:extLst>
+              <a:ext uri="{FF2B5EF4-FFF2-40B4-BE49-F238E27FC236}">
+                <a16:creationId xmlns:a16="http://schemas.microsoft.com/office/drawing/2014/main" id="{0BA26B92-5AB1-5E0E-F6E1-DB606FC2FE9A}"/>
+              </a:ext>
+            </a:extLst>
+          </p:cNvPr>
+          <p:cNvSpPr txBox="1"/>
+          <p:nvPr/>
+        </p:nvSpPr>
+        <p:spPr>
+          <a:xfrm>
+            <a:off x="5852004" y="3705083"/>
+            <a:ext cx="971567" cy="461665"/>
+          </a:xfrm>
+          <a:prstGeom prst="rect">
+            <a:avLst/>
+          </a:prstGeom>
+          <a:noFill/>
+        </p:spPr>
+        <p:txBody>
+          <a:bodyPr wrap="square" rtlCol="0">
+            <a:spAutoFit/>
+          </a:bodyPr>
+          <a:lstStyle/>
+          <a:p>
+            <a:r>
+              <a:rPr lang="en-US" sz="1200" dirty="0"/>
+              <a:t>SNS – Email notification</a:t>
+            </a:r>
+          </a:p>
+        </p:txBody>
+      </p:sp>
+      <p:cxnSp>
+        <p:nvCxnSpPr>
+          <p:cNvPr id="405" name="Straight Arrow Connector 404">
+            <a:extLst>
+              <a:ext uri="{FF2B5EF4-FFF2-40B4-BE49-F238E27FC236}">
+                <a16:creationId xmlns:a16="http://schemas.microsoft.com/office/drawing/2014/main" id="{456A5765-C0C9-58DD-71A6-3EB2B9352124}"/>
+              </a:ext>
+            </a:extLst>
+          </p:cNvPr>
+          <p:cNvCxnSpPr>
+            <a:cxnSpLocks/>
+          </p:cNvCxnSpPr>
+          <p:nvPr/>
+        </p:nvCxnSpPr>
+        <p:spPr>
+          <a:xfrm>
+            <a:off x="6918020" y="3367327"/>
+            <a:ext cx="200333" cy="0"/>
+          </a:xfrm>
+          <a:prstGeom prst="straightConnector1">
+            <a:avLst/>
+          </a:prstGeom>
+          <a:ln w="12700">
+            <a:solidFill>
+              <a:schemeClr val="accent5">
+                <a:lumMod val="75000"/>
+              </a:schemeClr>
+            </a:solidFill>
+            <a:tailEnd type="triangle"/>
+          </a:ln>
+        </p:spPr>
+        <p:style>
+          <a:lnRef idx="1">
+            <a:schemeClr val="accent1"/>
+          </a:lnRef>
+          <a:fillRef idx="0">
+            <a:schemeClr val="accent1"/>
+          </a:fillRef>
+          <a:effectRef idx="0">
+            <a:schemeClr val="accent1"/>
+          </a:effectRef>
+          <a:fontRef idx="minor">
+            <a:schemeClr val="tx1"/>
+          </a:fontRef>
+        </p:style>
+      </p:cxnSp>
+      <p:cxnSp>
+        <p:nvCxnSpPr>
+          <p:cNvPr id="406" name="Straight Arrow Connector 405">
+            <a:extLst>
+              <a:ext uri="{FF2B5EF4-FFF2-40B4-BE49-F238E27FC236}">
+                <a16:creationId xmlns:a16="http://schemas.microsoft.com/office/drawing/2014/main" id="{B0A059DC-5359-4248-01B5-57C04AC8D8A4}"/>
+              </a:ext>
+            </a:extLst>
+          </p:cNvPr>
+          <p:cNvCxnSpPr>
+            <a:cxnSpLocks/>
+          </p:cNvCxnSpPr>
+          <p:nvPr/>
+        </p:nvCxnSpPr>
+        <p:spPr>
+          <a:xfrm flipV="1">
+            <a:off x="5116168" y="2391618"/>
+            <a:ext cx="0" cy="234778"/>
+          </a:xfrm>
+          <a:prstGeom prst="straightConnector1">
+            <a:avLst/>
+          </a:prstGeom>
+          <a:ln w="12700">
+            <a:solidFill>
+              <a:schemeClr val="accent5">
+                <a:lumMod val="75000"/>
+              </a:schemeClr>
+            </a:solidFill>
+            <a:tailEnd type="triangle"/>
+          </a:ln>
+        </p:spPr>
+        <p:style>
+          <a:lnRef idx="1">
+            <a:schemeClr val="accent1"/>
+          </a:lnRef>
+          <a:fillRef idx="0">
+            <a:schemeClr val="accent1"/>
+          </a:fillRef>
+          <a:effectRef idx="0">
+            <a:schemeClr val="accent1"/>
+          </a:effectRef>
+          <a:fontRef idx="minor">
+            <a:schemeClr val="tx1"/>
+          </a:fontRef>
+        </p:style>
+      </p:cxnSp>
+      <p:cxnSp>
+        <p:nvCxnSpPr>
+          <p:cNvPr id="408" name="Straight Arrow Connector 407">
+            <a:extLst>
+              <a:ext uri="{FF2B5EF4-FFF2-40B4-BE49-F238E27FC236}">
+                <a16:creationId xmlns:a16="http://schemas.microsoft.com/office/drawing/2014/main" id="{F1946D3F-DA1B-3516-BD1E-E51E26028754}"/>
+              </a:ext>
+            </a:extLst>
+          </p:cNvPr>
+          <p:cNvCxnSpPr>
+            <a:cxnSpLocks/>
+          </p:cNvCxnSpPr>
+          <p:nvPr/>
+        </p:nvCxnSpPr>
+        <p:spPr>
+          <a:xfrm>
+            <a:off x="4802139" y="2380645"/>
+            <a:ext cx="0" cy="256723"/>
+          </a:xfrm>
+          <a:prstGeom prst="straightConnector1">
+            <a:avLst/>
+          </a:prstGeom>
+          <a:ln w="12700">
+            <a:solidFill>
+              <a:schemeClr val="accent5">
+                <a:lumMod val="75000"/>
+              </a:schemeClr>
+            </a:solidFill>
+            <a:tailEnd type="triangle"/>
+          </a:ln>
+        </p:spPr>
+        <p:style>
+          <a:lnRef idx="1">
+            <a:schemeClr val="accent1"/>
+          </a:lnRef>
+          <a:fillRef idx="0">
+            <a:schemeClr val="accent1"/>
+          </a:fillRef>
+          <a:effectRef idx="0">
+            <a:schemeClr val="accent1"/>
+          </a:effectRef>
+          <a:fontRef idx="minor">
+            <a:schemeClr val="tx1"/>
+          </a:fontRef>
+        </p:style>
+      </p:cxnSp>
+      <p:cxnSp>
+        <p:nvCxnSpPr>
+          <p:cNvPr id="410" name="Straight Arrow Connector 409">
+            <a:extLst>
+              <a:ext uri="{FF2B5EF4-FFF2-40B4-BE49-F238E27FC236}">
+                <a16:creationId xmlns:a16="http://schemas.microsoft.com/office/drawing/2014/main" id="{31508E9C-CC96-626C-5116-5A64C883AE42}"/>
+              </a:ext>
+            </a:extLst>
+          </p:cNvPr>
+          <p:cNvCxnSpPr>
+            <a:cxnSpLocks/>
+          </p:cNvCxnSpPr>
+          <p:nvPr/>
+        </p:nvCxnSpPr>
+        <p:spPr>
+          <a:xfrm flipH="1">
+            <a:off x="6847665" y="3609774"/>
+            <a:ext cx="270688" cy="0"/>
+          </a:xfrm>
+          <a:prstGeom prst="straightConnector1">
+            <a:avLst/>
+          </a:prstGeom>
+          <a:ln w="12700">
+            <a:solidFill>
+              <a:schemeClr val="accent5">
+                <a:lumMod val="75000"/>
+              </a:schemeClr>
+            </a:solidFill>
+            <a:tailEnd type="triangle"/>
+          </a:ln>
+        </p:spPr>
+        <p:style>
+          <a:lnRef idx="1">
+            <a:schemeClr val="accent1"/>
+          </a:lnRef>
+          <a:fillRef idx="0">
+            <a:schemeClr val="accent1"/>
+          </a:fillRef>
+          <a:effectRef idx="0">
+            <a:schemeClr val="accent1"/>
+          </a:effectRef>
+          <a:fontRef idx="minor">
+            <a:schemeClr val="tx1"/>
+          </a:fontRef>
+        </p:style>
+      </p:cxnSp>
+      <p:cxnSp>
+        <p:nvCxnSpPr>
+          <p:cNvPr id="413" name="Straight Arrow Connector 412">
+            <a:extLst>
+              <a:ext uri="{FF2B5EF4-FFF2-40B4-BE49-F238E27FC236}">
+                <a16:creationId xmlns:a16="http://schemas.microsoft.com/office/drawing/2014/main" id="{89426637-84C1-5FB6-E4DE-1300FB07B4D8}"/>
+              </a:ext>
+            </a:extLst>
+          </p:cNvPr>
+          <p:cNvCxnSpPr>
+            <a:cxnSpLocks/>
+          </p:cNvCxnSpPr>
+          <p:nvPr/>
+        </p:nvCxnSpPr>
+        <p:spPr>
+          <a:xfrm>
+            <a:off x="2865030" y="3381971"/>
+            <a:ext cx="200333" cy="0"/>
+          </a:xfrm>
+          <a:prstGeom prst="straightConnector1">
+            <a:avLst/>
+          </a:prstGeom>
+          <a:ln w="12700">
+            <a:solidFill>
+              <a:schemeClr val="accent5">
+                <a:lumMod val="75000"/>
+              </a:schemeClr>
+            </a:solidFill>
+            <a:tailEnd type="triangle"/>
+          </a:ln>
+        </p:spPr>
+        <p:style>
+          <a:lnRef idx="1">
+            <a:schemeClr val="accent1"/>
+          </a:lnRef>
+          <a:fillRef idx="0">
+            <a:schemeClr val="accent1"/>
+          </a:fillRef>
+          <a:effectRef idx="0">
+            <a:schemeClr val="accent1"/>
+          </a:effectRef>
+          <a:fontRef idx="minor">
+            <a:schemeClr val="tx1"/>
+          </a:fontRef>
+        </p:style>
+      </p:cxnSp>
+      <p:cxnSp>
+        <p:nvCxnSpPr>
+          <p:cNvPr id="415" name="Straight Arrow Connector 414">
+            <a:extLst>
+              <a:ext uri="{FF2B5EF4-FFF2-40B4-BE49-F238E27FC236}">
+                <a16:creationId xmlns:a16="http://schemas.microsoft.com/office/drawing/2014/main" id="{C62F3806-937F-C11C-3B60-C0872D60A76A}"/>
+              </a:ext>
+            </a:extLst>
+          </p:cNvPr>
+          <p:cNvCxnSpPr>
+            <a:cxnSpLocks/>
+          </p:cNvCxnSpPr>
+          <p:nvPr/>
+        </p:nvCxnSpPr>
+        <p:spPr>
+          <a:xfrm flipH="1" flipV="1">
+            <a:off x="2853619" y="3634049"/>
+            <a:ext cx="232168" cy="6178"/>
+          </a:xfrm>
+          <a:prstGeom prst="straightConnector1">
+            <a:avLst/>
+          </a:prstGeom>
+          <a:ln w="12700">
+            <a:solidFill>
+              <a:schemeClr val="accent5">
+                <a:lumMod val="75000"/>
+              </a:schemeClr>
+            </a:solidFill>
+            <a:tailEnd type="triangle"/>
+          </a:ln>
+        </p:spPr>
+        <p:style>
+          <a:lnRef idx="1">
+            <a:schemeClr val="accent1"/>
+          </a:lnRef>
+          <a:fillRef idx="0">
+            <a:schemeClr val="accent1"/>
+          </a:fillRef>
+          <a:effectRef idx="0">
+            <a:schemeClr val="accent1"/>
+          </a:effectRef>
+          <a:fontRef idx="minor">
+            <a:schemeClr val="tx1"/>
+          </a:fontRef>
+        </p:style>
+      </p:cxnSp>
+      <p:pic>
+        <p:nvPicPr>
+          <p:cNvPr id="8" name="Picture 7">
+            <a:extLst>
+              <a:ext uri="{FF2B5EF4-FFF2-40B4-BE49-F238E27FC236}">
+                <a16:creationId xmlns:a16="http://schemas.microsoft.com/office/drawing/2014/main" id="{4297C23C-3C9B-1A4C-9996-4139FDF8928D}"/>
+              </a:ext>
+            </a:extLst>
+          </p:cNvPr>
+          <p:cNvPicPr>
+            <a:picLocks noChangeAspect="1"/>
+          </p:cNvPicPr>
+          <p:nvPr/>
+        </p:nvPicPr>
+        <p:blipFill>
+          <a:blip r:embed="rId17"/>
+          <a:stretch>
+            <a:fillRect/>
+          </a:stretch>
+        </p:blipFill>
+        <p:spPr>
+          <a:xfrm>
+            <a:off x="326301" y="5899009"/>
+            <a:ext cx="1352395" cy="520646"/>
+          </a:xfrm>
+          <a:prstGeom prst="rect">
+            <a:avLst/>
+          </a:prstGeom>
+        </p:spPr>
+      </p:pic>
+      <p:pic>
+        <p:nvPicPr>
+          <p:cNvPr id="12" name="Picture 11">
+            <a:extLst>
+              <a:ext uri="{FF2B5EF4-FFF2-40B4-BE49-F238E27FC236}">
+                <a16:creationId xmlns:a16="http://schemas.microsoft.com/office/drawing/2014/main" id="{8EB34564-6AA6-2035-0EB8-2D8A7C701239}"/>
+              </a:ext>
+            </a:extLst>
+          </p:cNvPr>
+          <p:cNvPicPr>
+            <a:picLocks noChangeAspect="1"/>
+          </p:cNvPicPr>
+          <p:nvPr/>
+        </p:nvPicPr>
+        <p:blipFill>
+          <a:blip r:embed="rId18"/>
+          <a:stretch>
+            <a:fillRect/>
+          </a:stretch>
+        </p:blipFill>
+        <p:spPr>
+          <a:xfrm>
+            <a:off x="1693500" y="5791634"/>
+            <a:ext cx="690929" cy="672746"/>
+          </a:xfrm>
+          <a:prstGeom prst="rect">
+            <a:avLst/>
+          </a:prstGeom>
+        </p:spPr>
+      </p:pic>
+      <p:pic>
+        <p:nvPicPr>
+          <p:cNvPr id="16" name="Picture 15">
+            <a:extLst>
+              <a:ext uri="{FF2B5EF4-FFF2-40B4-BE49-F238E27FC236}">
+                <a16:creationId xmlns:a16="http://schemas.microsoft.com/office/drawing/2014/main" id="{FB044E10-A9FD-E5B0-5990-A14449637859}"/>
+              </a:ext>
+            </a:extLst>
+          </p:cNvPr>
+          <p:cNvPicPr>
+            <a:picLocks noChangeAspect="1"/>
+          </p:cNvPicPr>
+          <p:nvPr/>
+        </p:nvPicPr>
+        <p:blipFill>
+          <a:blip r:embed="rId11"/>
+          <a:stretch>
+            <a:fillRect/>
+          </a:stretch>
+        </p:blipFill>
+        <p:spPr>
+          <a:xfrm>
+            <a:off x="2670155" y="5830377"/>
+            <a:ext cx="376805" cy="376805"/>
+          </a:xfrm>
+          <a:prstGeom prst="rect">
+            <a:avLst/>
+          </a:prstGeom>
+        </p:spPr>
+      </p:pic>
+      <p:sp>
+        <p:nvSpPr>
+          <p:cNvPr id="17" name="TextBox 16">
+            <a:extLst>
+              <a:ext uri="{FF2B5EF4-FFF2-40B4-BE49-F238E27FC236}">
+                <a16:creationId xmlns:a16="http://schemas.microsoft.com/office/drawing/2014/main" id="{607B22B0-2DAA-290A-4B13-C51D889CE9D5}"/>
+              </a:ext>
+            </a:extLst>
+          </p:cNvPr>
+          <p:cNvSpPr txBox="1"/>
+          <p:nvPr/>
+        </p:nvSpPr>
+        <p:spPr>
+          <a:xfrm>
+            <a:off x="2399233" y="6187381"/>
+            <a:ext cx="1436518" cy="276999"/>
+          </a:xfrm>
+          <a:prstGeom prst="rect">
+            <a:avLst/>
+          </a:prstGeom>
+          <a:noFill/>
+        </p:spPr>
+        <p:txBody>
+          <a:bodyPr wrap="square" rtlCol="0">
+            <a:spAutoFit/>
+          </a:bodyPr>
+          <a:lstStyle/>
+          <a:p>
+            <a:r>
+              <a:rPr lang="en-US" sz="1200" dirty="0"/>
+              <a:t>AWS Lambda</a:t>
+            </a:r>
+          </a:p>
+        </p:txBody>
+      </p:sp>
+      <p:pic>
+        <p:nvPicPr>
+          <p:cNvPr id="18" name="Picture 17">
+            <a:extLst>
+              <a:ext uri="{FF2B5EF4-FFF2-40B4-BE49-F238E27FC236}">
+                <a16:creationId xmlns:a16="http://schemas.microsoft.com/office/drawing/2014/main" id="{0E234D0E-2854-4E8C-8E2D-C72F13785FF2}"/>
+              </a:ext>
+            </a:extLst>
+          </p:cNvPr>
+          <p:cNvPicPr>
+            <a:picLocks noChangeAspect="1"/>
+          </p:cNvPicPr>
+          <p:nvPr/>
+        </p:nvPicPr>
+        <p:blipFill>
+          <a:blip r:embed="rId12"/>
+          <a:stretch>
+            <a:fillRect/>
+          </a:stretch>
+        </p:blipFill>
+        <p:spPr>
+          <a:xfrm>
+            <a:off x="3596623" y="5791634"/>
+            <a:ext cx="433048" cy="427635"/>
+          </a:xfrm>
+          <a:prstGeom prst="rect">
+            <a:avLst/>
+          </a:prstGeom>
+        </p:spPr>
+      </p:pic>
+      <p:sp>
+        <p:nvSpPr>
+          <p:cNvPr id="29" name="TextBox 28">
+            <a:extLst>
+              <a:ext uri="{FF2B5EF4-FFF2-40B4-BE49-F238E27FC236}">
+                <a16:creationId xmlns:a16="http://schemas.microsoft.com/office/drawing/2014/main" id="{CE017060-EB3F-89E7-2F43-363E1BC6F369}"/>
+              </a:ext>
+            </a:extLst>
+          </p:cNvPr>
+          <p:cNvSpPr txBox="1"/>
+          <p:nvPr/>
+        </p:nvSpPr>
+        <p:spPr>
+          <a:xfrm>
+            <a:off x="3388414" y="6181352"/>
+            <a:ext cx="1436518" cy="276999"/>
+          </a:xfrm>
+          <a:prstGeom prst="rect">
+            <a:avLst/>
+          </a:prstGeom>
+          <a:noFill/>
+        </p:spPr>
+        <p:txBody>
+          <a:bodyPr wrap="square" rtlCol="0">
+            <a:spAutoFit/>
+          </a:bodyPr>
+          <a:lstStyle/>
+          <a:p>
+            <a:r>
+              <a:rPr lang="en-US" sz="1200" dirty="0"/>
+              <a:t>AWS Glue</a:t>
+            </a:r>
+          </a:p>
+        </p:txBody>
+      </p:sp>
+      <p:pic>
+        <p:nvPicPr>
+          <p:cNvPr id="33" name="Picture 32">
+            <a:extLst>
+              <a:ext uri="{FF2B5EF4-FFF2-40B4-BE49-F238E27FC236}">
+                <a16:creationId xmlns:a16="http://schemas.microsoft.com/office/drawing/2014/main" id="{A06EB6B0-C84F-E910-3C8D-E04E496C13F7}"/>
+              </a:ext>
+            </a:extLst>
+          </p:cNvPr>
+          <p:cNvPicPr>
+            <a:picLocks noChangeAspect="1"/>
+          </p:cNvPicPr>
+          <p:nvPr/>
+        </p:nvPicPr>
+        <p:blipFill>
+          <a:blip r:embed="rId19"/>
+          <a:stretch>
+            <a:fillRect/>
+          </a:stretch>
+        </p:blipFill>
+        <p:spPr>
+          <a:xfrm>
+            <a:off x="4918958" y="5889898"/>
+            <a:ext cx="1280076" cy="335554"/>
+          </a:xfrm>
+          <a:prstGeom prst="rect">
+            <a:avLst/>
+          </a:prstGeom>
+        </p:spPr>
+      </p:pic>
+      <p:pic>
+        <p:nvPicPr>
+          <p:cNvPr id="35" name="Picture 34">
+            <a:extLst>
+              <a:ext uri="{FF2B5EF4-FFF2-40B4-BE49-F238E27FC236}">
+                <a16:creationId xmlns:a16="http://schemas.microsoft.com/office/drawing/2014/main" id="{DEC49DD7-BA45-9370-02DE-A09DDD2FFC4D}"/>
+              </a:ext>
+            </a:extLst>
+          </p:cNvPr>
+          <p:cNvPicPr>
+            <a:picLocks noChangeAspect="1"/>
+          </p:cNvPicPr>
+          <p:nvPr/>
+        </p:nvPicPr>
+        <p:blipFill>
+          <a:blip r:embed="rId20"/>
+          <a:stretch>
+            <a:fillRect/>
+          </a:stretch>
+        </p:blipFill>
+        <p:spPr>
+          <a:xfrm>
+            <a:off x="4282964" y="5690756"/>
+            <a:ext cx="549791" cy="558250"/>
+          </a:xfrm>
+          <a:prstGeom prst="rect">
+            <a:avLst/>
+          </a:prstGeom>
+        </p:spPr>
+      </p:pic>
+      <p:sp>
+        <p:nvSpPr>
+          <p:cNvPr id="44" name="TextBox 43">
+            <a:extLst>
+              <a:ext uri="{FF2B5EF4-FFF2-40B4-BE49-F238E27FC236}">
+                <a16:creationId xmlns:a16="http://schemas.microsoft.com/office/drawing/2014/main" id="{5E41BD0A-B9C9-CD24-E90A-7E3F6ED898CC}"/>
+              </a:ext>
+            </a:extLst>
+          </p:cNvPr>
+          <p:cNvSpPr txBox="1"/>
+          <p:nvPr/>
+        </p:nvSpPr>
+        <p:spPr>
+          <a:xfrm>
+            <a:off x="4252501" y="6175323"/>
+            <a:ext cx="699719" cy="276999"/>
+          </a:xfrm>
+          <a:prstGeom prst="rect">
+            <a:avLst/>
+          </a:prstGeom>
+          <a:noFill/>
+        </p:spPr>
+        <p:txBody>
+          <a:bodyPr wrap="square" rtlCol="0">
+            <a:spAutoFit/>
+          </a:bodyPr>
+          <a:lstStyle/>
+          <a:p>
+            <a:r>
+              <a:rPr lang="en-US" sz="1200" dirty="0"/>
+              <a:t>GitHub</a:t>
+            </a:r>
+          </a:p>
+        </p:txBody>
+      </p:sp>
+      <p:pic>
+        <p:nvPicPr>
+          <p:cNvPr id="59" name="Picture 58">
+            <a:extLst>
+              <a:ext uri="{FF2B5EF4-FFF2-40B4-BE49-F238E27FC236}">
+                <a16:creationId xmlns:a16="http://schemas.microsoft.com/office/drawing/2014/main" id="{4FEE7BC1-C931-B91B-D138-0EAD911D62EC}"/>
+              </a:ext>
+            </a:extLst>
+          </p:cNvPr>
+          <p:cNvPicPr>
+            <a:picLocks noChangeAspect="1"/>
+          </p:cNvPicPr>
+          <p:nvPr/>
+        </p:nvPicPr>
+        <p:blipFill>
+          <a:blip r:embed="rId11"/>
+          <a:stretch>
+            <a:fillRect/>
+          </a:stretch>
+        </p:blipFill>
+        <p:spPr>
+          <a:xfrm>
+            <a:off x="7770996" y="3599987"/>
+            <a:ext cx="376805" cy="376805"/>
+          </a:xfrm>
+          <a:prstGeom prst="rect">
+            <a:avLst/>
+          </a:prstGeom>
+        </p:spPr>
+      </p:pic>
+      <p:sp>
+        <p:nvSpPr>
+          <p:cNvPr id="60" name="TextBox 59">
+            <a:extLst>
+              <a:ext uri="{FF2B5EF4-FFF2-40B4-BE49-F238E27FC236}">
+                <a16:creationId xmlns:a16="http://schemas.microsoft.com/office/drawing/2014/main" id="{7FE24D87-1356-026E-ACAF-A2E528973565}"/>
+              </a:ext>
+            </a:extLst>
+          </p:cNvPr>
+          <p:cNvSpPr txBox="1"/>
+          <p:nvPr/>
+        </p:nvSpPr>
+        <p:spPr>
+          <a:xfrm>
+            <a:off x="7063020" y="4006749"/>
+            <a:ext cx="1875935" cy="261610"/>
+          </a:xfrm>
+          <a:prstGeom prst="rect">
+            <a:avLst/>
+          </a:prstGeom>
+          <a:noFill/>
+        </p:spPr>
+        <p:txBody>
+          <a:bodyPr wrap="square">
+            <a:spAutoFit/>
+          </a:bodyPr>
+          <a:lstStyle/>
+          <a:p>
+            <a:r>
+              <a:rPr lang="en-US" sz="1100" dirty="0"/>
+              <a:t>    </a:t>
+            </a:r>
+            <a:r>
+              <a:rPr lang="en-US" sz="1100" dirty="0" err="1"/>
+              <a:t>FileSizeOptimizationTrigge</a:t>
+            </a:r>
+            <a:endParaRPr lang="en-US" sz="1100" dirty="0"/>
+          </a:p>
+        </p:txBody>
+      </p:sp>
+      <p:pic>
+        <p:nvPicPr>
+          <p:cNvPr id="61" name="Picture 60">
+            <a:extLst>
+              <a:ext uri="{FF2B5EF4-FFF2-40B4-BE49-F238E27FC236}">
+                <a16:creationId xmlns:a16="http://schemas.microsoft.com/office/drawing/2014/main" id="{84169462-EF3B-C0C8-BD2E-260B4B5C1DC7}"/>
+              </a:ext>
+            </a:extLst>
+          </p:cNvPr>
+          <p:cNvPicPr>
+            <a:picLocks noChangeAspect="1"/>
+          </p:cNvPicPr>
+          <p:nvPr/>
+        </p:nvPicPr>
+        <p:blipFill>
+          <a:blip r:embed="rId12"/>
+          <a:stretch>
+            <a:fillRect/>
+          </a:stretch>
+        </p:blipFill>
+        <p:spPr>
+          <a:xfrm>
+            <a:off x="7743756" y="2785368"/>
+            <a:ext cx="433048" cy="427635"/>
+          </a:xfrm>
+          <a:prstGeom prst="rect">
+            <a:avLst/>
+          </a:prstGeom>
+        </p:spPr>
+      </p:pic>
+      <p:sp>
+        <p:nvSpPr>
+          <p:cNvPr id="62" name="TextBox 61">
+            <a:extLst>
+              <a:ext uri="{FF2B5EF4-FFF2-40B4-BE49-F238E27FC236}">
+                <a16:creationId xmlns:a16="http://schemas.microsoft.com/office/drawing/2014/main" id="{E224C1B3-8CE6-397D-CAE0-62AF733C8498}"/>
+              </a:ext>
+            </a:extLst>
+          </p:cNvPr>
+          <p:cNvSpPr txBox="1"/>
+          <p:nvPr/>
+        </p:nvSpPr>
+        <p:spPr>
+          <a:xfrm>
+            <a:off x="7278955" y="3214730"/>
+            <a:ext cx="1540806" cy="261610"/>
+          </a:xfrm>
+          <a:prstGeom prst="rect">
+            <a:avLst/>
+          </a:prstGeom>
+          <a:noFill/>
+        </p:spPr>
+        <p:txBody>
+          <a:bodyPr wrap="none" rtlCol="0">
+            <a:spAutoFit/>
+          </a:bodyPr>
+          <a:lstStyle/>
+          <a:p>
+            <a:r>
+              <a:rPr lang="en-US" sz="1100" dirty="0" err="1"/>
+              <a:t>FIleSizeOptimizationJob</a:t>
+            </a:r>
+            <a:endParaRPr lang="en-US" sz="1100" dirty="0"/>
+          </a:p>
+        </p:txBody>
+      </p:sp>
+      <p:cxnSp>
+        <p:nvCxnSpPr>
+          <p:cNvPr id="67" name="Connector: Elbow 66">
+            <a:extLst>
+              <a:ext uri="{FF2B5EF4-FFF2-40B4-BE49-F238E27FC236}">
+                <a16:creationId xmlns:a16="http://schemas.microsoft.com/office/drawing/2014/main" id="{DD2902CF-2F45-0FEB-F573-C95223CBE9F3}"/>
+              </a:ext>
+            </a:extLst>
+          </p:cNvPr>
+          <p:cNvCxnSpPr>
+            <a:stCxn id="61" idx="0"/>
+            <a:endCxn id="51" idx="2"/>
+          </p:cNvCxnSpPr>
+          <p:nvPr/>
+        </p:nvCxnSpPr>
+        <p:spPr>
+          <a:xfrm rot="5400000" flipH="1" flipV="1">
+            <a:off x="7859865" y="1870225"/>
+            <a:ext cx="1015558" cy="814728"/>
+          </a:xfrm>
+          <a:prstGeom prst="bentConnector3">
+            <a:avLst/>
+          </a:prstGeom>
+          <a:ln>
+            <a:tailEnd type="triangle"/>
+          </a:ln>
+        </p:spPr>
+        <p:style>
+          <a:lnRef idx="1">
+            <a:schemeClr val="accent1"/>
+          </a:lnRef>
+          <a:fillRef idx="0">
+            <a:schemeClr val="accent1"/>
+          </a:fillRef>
+          <a:effectRef idx="0">
+            <a:schemeClr val="accent1"/>
+          </a:effectRef>
+          <a:fontRef idx="minor">
+            <a:schemeClr val="tx1"/>
+          </a:fontRef>
+        </p:style>
+      </p:cxnSp>
+      <p:cxnSp>
+        <p:nvCxnSpPr>
+          <p:cNvPr id="72" name="Straight Arrow Connector 71">
+            <a:extLst>
+              <a:ext uri="{FF2B5EF4-FFF2-40B4-BE49-F238E27FC236}">
+                <a16:creationId xmlns:a16="http://schemas.microsoft.com/office/drawing/2014/main" id="{8D3D9130-A613-4255-8CA2-E8DFDCFD2CD6}"/>
+              </a:ext>
+            </a:extLst>
+          </p:cNvPr>
+          <p:cNvCxnSpPr>
+            <a:stCxn id="59" idx="0"/>
+            <a:endCxn id="61" idx="2"/>
+          </p:cNvCxnSpPr>
+          <p:nvPr/>
+        </p:nvCxnSpPr>
+        <p:spPr>
+          <a:xfrm flipV="1">
+            <a:off x="7959399" y="3213003"/>
+            <a:ext cx="881" cy="386984"/>
+          </a:xfrm>
+          <a:prstGeom prst="straightConnector1">
+            <a:avLst/>
+          </a:prstGeom>
+          <a:ln>
+            <a:tailEnd type="triangle"/>
+          </a:ln>
+        </p:spPr>
+        <p:style>
+          <a:lnRef idx="1">
+            <a:schemeClr val="accent1"/>
+          </a:lnRef>
+          <a:fillRef idx="0">
+            <a:schemeClr val="accent1"/>
+          </a:fillRef>
+          <a:effectRef idx="0">
+            <a:schemeClr val="accent1"/>
+          </a:effectRef>
+          <a:fontRef idx="minor">
+            <a:schemeClr val="tx1"/>
+          </a:fontRef>
+        </p:style>
+      </p:cxnSp>
+      <p:sp>
+        <p:nvSpPr>
+          <p:cNvPr id="91" name="TextBox 90">
+            <a:extLst>
+              <a:ext uri="{FF2B5EF4-FFF2-40B4-BE49-F238E27FC236}">
+                <a16:creationId xmlns:a16="http://schemas.microsoft.com/office/drawing/2014/main" id="{A38C6C05-A091-6DF7-EB56-C3552812A668}"/>
+              </a:ext>
+            </a:extLst>
+          </p:cNvPr>
+          <p:cNvSpPr txBox="1"/>
+          <p:nvPr/>
+        </p:nvSpPr>
+        <p:spPr>
+          <a:xfrm>
+            <a:off x="3558247" y="2709935"/>
+            <a:ext cx="3007395" cy="338554"/>
+          </a:xfrm>
+          <a:prstGeom prst="rect">
+            <a:avLst/>
+          </a:prstGeom>
+          <a:noFill/>
+        </p:spPr>
+        <p:txBody>
+          <a:bodyPr wrap="square">
+            <a:spAutoFit/>
+          </a:bodyPr>
+          <a:lstStyle/>
+          <a:p>
+            <a:r>
+              <a:rPr lang="en-US" sz="1600" dirty="0"/>
+              <a:t>Orchestration and monitoring</a:t>
+            </a:r>
           </a:p>
         </p:txBody>
       </p:sp>
@@ -31173,4 +38459,299 @@
     </a:ext>
   </a:extLst>
 </a:theme>
+</file>
+
+<file path=ppt/theme/theme2.xml><?xml version="1.0" encoding="utf-8"?>
+<a:theme xmlns:a="http://schemas.openxmlformats.org/drawingml/2006/main" name="Office Theme">
+  <a:themeElements>
+    <a:clrScheme name="Office">
+      <a:dk1>
+        <a:sysClr val="windowText" lastClr="000000"/>
+      </a:dk1>
+      <a:lt1>
+        <a:sysClr val="window" lastClr="FFFFFF"/>
+      </a:lt1>
+      <a:dk2>
+        <a:srgbClr val="44546A"/>
+      </a:dk2>
+      <a:lt2>
+        <a:srgbClr val="E7E6E6"/>
+      </a:lt2>
+      <a:accent1>
+        <a:srgbClr val="4472C4"/>
+      </a:accent1>
+      <a:accent2>
+        <a:srgbClr val="ED7D31"/>
+      </a:accent2>
+      <a:accent3>
+        <a:srgbClr val="A5A5A5"/>
+      </a:accent3>
+      <a:accent4>
+        <a:srgbClr val="FFC000"/>
+      </a:accent4>
+      <a:accent5>
+        <a:srgbClr val="5B9BD5"/>
+      </a:accent5>
+      <a:accent6>
+        <a:srgbClr val="70AD47"/>
+      </a:accent6>
+      <a:hlink>
+        <a:srgbClr val="0563C1"/>
+      </a:hlink>
+      <a:folHlink>
+        <a:srgbClr val="954F72"/>
+      </a:folHlink>
+    </a:clrScheme>
+    <a:fontScheme name="Office">
+      <a:majorFont>
+        <a:latin typeface="Calibri Light" panose="020F0302020204030204"/>
+        <a:ea typeface=""/>
+        <a:cs typeface=""/>
+        <a:font script="Jpan" typeface="游ゴシック Light"/>
+        <a:font script="Hang" typeface="맑은 고딕"/>
+        <a:font script="Hans" typeface="等线 Light"/>
+        <a:font script="Hant" typeface="新細明體"/>
+        <a:font script="Arab" typeface="Times New Roman"/>
+        <a:font script="Hebr" typeface="Times New Roman"/>
+        <a:font script="Thai" typeface="Angsana New"/>
+        <a:font script="Ethi" typeface="Nyala"/>
+        <a:font script="Beng" typeface="Vrinda"/>
+        <a:font script="Gujr" typeface="Shruti"/>
+        <a:font script="Khmr" typeface="MoolBoran"/>
+        <a:font script="Knda" typeface="Tunga"/>
+        <a:font script="Guru" typeface="Raavi"/>
+        <a:font script="Cans" typeface="Euphemia"/>
+        <a:font script="Cher" typeface="Plantagenet Cherokee"/>
+        <a:font script="Yiii" typeface="Microsoft Yi Baiti"/>
+        <a:font script="Tibt" typeface="Microsoft Himalaya"/>
+        <a:font script="Thaa" typeface="MV Boli"/>
+        <a:font script="Deva" typeface="Mangal"/>
+        <a:font script="Telu" typeface="Gautami"/>
+        <a:font script="Taml" typeface="Latha"/>
+        <a:font script="Syrc" typeface="Estrangelo Edessa"/>
+        <a:font script="Orya" typeface="Kalinga"/>
+        <a:font script="Mlym" typeface="Kartika"/>
+        <a:font script="Laoo" typeface="DokChampa"/>
+        <a:font script="Sinh" typeface="Iskoola Pota"/>
+        <a:font script="Mong" typeface="Mongolian Baiti"/>
+        <a:font script="Viet" typeface="Times New Roman"/>
+        <a:font script="Uigh" typeface="Microsoft Uighur"/>
+        <a:font script="Geor" typeface="Sylfaen"/>
+        <a:font script="Armn" typeface="Arial"/>
+        <a:font script="Bugi" typeface="Leelawadee UI"/>
+        <a:font script="Bopo" typeface="Microsoft JhengHei"/>
+        <a:font script="Java" typeface="Javanese Text"/>
+        <a:font script="Lisu" typeface="Segoe UI"/>
+        <a:font script="Mymr" typeface="Myanmar Text"/>
+        <a:font script="Nkoo" typeface="Ebrima"/>
+        <a:font script="Olck" typeface="Nirmala UI"/>
+        <a:font script="Osma" typeface="Ebrima"/>
+        <a:font script="Phag" typeface="Phagspa"/>
+        <a:font script="Syrn" typeface="Estrangelo Edessa"/>
+        <a:font script="Syrj" typeface="Estrangelo Edessa"/>
+        <a:font script="Syre" typeface="Estrangelo Edessa"/>
+        <a:font script="Sora" typeface="Nirmala UI"/>
+        <a:font script="Tale" typeface="Microsoft Tai Le"/>
+        <a:font script="Talu" typeface="Microsoft New Tai Lue"/>
+        <a:font script="Tfng" typeface="Ebrima"/>
+      </a:majorFont>
+      <a:minorFont>
+        <a:latin typeface="Calibri" panose="020F0502020204030204"/>
+        <a:ea typeface=""/>
+        <a:cs typeface=""/>
+        <a:font script="Jpan" typeface="游ゴシック"/>
+        <a:font script="Hang" typeface="맑은 고딕"/>
+        <a:font script="Hans" typeface="等线"/>
+        <a:font script="Hant" typeface="新細明體"/>
+        <a:font script="Arab" typeface="Arial"/>
+        <a:font script="Hebr" typeface="Arial"/>
+        <a:font script="Thai" typeface="Cordia New"/>
+        <a:font script="Ethi" typeface="Nyala"/>
+        <a:font script="Beng" typeface="Vrinda"/>
+        <a:font script="Gujr" typeface="Shruti"/>
+        <a:font script="Khmr" typeface="DaunPenh"/>
+        <a:font script="Knda" typeface="Tunga"/>
+        <a:font script="Guru" typeface="Raavi"/>
+        <a:font script="Cans" typeface="Euphemia"/>
+        <a:font script="Cher" typeface="Plantagenet Cherokee"/>
+        <a:font script="Yiii" typeface="Microsoft Yi Baiti"/>
+        <a:font script="Tibt" typeface="Microsoft Himalaya"/>
+        <a:font script="Thaa" typeface="MV Boli"/>
+        <a:font script="Deva" typeface="Mangal"/>
+        <a:font script="Telu" typeface="Gautami"/>
+        <a:font script="Taml" typeface="Latha"/>
+        <a:font script="Syrc" typeface="Estrangelo Edessa"/>
+        <a:font script="Orya" typeface="Kalinga"/>
+        <a:font script="Mlym" typeface="Kartika"/>
+        <a:font script="Laoo" typeface="DokChampa"/>
+        <a:font script="Sinh" typeface="Iskoola Pota"/>
+        <a:font script="Mong" typeface="Mongolian Baiti"/>
+        <a:font script="Viet" typeface="Arial"/>
+        <a:font script="Uigh" typeface="Microsoft Uighur"/>
+        <a:font script="Geor" typeface="Sylfaen"/>
+        <a:font script="Armn" typeface="Arial"/>
+        <a:font script="Bugi" typeface="Leelawadee UI"/>
+        <a:font script="Bopo" typeface="Microsoft JhengHei"/>
+        <a:font script="Java" typeface="Javanese Text"/>
+        <a:font script="Lisu" typeface="Segoe UI"/>
+        <a:font script="Mymr" typeface="Myanmar Text"/>
+        <a:font script="Nkoo" typeface="Ebrima"/>
+        <a:font script="Olck" typeface="Nirmala UI"/>
+        <a:font script="Osma" typeface="Ebrima"/>
+        <a:font script="Phag" typeface="Phagspa"/>
+        <a:font script="Syrn" typeface="Estrangelo Edessa"/>
+        <a:font script="Syrj" typeface="Estrangelo Edessa"/>
+        <a:font script="Syre" typeface="Estrangelo Edessa"/>
+        <a:font script="Sora" typeface="Nirmala UI"/>
+        <a:font script="Tale" typeface="Microsoft Tai Le"/>
+        <a:font script="Talu" typeface="Microsoft New Tai Lue"/>
+        <a:font script="Tfng" typeface="Ebrima"/>
+      </a:minorFont>
+    </a:fontScheme>
+    <a:fmtScheme name="Office">
+      <a:fillStyleLst>
+        <a:solidFill>
+          <a:schemeClr val="phClr"/>
+        </a:solidFill>
+        <a:gradFill rotWithShape="1">
+          <a:gsLst>
+            <a:gs pos="0">
+              <a:schemeClr val="phClr">
+                <a:lumMod val="110000"/>
+                <a:satMod val="105000"/>
+                <a:tint val="67000"/>
+              </a:schemeClr>
+            </a:gs>
+            <a:gs pos="50000">
+              <a:schemeClr val="phClr">
+                <a:lumMod val="105000"/>
+                <a:satMod val="103000"/>
+                <a:tint val="73000"/>
+              </a:schemeClr>
+            </a:gs>
+            <a:gs pos="100000">
+              <a:schemeClr val="phClr">
+                <a:lumMod val="105000"/>
+                <a:satMod val="109000"/>
+                <a:tint val="81000"/>
+              </a:schemeClr>
+            </a:gs>
+          </a:gsLst>
+          <a:lin ang="5400000" scaled="0"/>
+        </a:gradFill>
+        <a:gradFill rotWithShape="1">
+          <a:gsLst>
+            <a:gs pos="0">
+              <a:schemeClr val="phClr">
+                <a:satMod val="103000"/>
+                <a:lumMod val="102000"/>
+                <a:tint val="94000"/>
+              </a:schemeClr>
+            </a:gs>
+            <a:gs pos="50000">
+              <a:schemeClr val="phClr">
+                <a:satMod val="110000"/>
+                <a:lumMod val="100000"/>
+                <a:shade val="100000"/>
+              </a:schemeClr>
+            </a:gs>
+            <a:gs pos="100000">
+              <a:schemeClr val="phClr">
+                <a:lumMod val="99000"/>
+                <a:satMod val="120000"/>
+                <a:shade val="78000"/>
+              </a:schemeClr>
+            </a:gs>
+          </a:gsLst>
+          <a:lin ang="5400000" scaled="0"/>
+        </a:gradFill>
+      </a:fillStyleLst>
+      <a:lnStyleLst>
+        <a:ln w="6350" cap="flat" cmpd="sng" algn="ctr">
+          <a:solidFill>
+            <a:schemeClr val="phClr"/>
+          </a:solidFill>
+          <a:prstDash val="solid"/>
+          <a:miter lim="800000"/>
+        </a:ln>
+        <a:ln w="12700" cap="flat" cmpd="sng" algn="ctr">
+          <a:solidFill>
+            <a:schemeClr val="phClr"/>
+          </a:solidFill>
+          <a:prstDash val="solid"/>
+          <a:miter lim="800000"/>
+        </a:ln>
+        <a:ln w="19050" cap="flat" cmpd="sng" algn="ctr">
+          <a:solidFill>
+            <a:schemeClr val="phClr"/>
+          </a:solidFill>
+          <a:prstDash val="solid"/>
+          <a:miter lim="800000"/>
+        </a:ln>
+      </a:lnStyleLst>
+      <a:effectStyleLst>
+        <a:effectStyle>
+          <a:effectLst/>
+        </a:effectStyle>
+        <a:effectStyle>
+          <a:effectLst/>
+        </a:effectStyle>
+        <a:effectStyle>
+          <a:effectLst>
+            <a:outerShdw blurRad="57150" dist="19050" dir="5400000" algn="ctr" rotWithShape="0">
+              <a:srgbClr val="000000">
+                <a:alpha val="63000"/>
+              </a:srgbClr>
+            </a:outerShdw>
+          </a:effectLst>
+        </a:effectStyle>
+      </a:effectStyleLst>
+      <a:bgFillStyleLst>
+        <a:solidFill>
+          <a:schemeClr val="phClr"/>
+        </a:solidFill>
+        <a:solidFill>
+          <a:schemeClr val="phClr">
+            <a:tint val="95000"/>
+            <a:satMod val="170000"/>
+          </a:schemeClr>
+        </a:solidFill>
+        <a:gradFill rotWithShape="1">
+          <a:gsLst>
+            <a:gs pos="0">
+              <a:schemeClr val="phClr">
+                <a:tint val="93000"/>
+                <a:satMod val="150000"/>
+                <a:shade val="98000"/>
+                <a:lumMod val="102000"/>
+              </a:schemeClr>
+            </a:gs>
+            <a:gs pos="50000">
+              <a:schemeClr val="phClr">
+                <a:tint val="98000"/>
+                <a:satMod val="130000"/>
+                <a:shade val="90000"/>
+                <a:lumMod val="103000"/>
+              </a:schemeClr>
+            </a:gs>
+            <a:gs pos="100000">
+              <a:schemeClr val="phClr">
+                <a:shade val="63000"/>
+                <a:satMod val="120000"/>
+              </a:schemeClr>
+            </a:gs>
+          </a:gsLst>
+          <a:lin ang="5400000" scaled="0"/>
+        </a:gradFill>
+      </a:bgFillStyleLst>
+    </a:fmtScheme>
+  </a:themeElements>
+  <a:objectDefaults/>
+  <a:extraClrSchemeLst/>
+  <a:extLst>
+    <a:ext uri="{05A4C25C-085E-4340-85A3-A5531E510DB2}">
+      <thm15:themeFamily xmlns:thm15="http://schemas.microsoft.com/office/thememl/2012/main" name="Office Theme" id="{62F939B6-93AF-4DB8-9C6B-D6C7DFDC589F}" vid="{4A3C46E8-61CC-4603-A589-7422A47A8E4A}"/>
+    </a:ext>
+  </a:extLst>
+</a:theme>
 </file>
--- a/Score Sight Service.pptx
+++ b/Score Sight Service.pptx
@@ -5,12 +5,18 @@
     <p:sldMasterId id="2147483732" r:id="rId1"/>
   </p:sldMasterIdLst>
   <p:notesMasterIdLst>
-    <p:notesMasterId r:id="rId5"/>
+    <p:notesMasterId r:id="rId11"/>
   </p:notesMasterIdLst>
   <p:sldIdLst>
     <p:sldId id="256" r:id="rId2"/>
     <p:sldId id="257" r:id="rId3"/>
     <p:sldId id="258" r:id="rId4"/>
+    <p:sldId id="259" r:id="rId5"/>
+    <p:sldId id="260" r:id="rId6"/>
+    <p:sldId id="263" r:id="rId7"/>
+    <p:sldId id="264" r:id="rId8"/>
+    <p:sldId id="261" r:id="rId9"/>
+    <p:sldId id="262" r:id="rId10"/>
   </p:sldIdLst>
   <p:sldSz cx="12192000" cy="6858000"/>
   <p:notesSz cx="6858000" cy="9144000"/>
@@ -541,6 +547,90 @@
     <p:extLst>
       <p:ext uri="{BB962C8B-B14F-4D97-AF65-F5344CB8AC3E}">
         <p14:creationId xmlns:p14="http://schemas.microsoft.com/office/powerpoint/2010/main" val="3460404069"/>
+      </p:ext>
+    </p:extLst>
+  </p:cSld>
+  <p:clrMapOvr>
+    <a:masterClrMapping/>
+  </p:clrMapOvr>
+</p:notes>
+</file>
+
+<file path=ppt/notesSlides/notesSlide2.xml><?xml version="1.0" encoding="utf-8"?>
+<p:notes xmlns:a="http://schemas.openxmlformats.org/drawingml/2006/main" xmlns:r="http://schemas.openxmlformats.org/officeDocument/2006/relationships" xmlns:p="http://schemas.openxmlformats.org/presentationml/2006/main">
+  <p:cSld>
+    <p:spTree>
+      <p:nvGrpSpPr>
+        <p:cNvPr id="1" name=""/>
+        <p:cNvGrpSpPr/>
+        <p:nvPr/>
+      </p:nvGrpSpPr>
+      <p:grpSpPr>
+        <a:xfrm>
+          <a:off x="0" y="0"/>
+          <a:ext cx="0" cy="0"/>
+          <a:chOff x="0" y="0"/>
+          <a:chExt cx="0" cy="0"/>
+        </a:xfrm>
+      </p:grpSpPr>
+      <p:sp>
+        <p:nvSpPr>
+          <p:cNvPr id="2" name="Slide Image Placeholder 1"/>
+          <p:cNvSpPr>
+            <a:spLocks noGrp="1" noRot="1" noChangeAspect="1"/>
+          </p:cNvSpPr>
+          <p:nvPr>
+            <p:ph type="sldImg"/>
+          </p:nvPr>
+        </p:nvSpPr>
+        <p:spPr/>
+      </p:sp>
+      <p:sp>
+        <p:nvSpPr>
+          <p:cNvPr id="3" name="Notes Placeholder 2"/>
+          <p:cNvSpPr>
+            <a:spLocks noGrp="1"/>
+          </p:cNvSpPr>
+          <p:nvPr>
+            <p:ph type="body" idx="1"/>
+          </p:nvPr>
+        </p:nvSpPr>
+        <p:spPr/>
+        <p:txBody>
+          <a:bodyPr/>
+          <a:lstStyle/>
+          <a:p>
+            <a:endParaRPr lang="en-US" dirty="0"/>
+          </a:p>
+        </p:txBody>
+      </p:sp>
+      <p:sp>
+        <p:nvSpPr>
+          <p:cNvPr id="4" name="Slide Number Placeholder 3"/>
+          <p:cNvSpPr>
+            <a:spLocks noGrp="1"/>
+          </p:cNvSpPr>
+          <p:nvPr>
+            <p:ph type="sldNum" sz="quarter" idx="5"/>
+          </p:nvPr>
+        </p:nvSpPr>
+        <p:spPr/>
+        <p:txBody>
+          <a:bodyPr/>
+          <a:lstStyle/>
+          <a:p>
+            <a:fld id="{A68C2032-B50B-46B6-A4C5-397E124DBCC7}" type="slidenum">
+              <a:rPr lang="en-US" smtClean="0"/>
+              <a:t>4</a:t>
+            </a:fld>
+            <a:endParaRPr lang="en-US"/>
+          </a:p>
+        </p:txBody>
+      </p:sp>
+    </p:spTree>
+    <p:extLst>
+      <p:ext uri="{BB962C8B-B14F-4D97-AF65-F5344CB8AC3E}">
+        <p14:creationId xmlns:p14="http://schemas.microsoft.com/office/powerpoint/2010/main" val="2905257146"/>
       </p:ext>
     </p:extLst>
   </p:cSld>
@@ -35075,7 +35165,7 @@
           <a:p>
             <a:r>
               <a:rPr lang="en-US" sz="1100" dirty="0"/>
-              <a:t> Client</a:t>
+              <a:t>  Client</a:t>
             </a:r>
           </a:p>
         </p:txBody>
@@ -36428,7 +36518,7 @@
           <a:p>
             <a:r>
               <a:rPr lang="en-US" sz="1100" dirty="0" err="1"/>
-              <a:t>IngestDataCleaner</a:t>
+              <a:t>FeatureCalculation</a:t>
             </a:r>
             <a:endParaRPr lang="en-US" sz="1100" dirty="0"/>
           </a:p>
@@ -36464,7 +36554,7 @@
           <a:p>
             <a:r>
               <a:rPr lang="en-US" sz="1100" dirty="0" err="1"/>
-              <a:t>IngestDataCleaner</a:t>
+              <a:t>FeatureCalculation</a:t>
             </a:r>
             <a:endParaRPr lang="en-US" sz="1100" dirty="0"/>
           </a:p>
@@ -37969,8 +38059,8 @@
         </p:nvSpPr>
         <p:spPr>
           <a:xfrm>
-            <a:off x="7063020" y="4006749"/>
-            <a:ext cx="1875935" cy="261610"/>
+            <a:off x="7209833" y="3821143"/>
+            <a:ext cx="1875935" cy="430887"/>
           </a:xfrm>
           <a:prstGeom prst="rect">
             <a:avLst/>
@@ -37989,7 +38079,7 @@
             </a:r>
             <a:r>
               <a:rPr lang="en-US" sz="1100" dirty="0" err="1"/>
-              <a:t>FileSizeOptimizationTrigge</a:t>
+              <a:t>FileSizeOptimizationTrigger</a:t>
             </a:r>
             <a:endParaRPr lang="en-US" sz="1100" dirty="0"/>
           </a:p>
@@ -38184,6 +38274,1403 @@
     <p:extLst>
       <p:ext uri="{BB962C8B-B14F-4D97-AF65-F5344CB8AC3E}">
         <p14:creationId xmlns:p14="http://schemas.microsoft.com/office/powerpoint/2010/main" val="768238167"/>
+      </p:ext>
+    </p:extLst>
+  </p:cSld>
+  <p:clrMapOvr>
+    <a:masterClrMapping/>
+  </p:clrMapOvr>
+</p:sld>
+</file>
+
+<file path=ppt/slides/slide4.xml><?xml version="1.0" encoding="utf-8"?>
+<p:sld xmlns:a="http://schemas.openxmlformats.org/drawingml/2006/main" xmlns:r="http://schemas.openxmlformats.org/officeDocument/2006/relationships" xmlns:p="http://schemas.openxmlformats.org/presentationml/2006/main">
+  <p:cSld>
+    <p:spTree>
+      <p:nvGrpSpPr>
+        <p:cNvPr id="1" name=""/>
+        <p:cNvGrpSpPr/>
+        <p:nvPr/>
+      </p:nvGrpSpPr>
+      <p:grpSpPr>
+        <a:xfrm>
+          <a:off x="0" y="0"/>
+          <a:ext cx="0" cy="0"/>
+          <a:chOff x="0" y="0"/>
+          <a:chExt cx="0" cy="0"/>
+        </a:xfrm>
+      </p:grpSpPr>
+      <p:sp>
+        <p:nvSpPr>
+          <p:cNvPr id="2" name="Title 1">
+            <a:extLst>
+              <a:ext uri="{FF2B5EF4-FFF2-40B4-BE49-F238E27FC236}">
+                <a16:creationId xmlns:a16="http://schemas.microsoft.com/office/drawing/2014/main" id="{7CA4686B-ED2F-8BAE-F5E7-AE20DF7FACC9}"/>
+              </a:ext>
+            </a:extLst>
+          </p:cNvPr>
+          <p:cNvSpPr>
+            <a:spLocks noGrp="1"/>
+          </p:cNvSpPr>
+          <p:nvPr>
+            <p:ph type="title"/>
+          </p:nvPr>
+        </p:nvSpPr>
+        <p:spPr/>
+        <p:txBody>
+          <a:bodyPr/>
+          <a:lstStyle/>
+          <a:p>
+            <a:r>
+              <a:rPr lang="en-US" dirty="0"/>
+              <a:t>Service Architecture</a:t>
+            </a:r>
+          </a:p>
+        </p:txBody>
+      </p:sp>
+      <p:sp>
+        <p:nvSpPr>
+          <p:cNvPr id="3" name="Content Placeholder 2">
+            <a:extLst>
+              <a:ext uri="{FF2B5EF4-FFF2-40B4-BE49-F238E27FC236}">
+                <a16:creationId xmlns:a16="http://schemas.microsoft.com/office/drawing/2014/main" id="{232F21C7-7E2B-F005-2FA8-BD7325EFC1FB}"/>
+              </a:ext>
+            </a:extLst>
+          </p:cNvPr>
+          <p:cNvSpPr>
+            <a:spLocks noGrp="1"/>
+          </p:cNvSpPr>
+          <p:nvPr>
+            <p:ph idx="1"/>
+          </p:nvPr>
+        </p:nvSpPr>
+        <p:spPr>
+          <a:xfrm>
+            <a:off x="753980" y="1876926"/>
+            <a:ext cx="10413892" cy="4432434"/>
+          </a:xfrm>
+        </p:spPr>
+        <p:txBody>
+          <a:bodyPr>
+            <a:normAutofit lnSpcReduction="10000"/>
+          </a:bodyPr>
+          <a:lstStyle/>
+          <a:p>
+            <a:r>
+              <a:rPr lang="en-US" b="1" dirty="0"/>
+              <a:t>1. Data Storage:</a:t>
+            </a:r>
+          </a:p>
+          <a:p>
+            <a:pPr lvl="1"/>
+            <a:r>
+              <a:rPr lang="en-US" b="1" dirty="0"/>
+              <a:t>Raw Bucket: </a:t>
+            </a:r>
+            <a:r>
+              <a:rPr lang="en-US" dirty="0"/>
+              <a:t>This is the primary place for untouched input data.</a:t>
+            </a:r>
+          </a:p>
+          <a:p>
+            <a:pPr lvl="1"/>
+            <a:r>
+              <a:rPr lang="en-US" b="1" dirty="0"/>
+              <a:t>Ingest Bucket: </a:t>
+            </a:r>
+            <a:r>
+              <a:rPr lang="en-US" dirty="0"/>
+              <a:t>Here, data is validated. Invalid data is directed to the </a:t>
+            </a:r>
+            <a:r>
+              <a:rPr lang="en-US" b="1" dirty="0"/>
+              <a:t>Quarantine Bucket</a:t>
+            </a:r>
+            <a:r>
+              <a:rPr lang="en-US" dirty="0"/>
+              <a:t> for further analysis.</a:t>
+            </a:r>
+          </a:p>
+          <a:p>
+            <a:pPr lvl="1"/>
+            <a:r>
+              <a:rPr lang="en-US" b="1" dirty="0"/>
+              <a:t>Distill Bucket: </a:t>
+            </a:r>
+            <a:r>
+              <a:rPr lang="en-US" dirty="0"/>
+              <a:t>Data from both sources is combined here to derive combined features, preparing for further refinement and analytical use.</a:t>
+            </a:r>
+          </a:p>
+          <a:p>
+            <a:pPr lvl="1"/>
+            <a:r>
+              <a:rPr lang="en-US" b="1" dirty="0"/>
+              <a:t>Refine Bucket: </a:t>
+            </a:r>
+            <a:r>
+              <a:rPr lang="en-US" dirty="0"/>
+              <a:t>Data is further processed to obtain specific features for machine learning.</a:t>
+            </a:r>
+          </a:p>
+          <a:p>
+            <a:pPr lvl="1"/>
+            <a:r>
+              <a:rPr lang="en-US" b="1" dirty="0"/>
+              <a:t>Score Sight Model Bucket: </a:t>
+            </a:r>
+            <a:r>
+              <a:rPr lang="en-US" dirty="0"/>
+              <a:t>Contains the trained machine learning models as the resulting prediction data after the Training Job.</a:t>
+            </a:r>
+          </a:p>
+          <a:p>
+            <a:pPr marL="128016" lvl="1" indent="0">
+              <a:buNone/>
+            </a:pPr>
+            <a:endParaRPr lang="en-US" dirty="0"/>
+          </a:p>
+          <a:p>
+            <a:pPr marL="128016" lvl="1" indent="0">
+              <a:buNone/>
+            </a:pPr>
+            <a:r>
+              <a:rPr lang="en-US" sz="2200" b="1" dirty="0"/>
+              <a:t>2. Data Processing:</a:t>
+            </a:r>
+          </a:p>
+          <a:p>
+            <a:pPr marL="128016" lvl="1" indent="0">
+              <a:buNone/>
+            </a:pPr>
+            <a:r>
+              <a:rPr lang="en-US" b="1" dirty="0"/>
+              <a:t>Lambda Triggers:</a:t>
+            </a:r>
+          </a:p>
+          <a:p>
+            <a:pPr lvl="1"/>
+            <a:r>
+              <a:rPr lang="en-US" b="1" dirty="0" err="1"/>
+              <a:t>DataIngestTrigger</a:t>
+            </a:r>
+            <a:r>
+              <a:rPr lang="en-US" b="1" dirty="0"/>
+              <a:t>: </a:t>
+            </a:r>
+            <a:r>
+              <a:rPr lang="en-US" dirty="0"/>
+              <a:t>Activates upon the appearance of new data in the Raw Bucket, initiating the Glue Job processes.</a:t>
+            </a:r>
+          </a:p>
+          <a:p>
+            <a:pPr lvl="1"/>
+            <a:r>
+              <a:rPr lang="en-US" sz="1800" b="1" dirty="0" err="1"/>
+              <a:t>FileSizeOptimizationTrigger</a:t>
+            </a:r>
+            <a:r>
+              <a:rPr lang="en-US" b="1" dirty="0"/>
+              <a:t>: </a:t>
+            </a:r>
+            <a:r>
+              <a:rPr lang="en-US" dirty="0"/>
+              <a:t>Activates during weekend to scan subfolders, detect subfolders with small files and repartition them into larger, more optimal ones.</a:t>
+            </a:r>
+            <a:endParaRPr lang="en-US" b="1" dirty="0"/>
+          </a:p>
+        </p:txBody>
+      </p:sp>
+    </p:spTree>
+    <p:extLst>
+      <p:ext uri="{BB962C8B-B14F-4D97-AF65-F5344CB8AC3E}">
+        <p14:creationId xmlns:p14="http://schemas.microsoft.com/office/powerpoint/2010/main" val="3588045888"/>
+      </p:ext>
+    </p:extLst>
+  </p:cSld>
+  <p:clrMapOvr>
+    <a:masterClrMapping/>
+  </p:clrMapOvr>
+</p:sld>
+</file>
+
+<file path=ppt/slides/slide5.xml><?xml version="1.0" encoding="utf-8"?>
+<p:sld xmlns:a="http://schemas.openxmlformats.org/drawingml/2006/main" xmlns:r="http://schemas.openxmlformats.org/officeDocument/2006/relationships" xmlns:p="http://schemas.openxmlformats.org/presentationml/2006/main">
+  <p:cSld>
+    <p:spTree>
+      <p:nvGrpSpPr>
+        <p:cNvPr id="1" name=""/>
+        <p:cNvGrpSpPr/>
+        <p:nvPr/>
+      </p:nvGrpSpPr>
+      <p:grpSpPr>
+        <a:xfrm>
+          <a:off x="0" y="0"/>
+          <a:ext cx="0" cy="0"/>
+          <a:chOff x="0" y="0"/>
+          <a:chExt cx="0" cy="0"/>
+        </a:xfrm>
+      </p:grpSpPr>
+      <p:sp>
+        <p:nvSpPr>
+          <p:cNvPr id="2" name="Title 1">
+            <a:extLst>
+              <a:ext uri="{FF2B5EF4-FFF2-40B4-BE49-F238E27FC236}">
+                <a16:creationId xmlns:a16="http://schemas.microsoft.com/office/drawing/2014/main" id="{57B45316-6E40-29F3-5E2C-79CFBEA5A92A}"/>
+              </a:ext>
+            </a:extLst>
+          </p:cNvPr>
+          <p:cNvSpPr>
+            <a:spLocks noGrp="1"/>
+          </p:cNvSpPr>
+          <p:nvPr>
+            <p:ph type="title"/>
+          </p:nvPr>
+        </p:nvSpPr>
+        <p:spPr/>
+        <p:txBody>
+          <a:bodyPr/>
+          <a:lstStyle/>
+          <a:p>
+            <a:r>
+              <a:rPr lang="en-US" dirty="0"/>
+              <a:t>Service Architecture</a:t>
+            </a:r>
+          </a:p>
+        </p:txBody>
+      </p:sp>
+      <p:sp>
+        <p:nvSpPr>
+          <p:cNvPr id="3" name="Content Placeholder 2">
+            <a:extLst>
+              <a:ext uri="{FF2B5EF4-FFF2-40B4-BE49-F238E27FC236}">
+                <a16:creationId xmlns:a16="http://schemas.microsoft.com/office/drawing/2014/main" id="{4B8B7615-F236-314A-AD46-1684C66A8F03}"/>
+              </a:ext>
+            </a:extLst>
+          </p:cNvPr>
+          <p:cNvSpPr>
+            <a:spLocks noGrp="1"/>
+          </p:cNvSpPr>
+          <p:nvPr>
+            <p:ph idx="1"/>
+          </p:nvPr>
+        </p:nvSpPr>
+        <p:spPr>
+          <a:xfrm>
+            <a:off x="718458" y="1970314"/>
+            <a:ext cx="10025744" cy="4339046"/>
+          </a:xfrm>
+        </p:spPr>
+        <p:txBody>
+          <a:bodyPr>
+            <a:normAutofit/>
+          </a:bodyPr>
+          <a:lstStyle/>
+          <a:p>
+            <a:r>
+              <a:rPr lang="en-US" sz="1800" b="1" dirty="0"/>
+              <a:t>Glue Jobs: </a:t>
+            </a:r>
+            <a:r>
+              <a:rPr lang="en-US" sz="1800" dirty="0"/>
+              <a:t>Utilize </a:t>
+            </a:r>
+            <a:r>
+              <a:rPr lang="en-US" sz="1800" dirty="0" err="1"/>
+              <a:t>pyspark</a:t>
+            </a:r>
+            <a:r>
+              <a:rPr lang="en-US" sz="1800" dirty="0"/>
+              <a:t> scripts to process data between different buckets and combine features.</a:t>
+            </a:r>
+          </a:p>
+          <a:p>
+            <a:pPr marL="0" indent="0">
+              <a:buNone/>
+            </a:pPr>
+            <a:r>
+              <a:rPr lang="en-US" sz="1800" b="1" dirty="0"/>
+              <a:t>1) </a:t>
+            </a:r>
+            <a:r>
+              <a:rPr lang="en-US" sz="1800" b="1" dirty="0" err="1"/>
+              <a:t>RawDataProcessing</a:t>
+            </a:r>
+            <a:r>
+              <a:rPr lang="en-US" sz="1800" b="1" dirty="0"/>
+              <a:t>:</a:t>
+            </a:r>
+          </a:p>
+          <a:p>
+            <a:pPr lvl="1">
+              <a:buFont typeface="Wingdings" panose="05000000000000000000" pitchFamily="2" charset="2"/>
+              <a:buChar char="§"/>
+            </a:pPr>
+            <a:r>
+              <a:rPr lang="en-US" b="1" dirty="0"/>
+              <a:t>Functionality</a:t>
+            </a:r>
+            <a:r>
+              <a:rPr lang="en-US" sz="2100" b="1" dirty="0"/>
+              <a:t>:</a:t>
+            </a:r>
+          </a:p>
+          <a:p>
+            <a:pPr lvl="2">
+              <a:buFont typeface="Wingdings" panose="05000000000000000000" pitchFamily="2" charset="2"/>
+              <a:buChar char="§"/>
+            </a:pPr>
+            <a:r>
+              <a:rPr lang="en-US" sz="1700" dirty="0"/>
+              <a:t>Data validation to ensure consistency and correctness.</a:t>
+            </a:r>
+          </a:p>
+          <a:p>
+            <a:pPr lvl="2">
+              <a:buFont typeface="Wingdings" panose="05000000000000000000" pitchFamily="2" charset="2"/>
+              <a:buChar char="§"/>
+            </a:pPr>
+            <a:r>
+              <a:rPr lang="en-US" sz="1700" dirty="0"/>
+              <a:t>Schema validation to check for appropriate data structures.</a:t>
+            </a:r>
+          </a:p>
+          <a:p>
+            <a:pPr lvl="2">
+              <a:buFont typeface="Wingdings" panose="05000000000000000000" pitchFamily="2" charset="2"/>
+              <a:buChar char="§"/>
+            </a:pPr>
+            <a:r>
+              <a:rPr lang="en-US" sz="1700" dirty="0"/>
+              <a:t>Data cleaning to remove any anomalies or incorrect entries.</a:t>
+            </a:r>
+          </a:p>
+          <a:p>
+            <a:pPr marL="0" indent="0">
+              <a:buNone/>
+            </a:pPr>
+            <a:r>
+              <a:rPr lang="en-US" sz="1800" dirty="0"/>
+              <a:t>2) </a:t>
+            </a:r>
+            <a:r>
+              <a:rPr lang="en-US" sz="1800" b="1" dirty="0" err="1"/>
+              <a:t>FeatureCalculation</a:t>
+            </a:r>
+            <a:r>
+              <a:rPr lang="en-US" sz="1800" b="1" dirty="0"/>
+              <a:t>:</a:t>
+            </a:r>
+          </a:p>
+          <a:p>
+            <a:pPr lvl="1">
+              <a:buFont typeface="Wingdings" panose="05000000000000000000" pitchFamily="2" charset="2"/>
+              <a:buChar char="§"/>
+            </a:pPr>
+            <a:r>
+              <a:rPr lang="en-US" b="1" dirty="0"/>
+              <a:t>Functionality:</a:t>
+            </a:r>
+          </a:p>
+          <a:p>
+            <a:pPr lvl="2">
+              <a:buFont typeface="Wingdings" panose="05000000000000000000" pitchFamily="2" charset="2"/>
+              <a:buChar char="§"/>
+            </a:pPr>
+            <a:r>
+              <a:rPr lang="en-US" sz="1800" b="1" dirty="0"/>
+              <a:t>Monthly</a:t>
+            </a:r>
+            <a:r>
+              <a:rPr lang="en-US" b="1" dirty="0"/>
+              <a:t> </a:t>
+            </a:r>
+            <a:r>
+              <a:rPr lang="en-US" sz="1800" b="1" dirty="0"/>
+              <a:t>Feature Script:</a:t>
+            </a:r>
+          </a:p>
+          <a:p>
+            <a:pPr lvl="3">
+              <a:buFont typeface="Wingdings" panose="05000000000000000000" pitchFamily="2" charset="2"/>
+              <a:buChar char="§"/>
+            </a:pPr>
+            <a:r>
+              <a:rPr lang="en-US" sz="1800" b="1" dirty="0"/>
+              <a:t>Input: </a:t>
+            </a:r>
+            <a:r>
+              <a:rPr lang="en-US" sz="1800" dirty="0"/>
+              <a:t>A table (</a:t>
+            </a:r>
+            <a:r>
+              <a:rPr lang="en-US" sz="1800" b="1" dirty="0" err="1"/>
+              <a:t>source_m</a:t>
+            </a:r>
+            <a:r>
+              <a:rPr lang="en-US" sz="1800" dirty="0"/>
+              <a:t>) with monthly snapshots.</a:t>
+            </a:r>
+          </a:p>
+          <a:p>
+            <a:pPr lvl="3">
+              <a:buFont typeface="Wingdings" panose="05000000000000000000" pitchFamily="2" charset="2"/>
+              <a:buChar char="§"/>
+            </a:pPr>
+            <a:r>
+              <a:rPr lang="en-US" sz="1800" b="1" dirty="0"/>
+              <a:t>Key Components: </a:t>
+            </a:r>
+            <a:r>
+              <a:rPr lang="en-US" sz="1800" b="1" dirty="0" err="1"/>
+              <a:t>person_id</a:t>
+            </a:r>
+            <a:r>
+              <a:rPr lang="en-US" sz="1800" b="1" dirty="0"/>
+              <a:t> </a:t>
+            </a:r>
+            <a:r>
+              <a:rPr lang="en-US" sz="1800" dirty="0"/>
+              <a:t>(int), </a:t>
+            </a:r>
+            <a:r>
+              <a:rPr lang="en-US" sz="1800" b="1" dirty="0" err="1"/>
+              <a:t>snap_month_dt</a:t>
+            </a:r>
+            <a:r>
+              <a:rPr lang="en-US" sz="1800" b="1" dirty="0"/>
+              <a:t> </a:t>
+            </a:r>
+            <a:r>
+              <a:rPr lang="en-US" sz="1800" dirty="0"/>
+              <a:t>(date - the first day of the month), and other columns.</a:t>
+            </a:r>
+          </a:p>
+          <a:p>
+            <a:pPr lvl="3">
+              <a:buFont typeface="Wingdings" panose="05000000000000000000" pitchFamily="2" charset="2"/>
+              <a:buChar char="§"/>
+            </a:pPr>
+            <a:r>
+              <a:rPr lang="en-US" sz="1800" b="1" dirty="0"/>
+              <a:t>Output: </a:t>
+            </a:r>
+            <a:r>
+              <a:rPr lang="en-US" sz="1800" dirty="0"/>
+              <a:t>Table with columns: </a:t>
+            </a:r>
+            <a:r>
+              <a:rPr lang="en-US" sz="1800" b="1" dirty="0" err="1"/>
+              <a:t>person_id</a:t>
+            </a:r>
+            <a:r>
+              <a:rPr lang="en-US" sz="1800" b="1" dirty="0"/>
+              <a:t>, </a:t>
+            </a:r>
+            <a:r>
+              <a:rPr lang="en-US" sz="1800" b="1" dirty="0" err="1"/>
+              <a:t>snap_month_dt</a:t>
+            </a:r>
+            <a:r>
+              <a:rPr lang="en-US" sz="1800" b="1" dirty="0"/>
+              <a:t>, feature1, feature2, feature3.</a:t>
+            </a:r>
+          </a:p>
+        </p:txBody>
+      </p:sp>
+    </p:spTree>
+    <p:extLst>
+      <p:ext uri="{BB962C8B-B14F-4D97-AF65-F5344CB8AC3E}">
+        <p14:creationId xmlns:p14="http://schemas.microsoft.com/office/powerpoint/2010/main" val="3844885756"/>
+      </p:ext>
+    </p:extLst>
+  </p:cSld>
+  <p:clrMapOvr>
+    <a:masterClrMapping/>
+  </p:clrMapOvr>
+</p:sld>
+</file>
+
+<file path=ppt/slides/slide6.xml><?xml version="1.0" encoding="utf-8"?>
+<p:sld xmlns:a="http://schemas.openxmlformats.org/drawingml/2006/main" xmlns:r="http://schemas.openxmlformats.org/officeDocument/2006/relationships" xmlns:p="http://schemas.openxmlformats.org/presentationml/2006/main">
+  <p:cSld>
+    <p:spTree>
+      <p:nvGrpSpPr>
+        <p:cNvPr id="1" name=""/>
+        <p:cNvGrpSpPr/>
+        <p:nvPr/>
+      </p:nvGrpSpPr>
+      <p:grpSpPr>
+        <a:xfrm>
+          <a:off x="0" y="0"/>
+          <a:ext cx="0" cy="0"/>
+          <a:chOff x="0" y="0"/>
+          <a:chExt cx="0" cy="0"/>
+        </a:xfrm>
+      </p:grpSpPr>
+      <p:sp>
+        <p:nvSpPr>
+          <p:cNvPr id="2" name="Title 1">
+            <a:extLst>
+              <a:ext uri="{FF2B5EF4-FFF2-40B4-BE49-F238E27FC236}">
+                <a16:creationId xmlns:a16="http://schemas.microsoft.com/office/drawing/2014/main" id="{9E1519C2-E18D-AF21-6569-08C0E7A5726B}"/>
+              </a:ext>
+            </a:extLst>
+          </p:cNvPr>
+          <p:cNvSpPr>
+            <a:spLocks noGrp="1"/>
+          </p:cNvSpPr>
+          <p:nvPr>
+            <p:ph type="title"/>
+          </p:nvPr>
+        </p:nvSpPr>
+        <p:spPr/>
+        <p:txBody>
+          <a:bodyPr/>
+          <a:lstStyle/>
+          <a:p>
+            <a:r>
+              <a:rPr lang="en-US" dirty="0"/>
+              <a:t>Service Architecture</a:t>
+            </a:r>
+          </a:p>
+        </p:txBody>
+      </p:sp>
+      <p:sp>
+        <p:nvSpPr>
+          <p:cNvPr id="3" name="Content Placeholder 2">
+            <a:extLst>
+              <a:ext uri="{FF2B5EF4-FFF2-40B4-BE49-F238E27FC236}">
+                <a16:creationId xmlns:a16="http://schemas.microsoft.com/office/drawing/2014/main" id="{CD3D7B85-28D0-F897-A7B8-7D631C1688A3}"/>
+              </a:ext>
+            </a:extLst>
+          </p:cNvPr>
+          <p:cNvSpPr>
+            <a:spLocks noGrp="1"/>
+          </p:cNvSpPr>
+          <p:nvPr>
+            <p:ph idx="1"/>
+          </p:nvPr>
+        </p:nvSpPr>
+        <p:spPr>
+          <a:xfrm>
+            <a:off x="881744" y="1948543"/>
+            <a:ext cx="9862458" cy="4360817"/>
+          </a:xfrm>
+        </p:spPr>
+        <p:txBody>
+          <a:bodyPr/>
+          <a:lstStyle/>
+          <a:p>
+            <a:pPr lvl="4">
+              <a:buFont typeface="Wingdings" panose="05000000000000000000" pitchFamily="2" charset="2"/>
+              <a:buChar char="§"/>
+            </a:pPr>
+            <a:r>
+              <a:rPr lang="en-US" sz="1800" b="1" dirty="0"/>
+              <a:t>Daily</a:t>
+            </a:r>
+            <a:r>
+              <a:rPr lang="en-US" b="1" dirty="0"/>
+              <a:t> </a:t>
+            </a:r>
+            <a:r>
+              <a:rPr lang="en-US" sz="1800" b="1" dirty="0"/>
+              <a:t>Feature Script:</a:t>
+            </a:r>
+          </a:p>
+          <a:p>
+            <a:pPr lvl="5">
+              <a:buFont typeface="Wingdings" panose="05000000000000000000" pitchFamily="2" charset="2"/>
+              <a:buChar char="§"/>
+            </a:pPr>
+            <a:r>
+              <a:rPr lang="en-US" sz="1800" b="1" dirty="0"/>
+              <a:t>Input: </a:t>
+            </a:r>
+            <a:r>
+              <a:rPr lang="en-US" sz="1800" dirty="0"/>
+              <a:t>A table (</a:t>
+            </a:r>
+            <a:r>
+              <a:rPr lang="en-US" sz="1800" b="1" dirty="0" err="1"/>
+              <a:t>source_d</a:t>
+            </a:r>
+            <a:r>
+              <a:rPr lang="en-US" sz="1800" dirty="0"/>
+              <a:t>) with monthly snapshots.</a:t>
+            </a:r>
+          </a:p>
+          <a:p>
+            <a:pPr lvl="5">
+              <a:buFont typeface="Wingdings" panose="05000000000000000000" pitchFamily="2" charset="2"/>
+              <a:buChar char="§"/>
+            </a:pPr>
+            <a:r>
+              <a:rPr lang="en-US" sz="1800" b="1" dirty="0"/>
+              <a:t>Key Components: </a:t>
+            </a:r>
+            <a:r>
+              <a:rPr lang="en-US" sz="1800" b="1" dirty="0" err="1"/>
+              <a:t>person_id</a:t>
+            </a:r>
+            <a:r>
+              <a:rPr lang="en-US" sz="1800" b="1" dirty="0"/>
+              <a:t> </a:t>
+            </a:r>
+            <a:r>
+              <a:rPr lang="en-US" sz="1800" dirty="0"/>
+              <a:t>(int), </a:t>
+            </a:r>
+            <a:r>
+              <a:rPr lang="en-US" sz="1800" b="1" dirty="0" err="1"/>
+              <a:t>snap_day_dt</a:t>
+            </a:r>
+            <a:r>
+              <a:rPr lang="en-US" sz="1800" b="1" dirty="0"/>
+              <a:t> </a:t>
+            </a:r>
+            <a:r>
+              <a:rPr lang="en-US" sz="1800" dirty="0"/>
+              <a:t>(date - the first day of the month), and other columns.</a:t>
+            </a:r>
+          </a:p>
+          <a:p>
+            <a:pPr lvl="5">
+              <a:buFont typeface="Wingdings" panose="05000000000000000000" pitchFamily="2" charset="2"/>
+              <a:buChar char="§"/>
+            </a:pPr>
+            <a:r>
+              <a:rPr lang="en-US" sz="1800" b="1" dirty="0"/>
+              <a:t>Output: </a:t>
+            </a:r>
+            <a:r>
+              <a:rPr lang="en-US" sz="1800" dirty="0"/>
+              <a:t>Table with columns: </a:t>
+            </a:r>
+            <a:r>
+              <a:rPr lang="en-US" sz="1800" b="1" dirty="0" err="1"/>
+              <a:t>person_id</a:t>
+            </a:r>
+            <a:r>
+              <a:rPr lang="en-US" sz="1800" b="1" dirty="0"/>
+              <a:t>, </a:t>
+            </a:r>
+            <a:r>
+              <a:rPr lang="en-US" sz="1800" b="1" dirty="0" err="1"/>
+              <a:t>snap_day_dt</a:t>
+            </a:r>
+            <a:r>
+              <a:rPr lang="en-US" sz="1800" b="1" dirty="0"/>
+              <a:t>, feature4, feature5.</a:t>
+            </a:r>
+          </a:p>
+          <a:p>
+            <a:pPr marL="457200" lvl="3" indent="0">
+              <a:buNone/>
+            </a:pPr>
+            <a:endParaRPr lang="en-US" sz="1800" b="1" dirty="0"/>
+          </a:p>
+          <a:p>
+            <a:r>
+              <a:rPr lang="en-US" sz="1800" b="1" dirty="0"/>
+              <a:t>3) </a:t>
+            </a:r>
+            <a:r>
+              <a:rPr lang="en-US" sz="1800" b="1" dirty="0" err="1"/>
+              <a:t>DistilledDataAggregator</a:t>
+            </a:r>
+            <a:r>
+              <a:rPr lang="en-US" sz="1800" b="1" dirty="0"/>
+              <a:t>:</a:t>
+            </a:r>
+          </a:p>
+          <a:p>
+            <a:pPr lvl="2">
+              <a:buFont typeface="Wingdings" panose="05000000000000000000" pitchFamily="2" charset="2"/>
+              <a:buChar char="§"/>
+            </a:pPr>
+            <a:r>
+              <a:rPr lang="en-US" sz="1800" b="1" dirty="0"/>
+              <a:t>Functionality:</a:t>
+            </a:r>
+          </a:p>
+          <a:p>
+            <a:pPr lvl="3">
+              <a:buFont typeface="Wingdings" panose="05000000000000000000" pitchFamily="2" charset="2"/>
+              <a:buChar char="§"/>
+            </a:pPr>
+            <a:r>
+              <a:rPr lang="en-US" sz="1800" dirty="0"/>
+              <a:t>Aggregate and prepare the features into a format suitable for ML model consumption.</a:t>
+            </a:r>
+          </a:p>
+          <a:p>
+            <a:pPr lvl="3">
+              <a:buFont typeface="Wingdings" panose="05000000000000000000" pitchFamily="2" charset="2"/>
+              <a:buChar char="§"/>
+            </a:pPr>
+            <a:r>
+              <a:rPr lang="en-US" sz="1800" b="1" dirty="0"/>
+              <a:t> Output: </a:t>
+            </a:r>
+            <a:r>
+              <a:rPr lang="en-US" sz="1800" dirty="0"/>
+              <a:t>Combined data with </a:t>
+            </a:r>
+            <a:r>
+              <a:rPr lang="en-US" sz="1800" b="1" dirty="0"/>
+              <a:t>feature1, feature2, feature3, feature4, feature5.</a:t>
+            </a:r>
+          </a:p>
+          <a:p>
+            <a:pPr marL="457200" lvl="3" indent="0">
+              <a:buNone/>
+            </a:pPr>
+            <a:endParaRPr lang="en-US" b="1" dirty="0"/>
+          </a:p>
+        </p:txBody>
+      </p:sp>
+    </p:spTree>
+    <p:extLst>
+      <p:ext uri="{BB962C8B-B14F-4D97-AF65-F5344CB8AC3E}">
+        <p14:creationId xmlns:p14="http://schemas.microsoft.com/office/powerpoint/2010/main" val="1536819626"/>
+      </p:ext>
+    </p:extLst>
+  </p:cSld>
+  <p:clrMapOvr>
+    <a:masterClrMapping/>
+  </p:clrMapOvr>
+</p:sld>
+</file>
+
+<file path=ppt/slides/slide7.xml><?xml version="1.0" encoding="utf-8"?>
+<p:sld xmlns:a="http://schemas.openxmlformats.org/drawingml/2006/main" xmlns:r="http://schemas.openxmlformats.org/officeDocument/2006/relationships" xmlns:p="http://schemas.openxmlformats.org/presentationml/2006/main">
+  <p:cSld>
+    <p:spTree>
+      <p:nvGrpSpPr>
+        <p:cNvPr id="1" name=""/>
+        <p:cNvGrpSpPr/>
+        <p:nvPr/>
+      </p:nvGrpSpPr>
+      <p:grpSpPr>
+        <a:xfrm>
+          <a:off x="0" y="0"/>
+          <a:ext cx="0" cy="0"/>
+          <a:chOff x="0" y="0"/>
+          <a:chExt cx="0" cy="0"/>
+        </a:xfrm>
+      </p:grpSpPr>
+      <p:sp>
+        <p:nvSpPr>
+          <p:cNvPr id="2" name="Title 1">
+            <a:extLst>
+              <a:ext uri="{FF2B5EF4-FFF2-40B4-BE49-F238E27FC236}">
+                <a16:creationId xmlns:a16="http://schemas.microsoft.com/office/drawing/2014/main" id="{A8B64F0B-3412-7597-3F0F-80C26F05EAD2}"/>
+              </a:ext>
+            </a:extLst>
+          </p:cNvPr>
+          <p:cNvSpPr>
+            <a:spLocks noGrp="1"/>
+          </p:cNvSpPr>
+          <p:nvPr>
+            <p:ph type="title"/>
+          </p:nvPr>
+        </p:nvSpPr>
+        <p:spPr/>
+        <p:txBody>
+          <a:bodyPr/>
+          <a:lstStyle/>
+          <a:p>
+            <a:r>
+              <a:rPr lang="en-US" dirty="0"/>
+              <a:t>Service Architecture</a:t>
+            </a:r>
+          </a:p>
+        </p:txBody>
+      </p:sp>
+      <p:sp>
+        <p:nvSpPr>
+          <p:cNvPr id="3" name="Content Placeholder 2">
+            <a:extLst>
+              <a:ext uri="{FF2B5EF4-FFF2-40B4-BE49-F238E27FC236}">
+                <a16:creationId xmlns:a16="http://schemas.microsoft.com/office/drawing/2014/main" id="{A36E4B27-39DE-D06F-3983-28B83B5B12F7}"/>
+              </a:ext>
+            </a:extLst>
+          </p:cNvPr>
+          <p:cNvSpPr>
+            <a:spLocks noGrp="1"/>
+          </p:cNvSpPr>
+          <p:nvPr>
+            <p:ph idx="1"/>
+          </p:nvPr>
+        </p:nvSpPr>
+        <p:spPr>
+          <a:xfrm>
+            <a:off x="718458" y="1948543"/>
+            <a:ext cx="10025744" cy="4360817"/>
+          </a:xfrm>
+        </p:spPr>
+        <p:txBody>
+          <a:bodyPr/>
+          <a:lstStyle/>
+          <a:p>
+            <a:r>
+              <a:rPr lang="en-US" sz="1800" b="1" dirty="0"/>
+              <a:t>4) </a:t>
+            </a:r>
+            <a:r>
+              <a:rPr lang="en-US" sz="1800" b="1" dirty="0" err="1"/>
+              <a:t>FileSizeOptimizationJob</a:t>
+            </a:r>
+            <a:r>
+              <a:rPr lang="en-US" sz="1800" b="1" dirty="0"/>
+              <a:t>:</a:t>
+            </a:r>
+          </a:p>
+          <a:p>
+            <a:pPr lvl="2">
+              <a:buFont typeface="Wingdings" panose="05000000000000000000" pitchFamily="2" charset="2"/>
+              <a:buChar char="§"/>
+            </a:pPr>
+            <a:r>
+              <a:rPr lang="en-US" sz="1800" b="1" dirty="0"/>
+              <a:t>Functionality:</a:t>
+            </a:r>
+          </a:p>
+          <a:p>
+            <a:pPr lvl="3">
+              <a:buFont typeface="Wingdings" panose="05000000000000000000" pitchFamily="2" charset="2"/>
+              <a:buChar char="§"/>
+            </a:pPr>
+            <a:r>
+              <a:rPr lang="en-US" sz="1800" b="1" dirty="0"/>
+              <a:t>Bucket Scanning: </a:t>
+            </a:r>
+            <a:r>
+              <a:rPr lang="en-US" sz="1800" dirty="0"/>
+              <a:t>Scan specified S3 buckets or paths for the presence of multiple small files.</a:t>
+            </a:r>
+          </a:p>
+          <a:p>
+            <a:pPr lvl="3">
+              <a:buFont typeface="Wingdings" panose="05000000000000000000" pitchFamily="2" charset="2"/>
+              <a:buChar char="§"/>
+            </a:pPr>
+            <a:r>
+              <a:rPr lang="en-US" sz="1800" b="1" dirty="0"/>
+              <a:t>Detection: </a:t>
+            </a:r>
+            <a:r>
+              <a:rPr lang="en-US" sz="1800" dirty="0"/>
+              <a:t>Identify folders that have many small files that together could be optimized into larger files.</a:t>
+            </a:r>
+          </a:p>
+          <a:p>
+            <a:pPr lvl="3">
+              <a:buFont typeface="Wingdings" panose="05000000000000000000" pitchFamily="2" charset="2"/>
+              <a:buChar char="§"/>
+            </a:pPr>
+            <a:r>
+              <a:rPr lang="en-US" sz="1800" b="1" dirty="0"/>
+              <a:t>Repartition: </a:t>
+            </a:r>
+            <a:r>
+              <a:rPr lang="en-US" sz="1800" dirty="0"/>
+              <a:t>Use Spark's repartitioning functionality to consolidate multiple small files into fewer larger files.</a:t>
+            </a:r>
+          </a:p>
+          <a:p>
+            <a:pPr lvl="3">
+              <a:buFont typeface="Wingdings" panose="05000000000000000000" pitchFamily="2" charset="2"/>
+              <a:buChar char="§"/>
+            </a:pPr>
+            <a:r>
+              <a:rPr lang="en-US" sz="1800" b="1" dirty="0"/>
+              <a:t>Overwrite: </a:t>
+            </a:r>
+            <a:r>
+              <a:rPr lang="en-US" sz="1800" dirty="0"/>
+              <a:t>Replace the many small files in the original S3 location with the fewer optimized larger files.</a:t>
+            </a:r>
+            <a:endParaRPr lang="en-US" sz="1800" b="1" dirty="0"/>
+          </a:p>
+          <a:p>
+            <a:endParaRPr lang="en-US" dirty="0"/>
+          </a:p>
+        </p:txBody>
+      </p:sp>
+    </p:spTree>
+    <p:extLst>
+      <p:ext uri="{BB962C8B-B14F-4D97-AF65-F5344CB8AC3E}">
+        <p14:creationId xmlns:p14="http://schemas.microsoft.com/office/powerpoint/2010/main" val="4284423295"/>
+      </p:ext>
+    </p:extLst>
+  </p:cSld>
+  <p:clrMapOvr>
+    <a:masterClrMapping/>
+  </p:clrMapOvr>
+</p:sld>
+</file>
+
+<file path=ppt/slides/slide8.xml><?xml version="1.0" encoding="utf-8"?>
+<p:sld xmlns:a="http://schemas.openxmlformats.org/drawingml/2006/main" xmlns:r="http://schemas.openxmlformats.org/officeDocument/2006/relationships" xmlns:p="http://schemas.openxmlformats.org/presentationml/2006/main">
+  <p:cSld>
+    <p:spTree>
+      <p:nvGrpSpPr>
+        <p:cNvPr id="1" name=""/>
+        <p:cNvGrpSpPr/>
+        <p:nvPr/>
+      </p:nvGrpSpPr>
+      <p:grpSpPr>
+        <a:xfrm>
+          <a:off x="0" y="0"/>
+          <a:ext cx="0" cy="0"/>
+          <a:chOff x="0" y="0"/>
+          <a:chExt cx="0" cy="0"/>
+        </a:xfrm>
+      </p:grpSpPr>
+      <p:sp>
+        <p:nvSpPr>
+          <p:cNvPr id="2" name="Title 1">
+            <a:extLst>
+              <a:ext uri="{FF2B5EF4-FFF2-40B4-BE49-F238E27FC236}">
+                <a16:creationId xmlns:a16="http://schemas.microsoft.com/office/drawing/2014/main" id="{BE85E96A-497D-0EC8-BA2C-D6AE4C6FC5C7}"/>
+              </a:ext>
+            </a:extLst>
+          </p:cNvPr>
+          <p:cNvSpPr>
+            <a:spLocks noGrp="1"/>
+          </p:cNvSpPr>
+          <p:nvPr>
+            <p:ph type="title"/>
+          </p:nvPr>
+        </p:nvSpPr>
+        <p:spPr/>
+        <p:txBody>
+          <a:bodyPr/>
+          <a:lstStyle/>
+          <a:p>
+            <a:r>
+              <a:rPr lang="en-US" dirty="0"/>
+              <a:t>Service Architecture</a:t>
+            </a:r>
+          </a:p>
+        </p:txBody>
+      </p:sp>
+      <p:sp>
+        <p:nvSpPr>
+          <p:cNvPr id="3" name="Content Placeholder 2">
+            <a:extLst>
+              <a:ext uri="{FF2B5EF4-FFF2-40B4-BE49-F238E27FC236}">
+                <a16:creationId xmlns:a16="http://schemas.microsoft.com/office/drawing/2014/main" id="{C6F838DD-0286-20A3-C0AB-2D57D8CF62B0}"/>
+              </a:ext>
+            </a:extLst>
+          </p:cNvPr>
+          <p:cNvSpPr>
+            <a:spLocks noGrp="1"/>
+          </p:cNvSpPr>
+          <p:nvPr>
+            <p:ph idx="1"/>
+          </p:nvPr>
+        </p:nvSpPr>
+        <p:spPr>
+          <a:xfrm>
+            <a:off x="729343" y="1632857"/>
+            <a:ext cx="9797143" cy="4735285"/>
+          </a:xfrm>
+        </p:spPr>
+        <p:txBody>
+          <a:bodyPr>
+            <a:normAutofit fontScale="92500" lnSpcReduction="10000"/>
+          </a:bodyPr>
+          <a:lstStyle/>
+          <a:p>
+            <a:pPr lvl="1"/>
+            <a:endParaRPr lang="en-US" b="1" dirty="0"/>
+          </a:p>
+          <a:p>
+            <a:r>
+              <a:rPr lang="en-US" sz="2400" b="1" dirty="0"/>
+              <a:t>3. Machine Learning Model:</a:t>
+            </a:r>
+          </a:p>
+          <a:p>
+            <a:pPr lvl="1"/>
+            <a:r>
+              <a:rPr lang="en-US" b="1" dirty="0" err="1"/>
+              <a:t>SageMaker</a:t>
+            </a:r>
+            <a:r>
+              <a:rPr lang="en-US" b="1" dirty="0"/>
+              <a:t> Training Job: </a:t>
+            </a:r>
+            <a:r>
+              <a:rPr lang="en-US" dirty="0"/>
+              <a:t>Uses data from the Refine Bucket to train the ML model.</a:t>
+            </a:r>
+            <a:endParaRPr lang="en-US" b="1" dirty="0"/>
+          </a:p>
+          <a:p>
+            <a:pPr marL="128016" lvl="1" indent="0">
+              <a:buNone/>
+            </a:pPr>
+            <a:endParaRPr lang="en-US" sz="2200" b="1" dirty="0"/>
+          </a:p>
+          <a:p>
+            <a:pPr marL="128016" lvl="1" indent="0">
+              <a:buNone/>
+            </a:pPr>
+            <a:r>
+              <a:rPr lang="en-US" sz="2200" b="1" dirty="0"/>
+              <a:t>4. </a:t>
+            </a:r>
+            <a:r>
+              <a:rPr lang="en-US" sz="2400" b="1" dirty="0"/>
+              <a:t>Prediction Services:</a:t>
+            </a:r>
+          </a:p>
+          <a:p>
+            <a:pPr lvl="1"/>
+            <a:r>
+              <a:rPr lang="en-US" b="1" dirty="0"/>
+              <a:t>Online Prediction: </a:t>
+            </a:r>
+            <a:r>
+              <a:rPr lang="en-US" dirty="0" err="1"/>
+              <a:t>SageMaker</a:t>
+            </a:r>
+            <a:r>
+              <a:rPr lang="en-US" dirty="0"/>
+              <a:t> Endpoint handles real-time prediction. A Lambda function (</a:t>
+            </a:r>
+            <a:r>
+              <a:rPr lang="en-US" sz="1800" b="1" dirty="0" err="1"/>
+              <a:t>OnlineScoreSightLambda</a:t>
+            </a:r>
+            <a:r>
+              <a:rPr lang="en-US" sz="1800" b="1" dirty="0"/>
+              <a:t>) </a:t>
+            </a:r>
+            <a:r>
+              <a:rPr lang="en-US" sz="1800" dirty="0"/>
+              <a:t>connects it to the API Gateway.</a:t>
+            </a:r>
+          </a:p>
+          <a:p>
+            <a:pPr lvl="1"/>
+            <a:r>
+              <a:rPr lang="en-US" b="1" dirty="0"/>
+              <a:t>Batching Prediction: </a:t>
+            </a:r>
+            <a:r>
+              <a:rPr lang="en-US" dirty="0" err="1"/>
+              <a:t>SageMaker</a:t>
+            </a:r>
+            <a:r>
+              <a:rPr lang="en-US" dirty="0"/>
+              <a:t> Batch Transform handles batch prediction tasks. The results are conveyed to the API Gateway through a Lambda function (</a:t>
+            </a:r>
+            <a:r>
+              <a:rPr lang="en-US" sz="1800" b="1" dirty="0" err="1"/>
+              <a:t>BatchScoreSightLambda</a:t>
+            </a:r>
+            <a:r>
+              <a:rPr lang="en-US" sz="1800" dirty="0"/>
+              <a:t>).</a:t>
+            </a:r>
+          </a:p>
+          <a:p>
+            <a:pPr marL="128016" lvl="1" indent="0">
+              <a:buNone/>
+            </a:pPr>
+            <a:endParaRPr lang="en-US" sz="3200" b="1" dirty="0"/>
+          </a:p>
+          <a:p>
+            <a:pPr marL="128016" lvl="1" indent="0">
+              <a:buNone/>
+            </a:pPr>
+            <a:r>
+              <a:rPr lang="en-US" sz="2400" b="1" dirty="0"/>
+              <a:t>5. Monitoring, Logging and Notifications:</a:t>
+            </a:r>
+          </a:p>
+          <a:p>
+            <a:pPr lvl="1"/>
+            <a:r>
+              <a:rPr lang="en-US" b="1" dirty="0"/>
+              <a:t>CloudWatch: </a:t>
+            </a:r>
+            <a:r>
+              <a:rPr lang="en-US" dirty="0"/>
+              <a:t>Oversees the health and performance of services.</a:t>
+            </a:r>
+          </a:p>
+          <a:p>
+            <a:pPr lvl="1"/>
+            <a:r>
+              <a:rPr lang="en-US" b="1" dirty="0"/>
+              <a:t>Datadog: </a:t>
+            </a:r>
+            <a:r>
+              <a:rPr lang="en-US" dirty="0"/>
+              <a:t>Provides a deeper dive into monitoring, logging, and visualization.</a:t>
+            </a:r>
+          </a:p>
+          <a:p>
+            <a:pPr lvl="1"/>
+            <a:r>
+              <a:rPr lang="en-US" b="1" dirty="0"/>
+              <a:t>SNS (Simple Notification Service): </a:t>
+            </a:r>
+            <a:r>
+              <a:rPr lang="en-US" dirty="0"/>
+              <a:t>Sends email notifications in cases loke job </a:t>
+            </a:r>
+            <a:r>
+              <a:rPr lang="en-US" dirty="0" err="1"/>
+              <a:t>completitions</a:t>
+            </a:r>
+            <a:r>
+              <a:rPr lang="en-US" dirty="0"/>
+              <a:t>, error, or any other critical events</a:t>
+            </a:r>
+            <a:endParaRPr lang="en-US" b="1" dirty="0"/>
+          </a:p>
+          <a:p>
+            <a:endParaRPr lang="en-US" b="1" dirty="0"/>
+          </a:p>
+          <a:p>
+            <a:pPr>
+              <a:buFont typeface="Wingdings" panose="05000000000000000000" pitchFamily="2" charset="2"/>
+              <a:buChar char="§"/>
+            </a:pPr>
+            <a:endParaRPr lang="en-US" sz="1800" b="1" dirty="0"/>
+          </a:p>
+          <a:p>
+            <a:pPr marL="0" indent="0">
+              <a:buNone/>
+            </a:pPr>
+            <a:endParaRPr lang="en-US" sz="1800" b="1" dirty="0"/>
+          </a:p>
+        </p:txBody>
+      </p:sp>
+    </p:spTree>
+    <p:extLst>
+      <p:ext uri="{BB962C8B-B14F-4D97-AF65-F5344CB8AC3E}">
+        <p14:creationId xmlns:p14="http://schemas.microsoft.com/office/powerpoint/2010/main" val="1744503538"/>
+      </p:ext>
+    </p:extLst>
+  </p:cSld>
+  <p:clrMapOvr>
+    <a:masterClrMapping/>
+  </p:clrMapOvr>
+</p:sld>
+</file>
+
+<file path=ppt/slides/slide9.xml><?xml version="1.0" encoding="utf-8"?>
+<p:sld xmlns:a="http://schemas.openxmlformats.org/drawingml/2006/main" xmlns:r="http://schemas.openxmlformats.org/officeDocument/2006/relationships" xmlns:p="http://schemas.openxmlformats.org/presentationml/2006/main">
+  <p:cSld>
+    <p:spTree>
+      <p:nvGrpSpPr>
+        <p:cNvPr id="1" name=""/>
+        <p:cNvGrpSpPr/>
+        <p:nvPr/>
+      </p:nvGrpSpPr>
+      <p:grpSpPr>
+        <a:xfrm>
+          <a:off x="0" y="0"/>
+          <a:ext cx="0" cy="0"/>
+          <a:chOff x="0" y="0"/>
+          <a:chExt cx="0" cy="0"/>
+        </a:xfrm>
+      </p:grpSpPr>
+      <p:sp>
+        <p:nvSpPr>
+          <p:cNvPr id="2" name="Title 1">
+            <a:extLst>
+              <a:ext uri="{FF2B5EF4-FFF2-40B4-BE49-F238E27FC236}">
+                <a16:creationId xmlns:a16="http://schemas.microsoft.com/office/drawing/2014/main" id="{B42A17A7-0BB0-76ED-9DBC-C9B1299D3B0F}"/>
+              </a:ext>
+            </a:extLst>
+          </p:cNvPr>
+          <p:cNvSpPr>
+            <a:spLocks noGrp="1"/>
+          </p:cNvSpPr>
+          <p:nvPr>
+            <p:ph type="title"/>
+          </p:nvPr>
+        </p:nvSpPr>
+        <p:spPr/>
+        <p:txBody>
+          <a:bodyPr/>
+          <a:lstStyle/>
+          <a:p>
+            <a:r>
+              <a:rPr lang="en-US" dirty="0"/>
+              <a:t>Service Architecture</a:t>
+            </a:r>
+          </a:p>
+        </p:txBody>
+      </p:sp>
+      <p:sp>
+        <p:nvSpPr>
+          <p:cNvPr id="3" name="Content Placeholder 2">
+            <a:extLst>
+              <a:ext uri="{FF2B5EF4-FFF2-40B4-BE49-F238E27FC236}">
+                <a16:creationId xmlns:a16="http://schemas.microsoft.com/office/drawing/2014/main" id="{CC4ADBE9-DCEA-6B28-C60B-DD4B8E7D666F}"/>
+              </a:ext>
+            </a:extLst>
+          </p:cNvPr>
+          <p:cNvSpPr>
+            <a:spLocks noGrp="1"/>
+          </p:cNvSpPr>
+          <p:nvPr>
+            <p:ph idx="1"/>
+          </p:nvPr>
+        </p:nvSpPr>
+        <p:spPr>
+          <a:xfrm>
+            <a:off x="827314" y="1981200"/>
+            <a:ext cx="9916888" cy="4328160"/>
+          </a:xfrm>
+        </p:spPr>
+        <p:txBody>
+          <a:bodyPr>
+            <a:normAutofit fontScale="62500" lnSpcReduction="20000"/>
+          </a:bodyPr>
+          <a:lstStyle/>
+          <a:p>
+            <a:r>
+              <a:rPr lang="en-US" sz="3500" b="1" dirty="0"/>
+              <a:t>6. Orchestration and Automation:</a:t>
+            </a:r>
+          </a:p>
+          <a:p>
+            <a:pPr>
+              <a:buFont typeface="Wingdings" panose="05000000000000000000" pitchFamily="2" charset="2"/>
+              <a:buChar char="§"/>
+            </a:pPr>
+            <a:r>
+              <a:rPr lang="en-US" sz="2400" b="1" dirty="0"/>
+              <a:t> </a:t>
+            </a:r>
+            <a:r>
+              <a:rPr lang="en-US" sz="2900" b="1" dirty="0"/>
+              <a:t>Step Function: </a:t>
+            </a:r>
+            <a:r>
+              <a:rPr lang="en-US" sz="2900" dirty="0"/>
+              <a:t>Oversees and arranges the order of operations across services and data processing stages.</a:t>
+            </a:r>
+          </a:p>
+          <a:p>
+            <a:endParaRPr lang="en-US" sz="2400" dirty="0"/>
+          </a:p>
+          <a:p>
+            <a:r>
+              <a:rPr lang="en-US" sz="3500" b="1" dirty="0"/>
+              <a:t>7. CI/CD Pipeline:</a:t>
+            </a:r>
+          </a:p>
+          <a:p>
+            <a:pPr>
+              <a:buFont typeface="Wingdings" panose="05000000000000000000" pitchFamily="2" charset="2"/>
+              <a:buChar char="§"/>
+            </a:pPr>
+            <a:r>
+              <a:rPr lang="en-US" sz="2400" b="1" dirty="0"/>
+              <a:t> </a:t>
+            </a:r>
+            <a:r>
+              <a:rPr lang="en-US" sz="2900" b="1" dirty="0"/>
+              <a:t>GitHub: </a:t>
+            </a:r>
+            <a:r>
+              <a:rPr lang="en-US" sz="2900" dirty="0"/>
+              <a:t>Repository for code, ensuring version control.</a:t>
+            </a:r>
+          </a:p>
+          <a:p>
+            <a:pPr>
+              <a:buFont typeface="Wingdings" panose="05000000000000000000" pitchFamily="2" charset="2"/>
+              <a:buChar char="§"/>
+            </a:pPr>
+            <a:r>
+              <a:rPr lang="en-US" sz="2900" b="1" dirty="0"/>
+              <a:t> Bamboo: </a:t>
+            </a:r>
+            <a:r>
+              <a:rPr lang="en-US" sz="2900" dirty="0"/>
+              <a:t>Oversees the automated build and deployment procedure, validating that code adjustments are tested and deployed efficiently.</a:t>
+            </a:r>
+          </a:p>
+          <a:p>
+            <a:pPr>
+              <a:buFont typeface="Wingdings" panose="05000000000000000000" pitchFamily="2" charset="2"/>
+              <a:buChar char="§"/>
+            </a:pPr>
+            <a:endParaRPr lang="en-US" b="1" dirty="0"/>
+          </a:p>
+          <a:p>
+            <a:pPr marL="0" indent="0">
+              <a:buNone/>
+            </a:pPr>
+            <a:r>
+              <a:rPr lang="en-US" sz="3500" b="1" dirty="0"/>
+              <a:t>8. Testing:</a:t>
+            </a:r>
+          </a:p>
+          <a:p>
+            <a:pPr>
+              <a:buFont typeface="Wingdings" panose="05000000000000000000" pitchFamily="2" charset="2"/>
+              <a:buChar char="§"/>
+            </a:pPr>
+            <a:r>
+              <a:rPr lang="en-US" sz="2900" b="1" dirty="0"/>
+              <a:t> </a:t>
+            </a:r>
+            <a:r>
+              <a:rPr lang="en-US" sz="2900" b="1" dirty="0" err="1"/>
+              <a:t>PyTest</a:t>
+            </a:r>
+            <a:r>
+              <a:rPr lang="en-US" sz="2900" b="1" dirty="0"/>
+              <a:t>: </a:t>
+            </a:r>
+            <a:r>
+              <a:rPr lang="en-US" sz="2900" dirty="0" err="1"/>
+              <a:t>PyTest</a:t>
+            </a:r>
+            <a:r>
+              <a:rPr lang="en-US" sz="2900" dirty="0"/>
+              <a:t> is suitable for unit testing your scripts and application logic.</a:t>
+            </a:r>
+          </a:p>
+          <a:p>
+            <a:pPr>
+              <a:buFont typeface="Wingdings" panose="05000000000000000000" pitchFamily="2" charset="2"/>
+              <a:buChar char="§"/>
+            </a:pPr>
+            <a:r>
+              <a:rPr lang="en-US" sz="2900" b="1" dirty="0"/>
+              <a:t> Postman: </a:t>
+            </a:r>
+            <a:r>
+              <a:rPr lang="en-US" sz="2900" dirty="0"/>
+              <a:t>For Api endpoint testing to ensure that the endpoints, especially from API Gateway, are functioning as expected.</a:t>
+            </a:r>
+            <a:endParaRPr lang="en-US" sz="2900" b="1" dirty="0"/>
+          </a:p>
+          <a:p>
+            <a:endParaRPr lang="en-US" dirty="0"/>
+          </a:p>
+        </p:txBody>
+      </p:sp>
+    </p:spTree>
+    <p:extLst>
+      <p:ext uri="{BB962C8B-B14F-4D97-AF65-F5344CB8AC3E}">
+        <p14:creationId xmlns:p14="http://schemas.microsoft.com/office/powerpoint/2010/main" val="209465863"/>
       </p:ext>
     </p:extLst>
   </p:cSld>
